--- a/10-linear_py/slides.pptx
+++ b/10-linear_py/slides.pptx
@@ -6,40 +6,37 @@
     <p:sldMasterId id="2147483649" r:id="rId2"/>
   </p:sldMasterIdLst>
   <p:notesMasterIdLst>
-    <p:notesMasterId r:id="rId34"/>
+    <p:notesMasterId r:id="rId31"/>
   </p:notesMasterIdLst>
   <p:sldIdLst>
     <p:sldId id="258" r:id="rId3"/>
-    <p:sldId id="340" r:id="rId4"/>
-    <p:sldId id="633" r:id="rId5"/>
-    <p:sldId id="604" r:id="rId6"/>
-    <p:sldId id="610" r:id="rId7"/>
-    <p:sldId id="611" r:id="rId8"/>
-    <p:sldId id="603" r:id="rId9"/>
-    <p:sldId id="635" r:id="rId10"/>
-    <p:sldId id="602" r:id="rId11"/>
-    <p:sldId id="607" r:id="rId12"/>
-    <p:sldId id="613" r:id="rId13"/>
-    <p:sldId id="614" r:id="rId14"/>
-    <p:sldId id="617" r:id="rId15"/>
-    <p:sldId id="616" r:id="rId16"/>
-    <p:sldId id="618" r:id="rId17"/>
-    <p:sldId id="619" r:id="rId18"/>
-    <p:sldId id="643" r:id="rId19"/>
-    <p:sldId id="620" r:id="rId20"/>
-    <p:sldId id="621" r:id="rId21"/>
-    <p:sldId id="622" r:id="rId22"/>
-    <p:sldId id="644" r:id="rId23"/>
-    <p:sldId id="625" r:id="rId24"/>
-    <p:sldId id="628" r:id="rId25"/>
-    <p:sldId id="629" r:id="rId26"/>
-    <p:sldId id="627" r:id="rId27"/>
-    <p:sldId id="630" r:id="rId28"/>
-    <p:sldId id="638" r:id="rId29"/>
-    <p:sldId id="642" r:id="rId30"/>
-    <p:sldId id="639" r:id="rId31"/>
-    <p:sldId id="645" r:id="rId32"/>
-    <p:sldId id="600" r:id="rId33"/>
+    <p:sldId id="604" r:id="rId4"/>
+    <p:sldId id="610" r:id="rId5"/>
+    <p:sldId id="611" r:id="rId6"/>
+    <p:sldId id="603" r:id="rId7"/>
+    <p:sldId id="635" r:id="rId8"/>
+    <p:sldId id="602" r:id="rId9"/>
+    <p:sldId id="607" r:id="rId10"/>
+    <p:sldId id="613" r:id="rId11"/>
+    <p:sldId id="614" r:id="rId12"/>
+    <p:sldId id="617" r:id="rId13"/>
+    <p:sldId id="616" r:id="rId14"/>
+    <p:sldId id="618" r:id="rId15"/>
+    <p:sldId id="619" r:id="rId16"/>
+    <p:sldId id="643" r:id="rId17"/>
+    <p:sldId id="620" r:id="rId18"/>
+    <p:sldId id="621" r:id="rId19"/>
+    <p:sldId id="622" r:id="rId20"/>
+    <p:sldId id="644" r:id="rId21"/>
+    <p:sldId id="625" r:id="rId22"/>
+    <p:sldId id="628" r:id="rId23"/>
+    <p:sldId id="629" r:id="rId24"/>
+    <p:sldId id="627" r:id="rId25"/>
+    <p:sldId id="630" r:id="rId26"/>
+    <p:sldId id="638" r:id="rId27"/>
+    <p:sldId id="642" r:id="rId28"/>
+    <p:sldId id="639" r:id="rId29"/>
+    <p:sldId id="645" r:id="rId30"/>
   </p:sldIdLst>
   <p:sldSz cx="9363075" cy="5257800"/>
   <p:notesSz cx="6858000" cy="9144000"/>
@@ -262,7 +259,7 @@
           <a:p>
             <a:fld id="{DB92F479-4B50-F243-9713-1B12EC2B4BDB}" type="datetimeFigureOut">
               <a:rPr lang="en-US" smtClean="0"/>
-              <a:t>3/30/14</a:t>
+              <a:t>8/20/14</a:t>
             </a:fld>
             <a:endParaRPr lang="en-US"/>
           </a:p>
@@ -793,34 +790,8 @@
                 <a:latin typeface="ArialMT"/>
                 <a:sym typeface="Wingdings"/>
               </a:rPr>
-              <a:t> Alternative: degree of polynomial (less general, can’t use for non-poly cases)</a:t>
-            </a:r>
-          </a:p>
-          <a:p>
-            <a:pPr marL="0" marR="0" indent="0" algn="l" defTabSz="457200" rtl="0" eaLnBrk="1" fontAlgn="auto" latinLnBrk="0" hangingPunct="1">
-              <a:lnSpc>
-                <a:spcPct val="100000"/>
-              </a:lnSpc>
-              <a:spcBef>
-                <a:spcPts val="0"/>
-              </a:spcBef>
-              <a:spcAft>
-                <a:spcPts val="0"/>
-              </a:spcAft>
-              <a:buClrTx/>
-              <a:buSzTx/>
-              <a:buFontTx/>
-              <a:buNone/>
-              <a:tabLst/>
-              <a:defRPr/>
-            </a:pPr>
-            <a:endParaRPr lang="en-US" sz="1200" baseline="0" dirty="0" smtClean="0">
-              <a:solidFill>
-                <a:prstClr val="black"/>
-              </a:solidFill>
-              <a:latin typeface="ArialMT"/>
-              <a:sym typeface="Wingdings"/>
-            </a:endParaRPr>
+              <a:t> </a:t>
+            </a:r>
           </a:p>
         </p:txBody>
       </p:sp>
@@ -1149,7 +1120,56 @@
                 <a:latin typeface="ArialMT"/>
                 <a:sym typeface="Wingdings"/>
               </a:rPr>
-              <a:t> </a:t>
+              <a:t>L1 – lasso method</a:t>
+            </a:r>
+          </a:p>
+          <a:p>
+            <a:pPr marL="0" marR="0" indent="0" algn="l" defTabSz="457200" rtl="0" eaLnBrk="1" fontAlgn="auto" latinLnBrk="0" hangingPunct="1">
+              <a:lnSpc>
+                <a:spcPct val="100000"/>
+              </a:lnSpc>
+              <a:spcBef>
+                <a:spcPts val="0"/>
+              </a:spcBef>
+              <a:spcAft>
+                <a:spcPts val="0"/>
+              </a:spcAft>
+              <a:buClrTx/>
+              <a:buSzTx/>
+              <a:buFontTx/>
+              <a:buNone/>
+              <a:tabLst/>
+              <a:defRPr/>
+            </a:pPr>
+            <a:r>
+              <a:rPr lang="en-US" sz="1200" baseline="0" dirty="0" smtClean="0">
+                <a:solidFill>
+                  <a:prstClr val="black"/>
+                </a:solidFill>
+                <a:latin typeface="ArialMT"/>
+                <a:sym typeface="Wingdings"/>
+              </a:rPr>
+              <a:t>L2 – ridge regression, </a:t>
+            </a:r>
+            <a:r>
+              <a:rPr lang="en-US" sz="1200" baseline="0" dirty="0" err="1" smtClean="0">
+                <a:solidFill>
+                  <a:prstClr val="black"/>
+                </a:solidFill>
+                <a:latin typeface="ArialMT"/>
+                <a:sym typeface="Wingdings"/>
+              </a:rPr>
+              <a:t>tikhonov</a:t>
+            </a:r>
+            <a:r>
+              <a:rPr lang="en-US" sz="1200" baseline="0" dirty="0" smtClean="0">
+                <a:solidFill>
+                  <a:prstClr val="black"/>
+                </a:solidFill>
+                <a:latin typeface="ArialMT"/>
+                <a:sym typeface="Wingdings"/>
+              </a:rPr>
+              <a:t> regularization</a:t>
             </a:r>
           </a:p>
         </p:txBody>
@@ -1259,7 +1279,56 @@
                 <a:latin typeface="ArialMT"/>
                 <a:sym typeface="Wingdings"/>
               </a:rPr>
-              <a:t> </a:t>
+              <a:t>L1 – lasso method</a:t>
+            </a:r>
+          </a:p>
+          <a:p>
+            <a:pPr marL="0" marR="0" indent="0" algn="l" defTabSz="457200" rtl="0" eaLnBrk="1" fontAlgn="auto" latinLnBrk="0" hangingPunct="1">
+              <a:lnSpc>
+                <a:spcPct val="100000"/>
+              </a:lnSpc>
+              <a:spcBef>
+                <a:spcPts val="0"/>
+              </a:spcBef>
+              <a:spcAft>
+                <a:spcPts val="0"/>
+              </a:spcAft>
+              <a:buClrTx/>
+              <a:buSzTx/>
+              <a:buFontTx/>
+              <a:buNone/>
+              <a:tabLst/>
+              <a:defRPr/>
+            </a:pPr>
+            <a:r>
+              <a:rPr lang="en-US" sz="1200" baseline="0" dirty="0" smtClean="0">
+                <a:solidFill>
+                  <a:prstClr val="black"/>
+                </a:solidFill>
+                <a:latin typeface="ArialMT"/>
+                <a:sym typeface="Wingdings"/>
+              </a:rPr>
+              <a:t>L2 – ridge regression, </a:t>
+            </a:r>
+            <a:r>
+              <a:rPr lang="en-US" sz="1200" baseline="0" dirty="0" err="1" smtClean="0">
+                <a:solidFill>
+                  <a:prstClr val="black"/>
+                </a:solidFill>
+                <a:latin typeface="ArialMT"/>
+                <a:sym typeface="Wingdings"/>
+              </a:rPr>
+              <a:t>tikhonov</a:t>
+            </a:r>
+            <a:r>
+              <a:rPr lang="en-US" sz="1200" baseline="0" dirty="0" smtClean="0">
+                <a:solidFill>
+                  <a:prstClr val="black"/>
+                </a:solidFill>
+                <a:latin typeface="ArialMT"/>
+                <a:sym typeface="Wingdings"/>
+              </a:rPr>
+              <a:t> regularization</a:t>
             </a:r>
           </a:p>
         </p:txBody>
@@ -1369,56 +1438,7 @@
                 <a:latin typeface="ArialMT"/>
                 <a:sym typeface="Wingdings"/>
               </a:rPr>
-              <a:t>L1 – lasso method</a:t>
-            </a:r>
-          </a:p>
-          <a:p>
-            <a:pPr marL="0" marR="0" indent="0" algn="l" defTabSz="457200" rtl="0" eaLnBrk="1" fontAlgn="auto" latinLnBrk="0" hangingPunct="1">
-              <a:lnSpc>
-                <a:spcPct val="100000"/>
-              </a:lnSpc>
-              <a:spcBef>
-                <a:spcPts val="0"/>
-              </a:spcBef>
-              <a:spcAft>
-                <a:spcPts val="0"/>
-              </a:spcAft>
-              <a:buClrTx/>
-              <a:buSzTx/>
-              <a:buFontTx/>
-              <a:buNone/>
-              <a:tabLst/>
-              <a:defRPr/>
-            </a:pPr>
-            <a:r>
-              <a:rPr lang="en-US" sz="1200" baseline="0" dirty="0" smtClean="0">
-                <a:solidFill>
-                  <a:prstClr val="black"/>
-                </a:solidFill>
-                <a:latin typeface="ArialMT"/>
-                <a:sym typeface="Wingdings"/>
-              </a:rPr>
-              <a:t>L2 – ridge regression, </a:t>
-            </a:r>
-            <a:r>
-              <a:rPr lang="en-US" sz="1200" baseline="0" dirty="0" err="1" smtClean="0">
-                <a:solidFill>
-                  <a:prstClr val="black"/>
-                </a:solidFill>
-                <a:latin typeface="ArialMT"/>
-                <a:sym typeface="Wingdings"/>
-              </a:rPr>
-              <a:t>tikhonov</a:t>
-            </a:r>
-            <a:r>
-              <a:rPr lang="en-US" sz="1200" baseline="0" dirty="0" smtClean="0">
-                <a:solidFill>
-                  <a:prstClr val="black"/>
-                </a:solidFill>
-                <a:latin typeface="ArialMT"/>
-                <a:sym typeface="Wingdings"/>
-              </a:rPr>
-              <a:t> regularization</a:t>
+              <a:t>Important sentence</a:t>
             </a:r>
           </a:p>
         </p:txBody>
@@ -1528,56 +1548,7 @@
                 <a:latin typeface="ArialMT"/>
                 <a:sym typeface="Wingdings"/>
               </a:rPr>
-              <a:t>L1 – lasso method</a:t>
-            </a:r>
-          </a:p>
-          <a:p>
-            <a:pPr marL="0" marR="0" indent="0" algn="l" defTabSz="457200" rtl="0" eaLnBrk="1" fontAlgn="auto" latinLnBrk="0" hangingPunct="1">
-              <a:lnSpc>
-                <a:spcPct val="100000"/>
-              </a:lnSpc>
-              <a:spcBef>
-                <a:spcPts val="0"/>
-              </a:spcBef>
-              <a:spcAft>
-                <a:spcPts val="0"/>
-              </a:spcAft>
-              <a:buClrTx/>
-              <a:buSzTx/>
-              <a:buFontTx/>
-              <a:buNone/>
-              <a:tabLst/>
-              <a:defRPr/>
-            </a:pPr>
-            <a:r>
-              <a:rPr lang="en-US" sz="1200" baseline="0" dirty="0" smtClean="0">
-                <a:solidFill>
-                  <a:prstClr val="black"/>
-                </a:solidFill>
-                <a:latin typeface="ArialMT"/>
-                <a:sym typeface="Wingdings"/>
-              </a:rPr>
-              <a:t>L2 – ridge regression, </a:t>
-            </a:r>
-            <a:r>
-              <a:rPr lang="en-US" sz="1200" baseline="0" dirty="0" err="1" smtClean="0">
-                <a:solidFill>
-                  <a:prstClr val="black"/>
-                </a:solidFill>
-                <a:latin typeface="ArialMT"/>
-                <a:sym typeface="Wingdings"/>
-              </a:rPr>
-              <a:t>tikhonov</a:t>
-            </a:r>
-            <a:r>
-              <a:rPr lang="en-US" sz="1200" baseline="0" dirty="0" smtClean="0">
-                <a:solidFill>
-                  <a:prstClr val="black"/>
-                </a:solidFill>
-                <a:latin typeface="ArialMT"/>
-                <a:sym typeface="Wingdings"/>
-              </a:rPr>
-              <a:t> regularization</a:t>
+              <a:t> </a:t>
             </a:r>
           </a:p>
         </p:txBody>
@@ -1687,7 +1658,7 @@
                 <a:latin typeface="ArialMT"/>
                 <a:sym typeface="Wingdings"/>
               </a:rPr>
-              <a:t>Important sentence</a:t>
+              <a:t> </a:t>
             </a:r>
           </a:p>
         </p:txBody>
@@ -1882,11 +1853,33 @@
           <a:bodyPr/>
           <a:lstStyle/>
           <a:p>
-            <a:r>
-              <a:rPr lang="en-US" baseline="0" dirty="0" smtClean="0"/>
-              <a:t>  </a:t>
-            </a:r>
-            <a:endParaRPr lang="en-US" dirty="0"/>
+            <a:pPr marL="0" marR="0" indent="0" algn="l" defTabSz="457200" rtl="0" eaLnBrk="1" fontAlgn="auto" latinLnBrk="0" hangingPunct="1">
+              <a:lnSpc>
+                <a:spcPct val="100000"/>
+              </a:lnSpc>
+              <a:spcBef>
+                <a:spcPts val="0"/>
+              </a:spcBef>
+              <a:spcAft>
+                <a:spcPts val="0"/>
+              </a:spcAft>
+              <a:buClrTx/>
+              <a:buSzTx/>
+              <a:buFontTx/>
+              <a:buNone/>
+              <a:tabLst/>
+              <a:defRPr/>
+            </a:pPr>
+            <a:r>
+              <a:rPr lang="en-US" sz="1200" baseline="0" dirty="0" smtClean="0">
+                <a:solidFill>
+                  <a:prstClr val="black"/>
+                </a:solidFill>
+                <a:latin typeface="ArialMT"/>
+                <a:sym typeface="Wingdings"/>
+              </a:rPr>
+              <a:t> </a:t>
+            </a:r>
           </a:p>
         </p:txBody>
       </p:sp>
@@ -1916,7 +1909,7 @@
     </p:spTree>
     <p:extLst>
       <p:ext uri="{BB962C8B-B14F-4D97-AF65-F5344CB8AC3E}">
-        <p14:creationId xmlns:p14="http://schemas.microsoft.com/office/powerpoint/2010/main" val="184081147"/>
+        <p14:creationId xmlns:p14="http://schemas.microsoft.com/office/powerpoint/2010/main" val="645762702"/>
       </p:ext>
     </p:extLst>
   </p:cSld>
@@ -2325,7 +2318,36 @@
                 <a:latin typeface="ArialMT"/>
                 <a:sym typeface="Wingdings"/>
               </a:rPr>
-              <a:t> </a:t>
+              <a:t>Low bias – on target</a:t>
+            </a:r>
+          </a:p>
+          <a:p>
+            <a:pPr marL="0" marR="0" indent="0" algn="l" defTabSz="457200" rtl="0" eaLnBrk="1" fontAlgn="auto" latinLnBrk="0" hangingPunct="1">
+              <a:lnSpc>
+                <a:spcPct val="100000"/>
+              </a:lnSpc>
+              <a:spcBef>
+                <a:spcPts val="0"/>
+              </a:spcBef>
+              <a:spcAft>
+                <a:spcPts val="0"/>
+              </a:spcAft>
+              <a:buClrTx/>
+              <a:buSzTx/>
+              <a:buFontTx/>
+              <a:buNone/>
+              <a:tabLst/>
+              <a:defRPr/>
+            </a:pPr>
+            <a:r>
+              <a:rPr lang="en-US" sz="1200" baseline="0" dirty="0" smtClean="0">
+                <a:solidFill>
+                  <a:prstClr val="black"/>
+                </a:solidFill>
+                <a:latin typeface="ArialMT"/>
+                <a:sym typeface="Wingdings"/>
+              </a:rPr>
+              <a:t>Low variance – tight grouping</a:t>
             </a:r>
           </a:p>
         </p:txBody>
@@ -2545,36 +2567,7 @@
                 <a:latin typeface="ArialMT"/>
                 <a:sym typeface="Wingdings"/>
               </a:rPr>
-              <a:t>Low bias – on target</a:t>
-            </a:r>
-          </a:p>
-          <a:p>
-            <a:pPr marL="0" marR="0" indent="0" algn="l" defTabSz="457200" rtl="0" eaLnBrk="1" fontAlgn="auto" latinLnBrk="0" hangingPunct="1">
-              <a:lnSpc>
-                <a:spcPct val="100000"/>
-              </a:lnSpc>
-              <a:spcBef>
-                <a:spcPts val="0"/>
-              </a:spcBef>
-              <a:spcAft>
-                <a:spcPts val="0"/>
-              </a:spcAft>
-              <a:buClrTx/>
-              <a:buSzTx/>
-              <a:buFontTx/>
-              <a:buNone/>
-              <a:tabLst/>
-              <a:defRPr/>
-            </a:pPr>
-            <a:r>
-              <a:rPr lang="en-US" sz="1200" baseline="0" dirty="0" smtClean="0">
-                <a:solidFill>
-                  <a:prstClr val="black"/>
-                </a:solidFill>
-                <a:latin typeface="ArialMT"/>
-                <a:sym typeface="Wingdings"/>
-              </a:rPr>
-              <a:t>Low variance – tight grouping</a:t>
+              <a:t> </a:t>
             </a:r>
           </a:p>
         </p:txBody>
@@ -2676,16 +2669,13 @@
               <a:tabLst/>
               <a:defRPr/>
             </a:pPr>
-            <a:r>
-              <a:rPr lang="en-US" sz="1200" baseline="0" dirty="0" smtClean="0">
-                <a:solidFill>
-                  <a:prstClr val="black"/>
-                </a:solidFill>
-                <a:latin typeface="ArialMT"/>
-                <a:sym typeface="Wingdings"/>
-              </a:rPr>
-              <a:t> </a:t>
-            </a:r>
+            <a:endParaRPr lang="en-US" sz="1200" baseline="0" dirty="0" smtClean="0">
+              <a:solidFill>
+                <a:prstClr val="black"/>
+              </a:solidFill>
+              <a:latin typeface="ArialMT"/>
+              <a:sym typeface="Wingdings"/>
+            </a:endParaRPr>
           </a:p>
         </p:txBody>
       </p:sp>
@@ -2787,7 +2777,7 @@
               <a:defRPr/>
             </a:pPr>
             <a:r>
-              <a:rPr lang="en-US" sz="1200" baseline="0" dirty="0" smtClean="0">
+              <a:rPr lang="en-US" sz="1200" baseline="0" smtClean="0">
                 <a:solidFill>
                   <a:prstClr val="black"/>
                 </a:solidFill>
@@ -2796,6 +2786,13 @@
               </a:rPr>
               <a:t> </a:t>
             </a:r>
+            <a:endParaRPr lang="en-US" sz="1200" baseline="0" dirty="0" smtClean="0">
+              <a:solidFill>
+                <a:prstClr val="black"/>
+              </a:solidFill>
+              <a:latin typeface="ArialMT"/>
+              <a:sym typeface="Wingdings"/>
+            </a:endParaRPr>
           </a:p>
         </p:txBody>
       </p:sp>
@@ -2896,6 +2893,16 @@
               <a:tabLst/>
               <a:defRPr/>
             </a:pPr>
+            <a:r>
+              <a:rPr lang="en-US" sz="1200" baseline="0" smtClean="0">
+                <a:solidFill>
+                  <a:prstClr val="black"/>
+                </a:solidFill>
+                <a:latin typeface="ArialMT"/>
+                <a:sym typeface="Wingdings"/>
+              </a:rPr>
+              <a:t> </a:t>
+            </a:r>
             <a:endParaRPr lang="en-US" sz="1200" baseline="0" dirty="0" smtClean="0">
               <a:solidFill>
                 <a:prstClr val="black"/>
@@ -2924,123 +2931,6 @@
             <a:fld id="{ADD4B5B7-85EF-4E48-AC80-2380FACD9C23}" type="slidenum">
               <a:rPr lang="en-US" smtClean="0"/>
               <a:t>28</a:t>
-            </a:fld>
-            <a:endParaRPr lang="en-US"/>
-          </a:p>
-        </p:txBody>
-      </p:sp>
-    </p:spTree>
-    <p:extLst>
-      <p:ext uri="{BB962C8B-B14F-4D97-AF65-F5344CB8AC3E}">
-        <p14:creationId xmlns:p14="http://schemas.microsoft.com/office/powerpoint/2010/main" val="645762702"/>
-      </p:ext>
-    </p:extLst>
-  </p:cSld>
-  <p:clrMapOvr>
-    <a:masterClrMapping/>
-  </p:clrMapOvr>
-</p:notes>
-</file>
-
-<file path=ppt/notesSlides/notesSlide29.xml><?xml version="1.0" encoding="utf-8"?>
-<p:notes xmlns:a="http://schemas.openxmlformats.org/drawingml/2006/main" xmlns:r="http://schemas.openxmlformats.org/officeDocument/2006/relationships" xmlns:p="http://schemas.openxmlformats.org/presentationml/2006/main">
-  <p:cSld>
-    <p:spTree>
-      <p:nvGrpSpPr>
-        <p:cNvPr id="1" name=""/>
-        <p:cNvGrpSpPr/>
-        <p:nvPr/>
-      </p:nvGrpSpPr>
-      <p:grpSpPr>
-        <a:xfrm>
-          <a:off x="0" y="0"/>
-          <a:ext cx="0" cy="0"/>
-          <a:chOff x="0" y="0"/>
-          <a:chExt cx="0" cy="0"/>
-        </a:xfrm>
-      </p:grpSpPr>
-      <p:sp>
-        <p:nvSpPr>
-          <p:cNvPr id="2" name="Slide Image Placeholder 1"/>
-          <p:cNvSpPr>
-            <a:spLocks noGrp="1" noRot="1" noChangeAspect="1"/>
-          </p:cNvSpPr>
-          <p:nvPr>
-            <p:ph type="sldImg"/>
-          </p:nvPr>
-        </p:nvSpPr>
-        <p:spPr/>
-      </p:sp>
-      <p:sp>
-        <p:nvSpPr>
-          <p:cNvPr id="3" name="Notes Placeholder 2"/>
-          <p:cNvSpPr>
-            <a:spLocks noGrp="1"/>
-          </p:cNvSpPr>
-          <p:nvPr>
-            <p:ph type="body" idx="1"/>
-          </p:nvPr>
-        </p:nvSpPr>
-        <p:spPr/>
-        <p:txBody>
-          <a:bodyPr/>
-          <a:lstStyle/>
-          <a:p>
-            <a:pPr marL="0" marR="0" indent="0" algn="l" defTabSz="457200" rtl="0" eaLnBrk="1" fontAlgn="auto" latinLnBrk="0" hangingPunct="1">
-              <a:lnSpc>
-                <a:spcPct val="100000"/>
-              </a:lnSpc>
-              <a:spcBef>
-                <a:spcPts val="0"/>
-              </a:spcBef>
-              <a:spcAft>
-                <a:spcPts val="0"/>
-              </a:spcAft>
-              <a:buClrTx/>
-              <a:buSzTx/>
-              <a:buFontTx/>
-              <a:buNone/>
-              <a:tabLst/>
-              <a:defRPr/>
-            </a:pPr>
-            <a:r>
-              <a:rPr lang="en-US" sz="1200" baseline="0" smtClean="0">
-                <a:solidFill>
-                  <a:prstClr val="black"/>
-                </a:solidFill>
-                <a:latin typeface="ArialMT"/>
-                <a:sym typeface="Wingdings"/>
-              </a:rPr>
-              <a:t> </a:t>
-            </a:r>
-            <a:endParaRPr lang="en-US" sz="1200" baseline="0" dirty="0" smtClean="0">
-              <a:solidFill>
-                <a:prstClr val="black"/>
-              </a:solidFill>
-              <a:latin typeface="ArialMT"/>
-              <a:sym typeface="Wingdings"/>
-            </a:endParaRPr>
-          </a:p>
-        </p:txBody>
-      </p:sp>
-      <p:sp>
-        <p:nvSpPr>
-          <p:cNvPr id="4" name="Slide Number Placeholder 3"/>
-          <p:cNvSpPr>
-            <a:spLocks noGrp="1"/>
-          </p:cNvSpPr>
-          <p:nvPr>
-            <p:ph type="sldNum" sz="quarter" idx="10"/>
-          </p:nvPr>
-        </p:nvSpPr>
-        <p:spPr/>
-        <p:txBody>
-          <a:bodyPr/>
-          <a:lstStyle/>
-          <a:p>
-            <a:fld id="{ADD4B5B7-85EF-4E48-AC80-2380FACD9C23}" type="slidenum">
-              <a:rPr lang="en-US" smtClean="0"/>
-              <a:t>29</a:t>
             </a:fld>
             <a:endParaRPr lang="en-US"/>
           </a:p>
@@ -3103,93 +2993,6 @@
           <a:bodyPr/>
           <a:lstStyle/>
           <a:p>
-            <a:r>
-              <a:rPr lang="en-US" baseline="0" dirty="0" smtClean="0"/>
-              <a:t> </a:t>
-            </a:r>
-          </a:p>
-        </p:txBody>
-      </p:sp>
-      <p:sp>
-        <p:nvSpPr>
-          <p:cNvPr id="4" name="Slide Number Placeholder 3"/>
-          <p:cNvSpPr>
-            <a:spLocks noGrp="1"/>
-          </p:cNvSpPr>
-          <p:nvPr>
-            <p:ph type="sldNum" sz="quarter" idx="10"/>
-          </p:nvPr>
-        </p:nvSpPr>
-        <p:spPr/>
-        <p:txBody>
-          <a:bodyPr/>
-          <a:lstStyle/>
-          <a:p>
-            <a:fld id="{ADD4B5B7-85EF-4E48-AC80-2380FACD9C23}" type="slidenum">
-              <a:rPr lang="en-US" smtClean="0"/>
-              <a:t>3</a:t>
-            </a:fld>
-            <a:endParaRPr lang="en-US"/>
-          </a:p>
-        </p:txBody>
-      </p:sp>
-    </p:spTree>
-    <p:extLst>
-      <p:ext uri="{BB962C8B-B14F-4D97-AF65-F5344CB8AC3E}">
-        <p14:creationId xmlns:p14="http://schemas.microsoft.com/office/powerpoint/2010/main" val="158773868"/>
-      </p:ext>
-    </p:extLst>
-  </p:cSld>
-  <p:clrMapOvr>
-    <a:masterClrMapping/>
-  </p:clrMapOvr>
-</p:notes>
-</file>
-
-<file path=ppt/notesSlides/notesSlide30.xml><?xml version="1.0" encoding="utf-8"?>
-<p:notes xmlns:a="http://schemas.openxmlformats.org/drawingml/2006/main" xmlns:r="http://schemas.openxmlformats.org/officeDocument/2006/relationships" xmlns:p="http://schemas.openxmlformats.org/presentationml/2006/main">
-  <p:cSld>
-    <p:spTree>
-      <p:nvGrpSpPr>
-        <p:cNvPr id="1" name=""/>
-        <p:cNvGrpSpPr/>
-        <p:nvPr/>
-      </p:nvGrpSpPr>
-      <p:grpSpPr>
-        <a:xfrm>
-          <a:off x="0" y="0"/>
-          <a:ext cx="0" cy="0"/>
-          <a:chOff x="0" y="0"/>
-          <a:chExt cx="0" cy="0"/>
-        </a:xfrm>
-      </p:grpSpPr>
-      <p:sp>
-        <p:nvSpPr>
-          <p:cNvPr id="2" name="Slide Image Placeholder 1"/>
-          <p:cNvSpPr>
-            <a:spLocks noGrp="1" noRot="1" noChangeAspect="1"/>
-          </p:cNvSpPr>
-          <p:nvPr>
-            <p:ph type="sldImg"/>
-          </p:nvPr>
-        </p:nvSpPr>
-        <p:spPr/>
-      </p:sp>
-      <p:sp>
-        <p:nvSpPr>
-          <p:cNvPr id="3" name="Notes Placeholder 2"/>
-          <p:cNvSpPr>
-            <a:spLocks noGrp="1"/>
-          </p:cNvSpPr>
-          <p:nvPr>
-            <p:ph type="body" idx="1"/>
-          </p:nvPr>
-        </p:nvSpPr>
-        <p:spPr/>
-        <p:txBody>
-          <a:bodyPr/>
-          <a:lstStyle/>
-          <a:p>
             <a:pPr marL="0" marR="0" indent="0" algn="l" defTabSz="457200" rtl="0" eaLnBrk="1" fontAlgn="auto" latinLnBrk="0" hangingPunct="1">
               <a:lnSpc>
                 <a:spcPct val="100000"/>
@@ -3208,7 +3011,7 @@
               <a:defRPr/>
             </a:pPr>
             <a:r>
-              <a:rPr lang="en-US" sz="1200" baseline="0" smtClean="0">
+              <a:rPr lang="en-US" sz="1200" baseline="0" dirty="0" smtClean="0">
                 <a:solidFill>
                   <a:prstClr val="black"/>
                 </a:solidFill>
@@ -3217,13 +3020,6 @@
               </a:rPr>
               <a:t> </a:t>
             </a:r>
-            <a:endParaRPr lang="en-US" sz="1200" baseline="0" dirty="0" smtClean="0">
-              <a:solidFill>
-                <a:prstClr val="black"/>
-              </a:solidFill>
-              <a:latin typeface="ArialMT"/>
-              <a:sym typeface="Wingdings"/>
-            </a:endParaRPr>
           </a:p>
         </p:txBody>
       </p:sp>
@@ -3244,7 +3040,7 @@
           <a:p>
             <a:fld id="{ADD4B5B7-85EF-4E48-AC80-2380FACD9C23}" type="slidenum">
               <a:rPr lang="en-US" smtClean="0"/>
-              <a:t>30</a:t>
+              <a:t>3</a:t>
             </a:fld>
             <a:endParaRPr lang="en-US"/>
           </a:p>
@@ -3254,90 +3050,6 @@
     <p:extLst>
       <p:ext uri="{BB962C8B-B14F-4D97-AF65-F5344CB8AC3E}">
         <p14:creationId xmlns:p14="http://schemas.microsoft.com/office/powerpoint/2010/main" val="645762702"/>
-      </p:ext>
-    </p:extLst>
-  </p:cSld>
-  <p:clrMapOvr>
-    <a:masterClrMapping/>
-  </p:clrMapOvr>
-</p:notes>
-</file>
-
-<file path=ppt/notesSlides/notesSlide31.xml><?xml version="1.0" encoding="utf-8"?>
-<p:notes xmlns:a="http://schemas.openxmlformats.org/drawingml/2006/main" xmlns:r="http://schemas.openxmlformats.org/officeDocument/2006/relationships" xmlns:p="http://schemas.openxmlformats.org/presentationml/2006/main">
-  <p:cSld>
-    <p:spTree>
-      <p:nvGrpSpPr>
-        <p:cNvPr id="1" name=""/>
-        <p:cNvGrpSpPr/>
-        <p:nvPr/>
-      </p:nvGrpSpPr>
-      <p:grpSpPr>
-        <a:xfrm>
-          <a:off x="0" y="0"/>
-          <a:ext cx="0" cy="0"/>
-          <a:chOff x="0" y="0"/>
-          <a:chExt cx="0" cy="0"/>
-        </a:xfrm>
-      </p:grpSpPr>
-      <p:sp>
-        <p:nvSpPr>
-          <p:cNvPr id="2" name="Slide Image Placeholder 1"/>
-          <p:cNvSpPr>
-            <a:spLocks noGrp="1" noRot="1" noChangeAspect="1"/>
-          </p:cNvSpPr>
-          <p:nvPr>
-            <p:ph type="sldImg"/>
-          </p:nvPr>
-        </p:nvSpPr>
-        <p:spPr/>
-      </p:sp>
-      <p:sp>
-        <p:nvSpPr>
-          <p:cNvPr id="3" name="Notes Placeholder 2"/>
-          <p:cNvSpPr>
-            <a:spLocks noGrp="1"/>
-          </p:cNvSpPr>
-          <p:nvPr>
-            <p:ph type="body" idx="1"/>
-          </p:nvPr>
-        </p:nvSpPr>
-        <p:spPr/>
-        <p:txBody>
-          <a:bodyPr/>
-          <a:lstStyle/>
-          <a:p>
-            <a:endParaRPr lang="en-US" baseline="0" dirty="0" smtClean="0"/>
-          </a:p>
-        </p:txBody>
-      </p:sp>
-      <p:sp>
-        <p:nvSpPr>
-          <p:cNvPr id="4" name="Slide Number Placeholder 3"/>
-          <p:cNvSpPr>
-            <a:spLocks noGrp="1"/>
-          </p:cNvSpPr>
-          <p:nvPr>
-            <p:ph type="sldNum" sz="quarter" idx="10"/>
-          </p:nvPr>
-        </p:nvSpPr>
-        <p:spPr/>
-        <p:txBody>
-          <a:bodyPr/>
-          <a:lstStyle/>
-          <a:p>
-            <a:fld id="{ADD4B5B7-85EF-4E48-AC80-2380FACD9C23}" type="slidenum">
-              <a:rPr lang="en-US" smtClean="0"/>
-              <a:t>31</a:t>
-            </a:fld>
-            <a:endParaRPr lang="en-US"/>
-          </a:p>
-        </p:txBody>
-      </p:sp>
-    </p:spTree>
-    <p:extLst>
-      <p:ext uri="{BB962C8B-B14F-4D97-AF65-F5344CB8AC3E}">
-        <p14:creationId xmlns:p14="http://schemas.microsoft.com/office/powerpoint/2010/main" val="158773868"/>
       </p:ext>
     </p:extLst>
   </p:cSld>
@@ -3519,15 +3231,22 @@
               <a:defRPr/>
             </a:pPr>
             <a:r>
-              <a:rPr lang="en-US" sz="1200" baseline="0" dirty="0" smtClean="0">
+              <a:rPr lang="en-US" sz="1200" baseline="0" smtClean="0">
                 <a:solidFill>
                   <a:prstClr val="black"/>
                 </a:solidFill>
                 <a:latin typeface="ArialMT"/>
                 <a:sym typeface="Wingdings"/>
               </a:rPr>
-              <a:t> </a:t>
-            </a:r>
+              <a:t>  </a:t>
+            </a:r>
+            <a:endParaRPr lang="en-US" sz="1200" baseline="0" dirty="0" smtClean="0">
+              <a:solidFill>
+                <a:prstClr val="black"/>
+              </a:solidFill>
+              <a:latin typeface="ArialMT"/>
+              <a:sym typeface="Wingdings"/>
+            </a:endParaRPr>
           </a:p>
         </p:txBody>
       </p:sp>
@@ -3739,22 +3458,15 @@
               <a:defRPr/>
             </a:pPr>
             <a:r>
-              <a:rPr lang="en-US" sz="1200" baseline="0" smtClean="0">
+              <a:rPr lang="en-US" sz="1200" baseline="0" dirty="0" smtClean="0">
                 <a:solidFill>
                   <a:prstClr val="black"/>
                 </a:solidFill>
                 <a:latin typeface="ArialMT"/>
                 <a:sym typeface="Wingdings"/>
               </a:rPr>
-              <a:t>  </a:t>
-            </a:r>
-            <a:endParaRPr lang="en-US" sz="1200" baseline="0" dirty="0" smtClean="0">
-              <a:solidFill>
-                <a:prstClr val="black"/>
-              </a:solidFill>
-              <a:latin typeface="ArialMT"/>
-              <a:sym typeface="Wingdings"/>
-            </a:endParaRPr>
+              <a:t>note: the blue curve is more “complex” than the green curve</a:t>
+            </a:r>
           </a:p>
         </p:txBody>
       </p:sp>
@@ -3973,8 +3685,34 @@
                 <a:latin typeface="ArialMT"/>
                 <a:sym typeface="Wingdings"/>
               </a:rPr>
-              <a:t>note: the blue curve is more “complex” than the green curve</a:t>
-            </a:r>
+              <a:t> Alternative: degree of polynomial (less general, can’t use for non-poly cases)</a:t>
+            </a:r>
+          </a:p>
+          <a:p>
+            <a:pPr marL="0" marR="0" indent="0" algn="l" defTabSz="457200" rtl="0" eaLnBrk="1" fontAlgn="auto" latinLnBrk="0" hangingPunct="1">
+              <a:lnSpc>
+                <a:spcPct val="100000"/>
+              </a:lnSpc>
+              <a:spcBef>
+                <a:spcPts val="0"/>
+              </a:spcBef>
+              <a:spcAft>
+                <a:spcPts val="0"/>
+              </a:spcAft>
+              <a:buClrTx/>
+              <a:buSzTx/>
+              <a:buFontTx/>
+              <a:buNone/>
+              <a:tabLst/>
+              <a:defRPr/>
+            </a:pPr>
+            <a:endParaRPr lang="en-US" sz="1200" baseline="0" dirty="0" smtClean="0">
+              <a:solidFill>
+                <a:prstClr val="black"/>
+              </a:solidFill>
+              <a:latin typeface="ArialMT"/>
+              <a:sym typeface="Wingdings"/>
+            </a:endParaRPr>
           </a:p>
         </p:txBody>
       </p:sp>
@@ -10566,7 +10304,7 @@
         <p:spPr>
           <a:xfrm>
             <a:off x="576896" y="1104900"/>
-            <a:ext cx="8382000" cy="553998"/>
+            <a:ext cx="8382000" cy="3323987"/>
           </a:xfrm>
           <a:prstGeom prst="rect">
             <a:avLst/>
@@ -10602,12 +10340,161 @@
               <a:t> of a regression model?</a:t>
             </a:r>
           </a:p>
+          <a:p>
+            <a:pPr algn="l"/>
+            <a:endParaRPr lang="en-US" sz="3000" dirty="0" smtClean="0">
+              <a:latin typeface="PFDinTextCompPro-Italic"/>
+              <a:cs typeface="PFDinTextCompPro-Italic"/>
+            </a:endParaRPr>
+          </a:p>
+          <a:p>
+            <a:pPr algn="l"/>
+            <a:r>
+              <a:rPr lang="en-US" sz="3000" dirty="0">
+                <a:latin typeface="PFDinTextCompPro-Italic"/>
+                <a:cs typeface="PFDinTextCompPro-Italic"/>
+              </a:rPr>
+              <a:t>A:  One method is to define complexity </a:t>
+            </a:r>
+            <a:r>
+              <a:rPr lang="en-US" sz="3000" dirty="0" smtClean="0">
+                <a:latin typeface="PFDinTextCompPro-Italic"/>
+                <a:cs typeface="PFDinTextCompPro-Italic"/>
+              </a:rPr>
+              <a:t>as </a:t>
+            </a:r>
+            <a:r>
+              <a:rPr lang="en-US" sz="3000" dirty="0">
+                <a:latin typeface="PFDinTextCompPro-Italic"/>
+                <a:cs typeface="PFDinTextCompPro-Italic"/>
+              </a:rPr>
+              <a:t>a function of the size of the</a:t>
+            </a:r>
+          </a:p>
+          <a:p>
+            <a:pPr algn="l"/>
+            <a:r>
+              <a:rPr lang="en-US" sz="3000" dirty="0">
+                <a:latin typeface="PFDinTextCompPro-Italic"/>
+                <a:cs typeface="PFDinTextCompPro-Italic"/>
+              </a:rPr>
+              <a:t>     coefficients.</a:t>
+            </a:r>
+          </a:p>
+          <a:p>
+            <a:pPr algn="l"/>
+            <a:endParaRPr lang="en-US" sz="3000" dirty="0">
+              <a:latin typeface="PFDinTextCompPro-Italic"/>
+              <a:cs typeface="PFDinTextCompPro-Italic"/>
+            </a:endParaRPr>
+          </a:p>
+          <a:p>
+            <a:pPr algn="l"/>
+            <a:r>
+              <a:rPr lang="en-US" sz="3000" dirty="0" smtClean="0">
+                <a:latin typeface="PFDinTextCompPro-Italic"/>
+                <a:cs typeface="PFDinTextCompPro-Italic"/>
+              </a:rPr>
+              <a:t>Ex 1:   </a:t>
+            </a:r>
+            <a:r>
+              <a:rPr lang="en-US" sz="3000" dirty="0" smtClean="0">
+                <a:latin typeface="Symbol" charset="2"/>
+                <a:cs typeface="Symbol" charset="2"/>
+              </a:rPr>
+              <a:t>S</a:t>
+            </a:r>
+            <a:r>
+              <a:rPr lang="en-US" sz="3000" dirty="0" smtClean="0">
+                <a:latin typeface="PFDinTextCompPro-Italic"/>
+                <a:cs typeface="PFDinTextCompPro-Italic"/>
+              </a:rPr>
+              <a:t> </a:t>
+            </a:r>
+            <a:r>
+              <a:rPr lang="en-US" sz="3000" spc="300" dirty="0" smtClean="0">
+                <a:latin typeface="PFDinTextCompPro-Light"/>
+                <a:cs typeface="PFDinTextCompPro-Light"/>
+              </a:rPr>
+              <a:t>|</a:t>
+            </a:r>
+            <a:r>
+              <a:rPr lang="en-US" sz="2500" i="1" spc="300" dirty="0" smtClean="0">
+                <a:latin typeface="Symbol" charset="2"/>
+                <a:cs typeface="Symbol" charset="2"/>
+              </a:rPr>
+              <a:t>b</a:t>
+            </a:r>
+            <a:r>
+              <a:rPr lang="en-US" sz="3000" i="1" spc="300" baseline="-25000" dirty="0" smtClean="0">
+                <a:latin typeface="+mn-lt"/>
+                <a:cs typeface="PFDinTextCompPro-Italic"/>
+              </a:rPr>
+              <a:t>i</a:t>
+            </a:r>
+            <a:r>
+              <a:rPr lang="en-US" sz="3000" spc="300" dirty="0" smtClean="0">
+                <a:latin typeface="PFDinTextCompPro-Light"/>
+                <a:cs typeface="PFDinTextCompPro-Light"/>
+              </a:rPr>
+              <a:t>|</a:t>
+            </a:r>
+          </a:p>
+          <a:p>
+            <a:pPr algn="l"/>
+            <a:r>
+              <a:rPr lang="en-US" sz="3000" dirty="0" smtClean="0">
+                <a:latin typeface="PFDinTextCompPro-Italic"/>
+                <a:cs typeface="PFDinTextCompPro-Italic"/>
+              </a:rPr>
+              <a:t>Ex 2:   </a:t>
+            </a:r>
+            <a:r>
+              <a:rPr lang="en-US" sz="3000" dirty="0" smtClean="0">
+                <a:latin typeface="Symbol" charset="2"/>
+                <a:cs typeface="Symbol" charset="2"/>
+              </a:rPr>
+              <a:t>S</a:t>
+            </a:r>
+            <a:r>
+              <a:rPr lang="en-US" sz="3000" dirty="0" smtClean="0">
+                <a:latin typeface="PFDinTextCompPro-Italic"/>
+                <a:cs typeface="PFDinTextCompPro-Italic"/>
+              </a:rPr>
+              <a:t> </a:t>
+            </a:r>
+            <a:r>
+              <a:rPr lang="en-US" sz="2500" i="1" spc="300" dirty="0" smtClean="0">
+                <a:latin typeface="Symbol" charset="2"/>
+                <a:cs typeface="Symbol" charset="2"/>
+              </a:rPr>
+              <a:t>b</a:t>
+            </a:r>
+            <a:r>
+              <a:rPr lang="en-US" sz="3000" i="1" spc="300" baseline="-25000" dirty="0" smtClean="0">
+                <a:latin typeface="+mn-lt"/>
+                <a:cs typeface="PFDinTextCompPro-Italic"/>
+              </a:rPr>
+              <a:t>i</a:t>
+            </a:r>
+            <a:r>
+              <a:rPr lang="en-US" sz="3000" i="1" baseline="30000" dirty="0" smtClean="0">
+                <a:latin typeface="+mn-lt"/>
+                <a:cs typeface="PFDinTextCompPro-Italic"/>
+              </a:rPr>
+              <a:t>2</a:t>
+            </a:r>
+            <a:endParaRPr lang="en-US" sz="3000" dirty="0" smtClean="0">
+              <a:latin typeface="PFDinTextCompPro-Medium"/>
+              <a:cs typeface="PFDinTextCompPro-Medium"/>
+            </a:endParaRPr>
+          </a:p>
         </p:txBody>
       </p:sp>
     </p:spTree>
     <p:extLst>
       <p:ext uri="{BB962C8B-B14F-4D97-AF65-F5344CB8AC3E}">
-        <p14:creationId xmlns:p14="http://schemas.microsoft.com/office/powerpoint/2010/main" val="2151758927"/>
+        <p14:creationId xmlns:p14="http://schemas.microsoft.com/office/powerpoint/2010/main" val="2779873309"/>
       </p:ext>
     </p:extLst>
   </p:cSld>
@@ -10674,6 +10561,15 @@
             </a:r>
             <a:endParaRPr lang="en-US" dirty="0"/>
           </a:p>
+          <a:p>
+            <a:pPr eaLnBrk="1" hangingPunct="1">
+              <a:lnSpc>
+                <a:spcPts val="2448"/>
+              </a:lnSpc>
+              <a:defRPr/>
+            </a:pPr>
+            <a:endParaRPr lang="en-US" dirty="0"/>
+          </a:p>
         </p:txBody>
       </p:sp>
       <p:sp>
@@ -10714,7 +10610,7 @@
         <p:spPr>
           <a:xfrm>
             <a:off x="576896" y="1104900"/>
-            <a:ext cx="8382000" cy="1938992"/>
+            <a:ext cx="8382000" cy="3323987"/>
           </a:xfrm>
           <a:prstGeom prst="rect">
             <a:avLst/>
@@ -10777,12 +10673,151 @@
               <a:t>     coefficients.</a:t>
             </a:r>
           </a:p>
+          <a:p>
+            <a:pPr algn="l"/>
+            <a:endParaRPr lang="en-US" sz="3000" dirty="0">
+              <a:latin typeface="PFDinTextCompPro-Italic"/>
+              <a:cs typeface="PFDinTextCompPro-Italic"/>
+            </a:endParaRPr>
+          </a:p>
+          <a:p>
+            <a:pPr algn="l"/>
+            <a:r>
+              <a:rPr lang="en-US" sz="3000" dirty="0" smtClean="0">
+                <a:latin typeface="PFDinTextCompPro-Italic"/>
+                <a:cs typeface="PFDinTextCompPro-Italic"/>
+              </a:rPr>
+              <a:t>Ex 1:   </a:t>
+            </a:r>
+            <a:r>
+              <a:rPr lang="en-US" sz="3000" dirty="0" smtClean="0">
+                <a:latin typeface="Symbol" charset="2"/>
+                <a:cs typeface="Symbol" charset="2"/>
+              </a:rPr>
+              <a:t>S</a:t>
+            </a:r>
+            <a:r>
+              <a:rPr lang="en-US" sz="3000" dirty="0" smtClean="0">
+                <a:latin typeface="PFDinTextCompPro-Italic"/>
+                <a:cs typeface="PFDinTextCompPro-Italic"/>
+              </a:rPr>
+              <a:t> </a:t>
+            </a:r>
+            <a:r>
+              <a:rPr lang="en-US" sz="3000" spc="300" dirty="0" smtClean="0">
+                <a:latin typeface="PFDinTextCompPro-Light"/>
+                <a:cs typeface="PFDinTextCompPro-Light"/>
+              </a:rPr>
+              <a:t>|</a:t>
+            </a:r>
+            <a:r>
+              <a:rPr lang="en-US" sz="2500" i="1" spc="300" dirty="0" smtClean="0">
+                <a:latin typeface="Symbol" charset="2"/>
+                <a:cs typeface="Symbol" charset="2"/>
+              </a:rPr>
+              <a:t>b</a:t>
+            </a:r>
+            <a:r>
+              <a:rPr lang="en-US" sz="3000" i="1" spc="300" baseline="-25000" dirty="0" smtClean="0">
+                <a:latin typeface="+mn-lt"/>
+                <a:cs typeface="PFDinTextCompPro-Italic"/>
+              </a:rPr>
+              <a:t>i</a:t>
+            </a:r>
+            <a:r>
+              <a:rPr lang="en-US" sz="3000" spc="300" dirty="0" smtClean="0">
+                <a:latin typeface="PFDinTextCompPro-Light"/>
+                <a:cs typeface="PFDinTextCompPro-Light"/>
+              </a:rPr>
+              <a:t>|</a:t>
+            </a:r>
+            <a:r>
+              <a:rPr lang="en-US" sz="3000" dirty="0" smtClean="0">
+                <a:latin typeface="PFDinTextCompPro-Italic"/>
+                <a:cs typeface="PFDinTextCompPro-Italic"/>
+              </a:rPr>
+              <a:t>      this is called the </a:t>
+            </a:r>
+            <a:r>
+              <a:rPr lang="en-US" sz="3000" dirty="0" smtClean="0">
+                <a:latin typeface="PFDinTextCompPro-Medium"/>
+                <a:cs typeface="PFDinTextCompPro-Medium"/>
+              </a:rPr>
+              <a:t>L1-norm</a:t>
+            </a:r>
+          </a:p>
+          <a:p>
+            <a:pPr algn="l"/>
+            <a:r>
+              <a:rPr lang="en-US" sz="3000" dirty="0" smtClean="0">
+                <a:latin typeface="PFDinTextCompPro-Italic"/>
+                <a:cs typeface="PFDinTextCompPro-Italic"/>
+              </a:rPr>
+              <a:t>Ex 2:   </a:t>
+            </a:r>
+            <a:r>
+              <a:rPr lang="en-US" sz="3000" dirty="0" smtClean="0">
+                <a:latin typeface="Symbol" charset="2"/>
+                <a:cs typeface="Symbol" charset="2"/>
+              </a:rPr>
+              <a:t>S</a:t>
+            </a:r>
+            <a:r>
+              <a:rPr lang="en-US" sz="3000" dirty="0" smtClean="0">
+                <a:latin typeface="PFDinTextCompPro-Italic"/>
+                <a:cs typeface="PFDinTextCompPro-Italic"/>
+              </a:rPr>
+              <a:t> </a:t>
+            </a:r>
+            <a:r>
+              <a:rPr lang="en-US" sz="2500" i="1" spc="300" dirty="0" smtClean="0">
+                <a:latin typeface="Symbol" charset="2"/>
+                <a:cs typeface="Symbol" charset="2"/>
+              </a:rPr>
+              <a:t>b</a:t>
+            </a:r>
+            <a:r>
+              <a:rPr lang="en-US" sz="3000" i="1" spc="300" baseline="-25000" dirty="0" smtClean="0">
+                <a:latin typeface="+mn-lt"/>
+                <a:cs typeface="PFDinTextCompPro-Italic"/>
+              </a:rPr>
+              <a:t>i</a:t>
+            </a:r>
+            <a:r>
+              <a:rPr lang="en-US" sz="3000" i="1" baseline="30000" dirty="0" smtClean="0">
+                <a:latin typeface="+mn-lt"/>
+                <a:cs typeface="PFDinTextCompPro-Italic"/>
+              </a:rPr>
+              <a:t>2      </a:t>
+            </a:r>
+            <a:r>
+              <a:rPr lang="en-US" sz="3000" i="1" dirty="0">
+                <a:latin typeface="+mn-lt"/>
+                <a:cs typeface="PFDinTextCompPro-Italic"/>
+              </a:rPr>
+              <a:t> </a:t>
+            </a:r>
+            <a:r>
+              <a:rPr lang="en-US" sz="3000" dirty="0" smtClean="0">
+                <a:latin typeface="PFDinTextCompPro-Italic"/>
+                <a:cs typeface="PFDinTextCompPro-Italic"/>
+              </a:rPr>
+              <a:t>this is called the </a:t>
+            </a:r>
+            <a:r>
+              <a:rPr lang="en-US" sz="3000" dirty="0" smtClean="0">
+                <a:latin typeface="PFDinTextCompPro-Medium"/>
+                <a:cs typeface="PFDinTextCompPro-Medium"/>
+              </a:rPr>
+              <a:t>L2-norm</a:t>
+            </a:r>
+          </a:p>
         </p:txBody>
       </p:sp>
     </p:spTree>
     <p:extLst>
       <p:ext uri="{BB962C8B-B14F-4D97-AF65-F5344CB8AC3E}">
-        <p14:creationId xmlns:p14="http://schemas.microsoft.com/office/powerpoint/2010/main" val="535765825"/>
+        <p14:creationId xmlns:p14="http://schemas.microsoft.com/office/powerpoint/2010/main" val="1585879883"/>
       </p:ext>
     </p:extLst>
   </p:cSld>
@@ -10844,10 +10879,9 @@
               <a:defRPr/>
             </a:pPr>
             <a:r>
-              <a:rPr lang="en-US" dirty="0" smtClean="0"/>
-              <a:t>Model complexity</a:t>
-            </a:r>
-            <a:endParaRPr lang="en-US" dirty="0"/>
+              <a:rPr lang="en-US" dirty="0"/>
+              <a:t>regularization</a:t>
+            </a:r>
           </a:p>
         </p:txBody>
       </p:sp>
@@ -10889,7 +10923,7 @@
         <p:spPr>
           <a:xfrm>
             <a:off x="576896" y="1104900"/>
-            <a:ext cx="8382000" cy="3323987"/>
+            <a:ext cx="8382000" cy="1015663"/>
           </a:xfrm>
           <a:prstGeom prst="rect">
             <a:avLst/>
@@ -10908,178 +10942,29 @@
                 <a:latin typeface="PFDinTextCompPro-Italic"/>
                 <a:cs typeface="PFDinTextCompPro-Italic"/>
               </a:rPr>
-              <a:t>Q:  How do we define the </a:t>
+              <a:t>These measures of complexity lead to the following </a:t>
             </a:r>
             <a:r>
               <a:rPr lang="en-US" sz="3000" dirty="0" smtClean="0">
                 <a:latin typeface="PFDinTextCompPro-Medium"/>
                 <a:cs typeface="PFDinTextCompPro-Medium"/>
               </a:rPr>
-              <a:t>complexity</a:t>
+              <a:t>regularization</a:t>
             </a:r>
             <a:r>
               <a:rPr lang="en-US" sz="3000" dirty="0" smtClean="0">
                 <a:latin typeface="PFDinTextCompPro-Italic"/>
                 <a:cs typeface="PFDinTextCompPro-Italic"/>
               </a:rPr>
-              <a:t> of a regression model?</a:t>
-            </a:r>
-          </a:p>
-          <a:p>
-            <a:pPr algn="l"/>
-            <a:endParaRPr lang="en-US" sz="3000" dirty="0" smtClean="0">
-              <a:latin typeface="PFDinTextCompPro-Italic"/>
-              <a:cs typeface="PFDinTextCompPro-Italic"/>
-            </a:endParaRPr>
-          </a:p>
-          <a:p>
-            <a:pPr algn="l"/>
-            <a:r>
-              <a:rPr lang="en-US" sz="3000" dirty="0">
-                <a:latin typeface="PFDinTextCompPro-Italic"/>
-                <a:cs typeface="PFDinTextCompPro-Italic"/>
-              </a:rPr>
-              <a:t>A:  One method is to define complexity </a:t>
-            </a:r>
-            <a:r>
-              <a:rPr lang="en-US" sz="3000" dirty="0" smtClean="0">
-                <a:latin typeface="PFDinTextCompPro-Italic"/>
-                <a:cs typeface="PFDinTextCompPro-Italic"/>
-              </a:rPr>
-              <a:t>as </a:t>
-            </a:r>
-            <a:r>
-              <a:rPr lang="en-US" sz="3000" dirty="0">
-                <a:latin typeface="PFDinTextCompPro-Italic"/>
-                <a:cs typeface="PFDinTextCompPro-Italic"/>
-              </a:rPr>
-              <a:t>a function of the size of the</a:t>
-            </a:r>
-          </a:p>
-          <a:p>
-            <a:pPr algn="l"/>
-            <a:r>
-              <a:rPr lang="en-US" sz="3000" dirty="0">
-                <a:latin typeface="PFDinTextCompPro-Italic"/>
-                <a:cs typeface="PFDinTextCompPro-Italic"/>
-              </a:rPr>
-              <a:t>     coefficients.</a:t>
-            </a:r>
-          </a:p>
-          <a:p>
-            <a:pPr algn="l"/>
-            <a:endParaRPr lang="en-US" sz="3000" dirty="0">
-              <a:latin typeface="PFDinTextCompPro-Italic"/>
-              <a:cs typeface="PFDinTextCompPro-Italic"/>
-            </a:endParaRPr>
-          </a:p>
-          <a:p>
-            <a:pPr algn="l"/>
-            <a:r>
-              <a:rPr lang="en-US" sz="3000" dirty="0" smtClean="0">
-                <a:latin typeface="PFDinTextCompPro-Italic"/>
-                <a:cs typeface="PFDinTextCompPro-Italic"/>
-              </a:rPr>
-              <a:t>Ex 1:   </a:t>
-            </a:r>
-            <a:r>
-              <a:rPr lang="en-US" sz="3000" dirty="0" smtClean="0">
-                <a:latin typeface="Symbol" charset="2"/>
-                <a:cs typeface="Symbol" charset="2"/>
-              </a:rPr>
-              <a:t>S</a:t>
-            </a:r>
-            <a:r>
-              <a:rPr lang="en-US" sz="3000" dirty="0" smtClean="0">
-                <a:latin typeface="PFDinTextCompPro-Italic"/>
-                <a:cs typeface="PFDinTextCompPro-Italic"/>
-              </a:rPr>
-              <a:t> </a:t>
-            </a:r>
-            <a:r>
-              <a:rPr lang="en-US" sz="3000" spc="300" dirty="0" smtClean="0">
-                <a:latin typeface="PFDinTextCompPro-Light"/>
-                <a:cs typeface="PFDinTextCompPro-Light"/>
-              </a:rPr>
-              <a:t>|</a:t>
-            </a:r>
-            <a:r>
-              <a:rPr lang="en-US" sz="2500" i="1" spc="300" dirty="0" smtClean="0">
-                <a:latin typeface="Symbol" charset="2"/>
-                <a:cs typeface="Symbol" charset="2"/>
-              </a:rPr>
-              <a:t>b</a:t>
-            </a:r>
-            <a:r>
-              <a:rPr lang="en-US" sz="3000" i="1" spc="300" baseline="-25000" dirty="0" smtClean="0">
-                <a:latin typeface="+mn-lt"/>
-                <a:cs typeface="PFDinTextCompPro-Italic"/>
-              </a:rPr>
-              <a:t>i</a:t>
-            </a:r>
-            <a:r>
-              <a:rPr lang="en-US" sz="3000" spc="300" dirty="0" smtClean="0">
-                <a:latin typeface="PFDinTextCompPro-Light"/>
-                <a:cs typeface="PFDinTextCompPro-Light"/>
-              </a:rPr>
-              <a:t>|</a:t>
-            </a:r>
-          </a:p>
-          <a:p>
-            <a:pPr algn="l"/>
-            <a:r>
-              <a:rPr lang="en-US" sz="3000" dirty="0" smtClean="0">
-                <a:latin typeface="PFDinTextCompPro-Italic"/>
-                <a:cs typeface="PFDinTextCompPro-Italic"/>
-              </a:rPr>
-              <a:t>Ex 2:   </a:t>
-            </a:r>
-            <a:r>
-              <a:rPr lang="en-US" sz="3000" dirty="0" smtClean="0">
-                <a:latin typeface="Symbol" charset="2"/>
-                <a:cs typeface="Symbol" charset="2"/>
-              </a:rPr>
-              <a:t>S</a:t>
-            </a:r>
-            <a:r>
-              <a:rPr lang="en-US" sz="3000" dirty="0" smtClean="0">
-                <a:latin typeface="PFDinTextCompPro-Italic"/>
-                <a:cs typeface="PFDinTextCompPro-Italic"/>
-              </a:rPr>
-              <a:t> </a:t>
-            </a:r>
-            <a:r>
-              <a:rPr lang="en-US" sz="2500" i="1" spc="300" dirty="0" smtClean="0">
-                <a:latin typeface="Symbol" charset="2"/>
-                <a:cs typeface="Symbol" charset="2"/>
-              </a:rPr>
-              <a:t>b</a:t>
-            </a:r>
-            <a:r>
-              <a:rPr lang="en-US" sz="3000" i="1" spc="300" baseline="-25000" dirty="0" smtClean="0">
-                <a:latin typeface="+mn-lt"/>
-                <a:cs typeface="PFDinTextCompPro-Italic"/>
-              </a:rPr>
-              <a:t>i</a:t>
-            </a:r>
-            <a:r>
-              <a:rPr lang="en-US" sz="3000" i="1" baseline="30000" dirty="0" smtClean="0">
-                <a:latin typeface="+mn-lt"/>
-                <a:cs typeface="PFDinTextCompPro-Italic"/>
-              </a:rPr>
-              <a:t>2</a:t>
-            </a:r>
-            <a:endParaRPr lang="en-US" sz="3000" dirty="0" smtClean="0">
-              <a:latin typeface="PFDinTextCompPro-Medium"/>
-              <a:cs typeface="PFDinTextCompPro-Medium"/>
-            </a:endParaRPr>
+              <a:t> techniques:</a:t>
+            </a:r>
           </a:p>
         </p:txBody>
       </p:sp>
     </p:spTree>
     <p:extLst>
       <p:ext uri="{BB962C8B-B14F-4D97-AF65-F5344CB8AC3E}">
-        <p14:creationId xmlns:p14="http://schemas.microsoft.com/office/powerpoint/2010/main" val="2779873309"/>
+        <p14:creationId xmlns:p14="http://schemas.microsoft.com/office/powerpoint/2010/main" val="1508019021"/>
       </p:ext>
     </p:extLst>
   </p:cSld>
@@ -11141,19 +11026,9 @@
               <a:defRPr/>
             </a:pPr>
             <a:r>
-              <a:rPr lang="en-US" dirty="0" smtClean="0"/>
-              <a:t>Model complexity</a:t>
-            </a:r>
-            <a:endParaRPr lang="en-US" dirty="0"/>
-          </a:p>
-          <a:p>
-            <a:pPr eaLnBrk="1" hangingPunct="1">
-              <a:lnSpc>
-                <a:spcPts val="2448"/>
-              </a:lnSpc>
-              <a:defRPr/>
-            </a:pPr>
-            <a:endParaRPr lang="en-US" dirty="0"/>
+              <a:rPr lang="en-US" dirty="0"/>
+              <a:t>regularization</a:t>
+            </a:r>
           </a:p>
         </p:txBody>
       </p:sp>
@@ -11195,7 +11070,7 @@
         <p:spPr>
           <a:xfrm>
             <a:off x="576896" y="1104900"/>
-            <a:ext cx="8382000" cy="3323987"/>
+            <a:ext cx="8382000" cy="1938992"/>
           </a:xfrm>
           <a:prstGeom prst="rect">
             <a:avLst/>
@@ -11214,82 +11089,160 @@
                 <a:latin typeface="PFDinTextCompPro-Italic"/>
                 <a:cs typeface="PFDinTextCompPro-Italic"/>
               </a:rPr>
-              <a:t>Q:  How do we define the </a:t>
+              <a:t>These measures of complexity lead to the following </a:t>
             </a:r>
             <a:r>
               <a:rPr lang="en-US" sz="3000" dirty="0" smtClean="0">
                 <a:latin typeface="PFDinTextCompPro-Medium"/>
                 <a:cs typeface="PFDinTextCompPro-Medium"/>
               </a:rPr>
-              <a:t>complexity</a:t>
+              <a:t>regularization</a:t>
             </a:r>
             <a:r>
               <a:rPr lang="en-US" sz="3000" dirty="0" smtClean="0">
                 <a:latin typeface="PFDinTextCompPro-Italic"/>
                 <a:cs typeface="PFDinTextCompPro-Italic"/>
               </a:rPr>
-              <a:t> of a regression model?</a:t>
+              <a:t> </a:t>
+            </a:r>
+            <a:r>
+              <a:rPr lang="en-US" sz="3000" dirty="0">
+                <a:latin typeface="PFDinTextCompPro-Italic"/>
+                <a:cs typeface="PFDinTextCompPro-Italic"/>
+              </a:rPr>
+              <a:t>techniques</a:t>
+            </a:r>
+            <a:r>
+              <a:rPr lang="en-US" sz="3000" dirty="0" smtClean="0">
+                <a:latin typeface="PFDinTextCompPro-Italic"/>
+                <a:cs typeface="PFDinTextCompPro-Italic"/>
+              </a:rPr>
+              <a:t>:</a:t>
             </a:r>
           </a:p>
           <a:p>
             <a:pPr algn="l"/>
             <a:endParaRPr lang="en-US" sz="3000" dirty="0" smtClean="0">
-              <a:latin typeface="PFDinTextCompPro-Italic"/>
-              <a:cs typeface="PFDinTextCompPro-Italic"/>
+              <a:latin typeface="PFDinTextCompPro-Medium"/>
+              <a:cs typeface="PFDinTextCompPro-Medium"/>
             </a:endParaRPr>
           </a:p>
           <a:p>
             <a:pPr algn="l"/>
             <a:r>
-              <a:rPr lang="en-US" sz="3000" dirty="0">
-                <a:latin typeface="PFDinTextCompPro-Italic"/>
-                <a:cs typeface="PFDinTextCompPro-Italic"/>
-              </a:rPr>
-              <a:t>A:  One method is to define complexity as a function of the size of the</a:t>
-            </a:r>
-          </a:p>
-          <a:p>
-            <a:pPr algn="l"/>
-            <a:r>
-              <a:rPr lang="en-US" sz="3000" dirty="0">
-                <a:latin typeface="PFDinTextCompPro-Italic"/>
-                <a:cs typeface="PFDinTextCompPro-Italic"/>
-              </a:rPr>
-              <a:t>     coefficients.</a:t>
-            </a:r>
-          </a:p>
-          <a:p>
-            <a:pPr algn="l"/>
-            <a:endParaRPr lang="en-US" sz="3000" dirty="0">
-              <a:latin typeface="PFDinTextCompPro-Italic"/>
-              <a:cs typeface="PFDinTextCompPro-Italic"/>
-            </a:endParaRPr>
-          </a:p>
-          <a:p>
-            <a:pPr algn="l"/>
+              <a:rPr lang="en-US" sz="3000" dirty="0" smtClean="0">
+                <a:latin typeface="PFDinTextCompPro-Medium"/>
+                <a:cs typeface="PFDinTextCompPro-Medium"/>
+              </a:rPr>
+              <a:t>L1 regularization</a:t>
+            </a:r>
             <a:r>
               <a:rPr lang="en-US" sz="3000" dirty="0" smtClean="0">
                 <a:latin typeface="PFDinTextCompPro-Italic"/>
                 <a:cs typeface="PFDinTextCompPro-Italic"/>
               </a:rPr>
-              <a:t>Ex 1:   </a:t>
+              <a:t>:    </a:t>
+            </a:r>
+            <a:r>
+              <a:rPr lang="en-US" sz="2500" i="1" dirty="0" smtClean="0">
+                <a:latin typeface="+mn-lt"/>
+                <a:cs typeface="PFDinTextCompPro-Italic"/>
+              </a:rPr>
+              <a:t>y</a:t>
+            </a:r>
+            <a:r>
+              <a:rPr lang="en-US" sz="3000" i="1" dirty="0" smtClean="0">
+                <a:latin typeface="+mn-lt"/>
+                <a:cs typeface="PFDinTextCompPro-Italic"/>
+              </a:rPr>
+              <a:t> = </a:t>
             </a:r>
             <a:r>
               <a:rPr lang="en-US" sz="3000" dirty="0" smtClean="0">
                 <a:latin typeface="Symbol" charset="2"/>
                 <a:cs typeface="Symbol" charset="2"/>
               </a:rPr>
+              <a:t>S </a:t>
+            </a:r>
+            <a:r>
+              <a:rPr lang="en-US" sz="2500" i="1" spc="300" dirty="0" err="1" smtClean="0">
+                <a:latin typeface="Symbol" charset="2"/>
+                <a:cs typeface="Symbol" charset="2"/>
+              </a:rPr>
+              <a:t>b</a:t>
+            </a:r>
+            <a:r>
+              <a:rPr lang="en-US" sz="2500" i="1" spc="300" baseline="-25000" dirty="0" err="1" smtClean="0">
+                <a:latin typeface="+mn-lt"/>
+                <a:cs typeface="PFDinTextCompPro-Italic"/>
+              </a:rPr>
+              <a:t>i</a:t>
+            </a:r>
+            <a:r>
+              <a:rPr lang="en-US" sz="2500" i="1" spc="300" dirty="0" err="1" smtClean="0">
+                <a:latin typeface="+mn-lt"/>
+                <a:cs typeface="PFDinTextCompPro-Italic"/>
+              </a:rPr>
+              <a:t>x</a:t>
+            </a:r>
+            <a:r>
+              <a:rPr lang="en-US" sz="2500" i="1" spc="300" baseline="-25000" dirty="0" err="1" smtClean="0">
+                <a:latin typeface="+mn-lt"/>
+                <a:cs typeface="PFDinTextCompPro-Italic"/>
+              </a:rPr>
+              <a:t>i</a:t>
+            </a:r>
+            <a:r>
+              <a:rPr lang="en-US" sz="2500" i="1" dirty="0" smtClean="0">
+                <a:latin typeface="+mn-lt"/>
+                <a:cs typeface="PFDinTextCompPro-Italic"/>
+              </a:rPr>
+              <a:t> + </a:t>
+            </a:r>
+            <a:r>
+              <a:rPr lang="en-US" sz="2500" i="1" dirty="0" smtClean="0">
+                <a:latin typeface="Symbol" charset="2"/>
+                <a:cs typeface="Symbol" charset="2"/>
+              </a:rPr>
+              <a:t>e</a:t>
+            </a:r>
+            <a:r>
+              <a:rPr lang="en-US" sz="2500" i="1" dirty="0" smtClean="0">
+                <a:latin typeface="+mn-lt"/>
+                <a:cs typeface="PFDinTextCompPro-Italic"/>
+              </a:rPr>
+              <a:t>    </a:t>
+            </a:r>
+            <a:r>
+              <a:rPr lang="en-US" sz="2500" i="1" dirty="0" err="1" smtClean="0">
+                <a:latin typeface="+mn-lt"/>
+                <a:cs typeface="PFDinTextCompPro-Italic"/>
+              </a:rPr>
+              <a:t>st.</a:t>
+            </a:r>
+            <a:r>
+              <a:rPr lang="en-US" sz="2500" dirty="0" smtClean="0">
+                <a:latin typeface="PFDinTextCompPro-Italic"/>
+                <a:cs typeface="PFDinTextCompPro-Italic"/>
+              </a:rPr>
+              <a:t>    </a:t>
+            </a:r>
+            <a:r>
+              <a:rPr lang="en-US" sz="3000" dirty="0" smtClean="0">
+                <a:latin typeface="Symbol" charset="2"/>
+                <a:cs typeface="Symbol" charset="2"/>
+              </a:rPr>
               <a:t>S</a:t>
             </a:r>
             <a:r>
-              <a:rPr lang="en-US" sz="3000" dirty="0" smtClean="0">
-                <a:latin typeface="PFDinTextCompPro-Italic"/>
-                <a:cs typeface="PFDinTextCompPro-Italic"/>
+              <a:rPr lang="en-US" sz="2500" dirty="0" smtClean="0">
+                <a:latin typeface="Symbol" charset="2"/>
+                <a:cs typeface="Symbol" charset="2"/>
               </a:rPr>
               <a:t> </a:t>
             </a:r>
             <a:r>
-              <a:rPr lang="en-US" sz="3000" spc="300" dirty="0" smtClean="0">
+              <a:rPr lang="en-US" sz="2500" spc="300" dirty="0" smtClean="0">
                 <a:latin typeface="PFDinTextCompPro-Light"/>
                 <a:cs typeface="PFDinTextCompPro-Light"/>
               </a:rPr>
@@ -11303,98 +11256,25 @@
               <a:t>b</a:t>
             </a:r>
             <a:r>
-              <a:rPr lang="en-US" sz="3000" i="1" spc="300" baseline="-25000" dirty="0" smtClean="0">
+              <a:rPr lang="en-US" sz="2500" i="1" spc="300" baseline="-25000" dirty="0" smtClean="0">
                 <a:latin typeface="+mn-lt"/>
                 <a:cs typeface="PFDinTextCompPro-Italic"/>
               </a:rPr>
               <a:t>i</a:t>
             </a:r>
             <a:r>
-              <a:rPr lang="en-US" sz="3000" spc="300" dirty="0" smtClean="0">
+              <a:rPr lang="en-US" sz="2500" spc="300" dirty="0" smtClean="0">
                 <a:latin typeface="PFDinTextCompPro-Light"/>
                 <a:cs typeface="PFDinTextCompPro-Light"/>
               </a:rPr>
               <a:t>|</a:t>
             </a:r>
             <a:r>
-              <a:rPr lang="en-US" sz="3000" dirty="0" smtClean="0">
-                <a:latin typeface="PFDinTextCompPro-Italic"/>
-                <a:cs typeface="PFDinTextCompPro-Italic"/>
-              </a:rPr>
-              <a:t>      this is called the </a:t>
-            </a:r>
-            <a:r>
-              <a:rPr lang="en-US" sz="3000" dirty="0" smtClean="0">
-                <a:latin typeface="PFDinTextCompPro-Medium"/>
-                <a:cs typeface="PFDinTextCompPro-Medium"/>
-              </a:rPr>
-              <a:t>L1-norm</a:t>
-            </a:r>
-          </a:p>
-          <a:p>
-            <a:pPr algn="l"/>
-            <a:r>
-              <a:rPr lang="en-US" sz="3000" dirty="0" smtClean="0">
-                <a:latin typeface="PFDinTextCompPro-Italic"/>
-                <a:cs typeface="PFDinTextCompPro-Italic"/>
-              </a:rPr>
-              <a:t>Ex 2:   </a:t>
-            </a:r>
-            <a:r>
-              <a:rPr lang="en-US" sz="3000" dirty="0" smtClean="0">
-                <a:latin typeface="Symbol" charset="2"/>
-                <a:cs typeface="Symbol" charset="2"/>
-              </a:rPr>
-              <a:t>S</a:t>
-            </a:r>
-            <a:r>
-              <a:rPr lang="en-US" sz="3000" dirty="0" smtClean="0">
-                <a:latin typeface="PFDinTextCompPro-Italic"/>
-                <a:cs typeface="PFDinTextCompPro-Italic"/>
-              </a:rPr>
-              <a:t> </a:t>
-            </a:r>
-            <a:r>
               <a:rPr lang="en-US" sz="2500" i="1" spc="300" dirty="0" smtClean="0">
-                <a:latin typeface="Symbol" charset="2"/>
-                <a:cs typeface="Symbol" charset="2"/>
-              </a:rPr>
-              <a:t>b</a:t>
-            </a:r>
-            <a:r>
-              <a:rPr lang="en-US" sz="3000" i="1" spc="300" baseline="-25000" dirty="0" smtClean="0">
                 <a:latin typeface="+mn-lt"/>
-                <a:cs typeface="PFDinTextCompPro-Italic"/>
-              </a:rPr>
-              <a:t>i</a:t>
-            </a:r>
-            <a:r>
-              <a:rPr lang="en-US" sz="3000" i="1" baseline="30000" dirty="0" smtClean="0">
-                <a:latin typeface="+mn-lt"/>
-                <a:cs typeface="PFDinTextCompPro-Italic"/>
-              </a:rPr>
-              <a:t>2      </a:t>
-            </a:r>
-            <a:r>
-              <a:rPr lang="en-US" sz="3000" i="1" dirty="0">
-                <a:latin typeface="+mn-lt"/>
-                <a:cs typeface="PFDinTextCompPro-Italic"/>
-              </a:rPr>
-              <a:t> </a:t>
-            </a:r>
-            <a:r>
-              <a:rPr lang="en-US" sz="3000" dirty="0" smtClean="0">
-                <a:latin typeface="PFDinTextCompPro-Italic"/>
-                <a:cs typeface="PFDinTextCompPro-Italic"/>
-              </a:rPr>
-              <a:t>this is called the </a:t>
-            </a:r>
-            <a:r>
-              <a:rPr lang="en-US" sz="3000" dirty="0" smtClean="0">
-                <a:latin typeface="PFDinTextCompPro-Medium"/>
-                <a:cs typeface="PFDinTextCompPro-Medium"/>
-              </a:rPr>
-              <a:t>L2-norm</a:t>
+                <a:cs typeface="PFDinTextCompPro-Light"/>
+              </a:rPr>
+              <a:t> &lt; s</a:t>
             </a:r>
           </a:p>
         </p:txBody>
@@ -11402,7 +11282,7 @@
     </p:spTree>
     <p:extLst>
       <p:ext uri="{BB962C8B-B14F-4D97-AF65-F5344CB8AC3E}">
-        <p14:creationId xmlns:p14="http://schemas.microsoft.com/office/powerpoint/2010/main" val="1585879883"/>
+        <p14:creationId xmlns:p14="http://schemas.microsoft.com/office/powerpoint/2010/main" val="3836743639"/>
       </p:ext>
     </p:extLst>
   </p:cSld>
@@ -11508,7 +11388,7 @@
         <p:spPr>
           <a:xfrm>
             <a:off x="576896" y="1104900"/>
-            <a:ext cx="8382000" cy="1015663"/>
+            <a:ext cx="8382000" cy="2400657"/>
           </a:xfrm>
           <a:prstGeom prst="rect">
             <a:avLst/>
@@ -11541,15 +11421,330 @@
                 <a:latin typeface="PFDinTextCompPro-Italic"/>
                 <a:cs typeface="PFDinTextCompPro-Italic"/>
               </a:rPr>
-              <a:t> techniques:</a:t>
-            </a:r>
+              <a:t> </a:t>
+            </a:r>
+            <a:r>
+              <a:rPr lang="en-US" sz="3000" dirty="0">
+                <a:latin typeface="PFDinTextCompPro-Italic"/>
+                <a:cs typeface="PFDinTextCompPro-Italic"/>
+              </a:rPr>
+              <a:t>techniques</a:t>
+            </a:r>
+            <a:r>
+              <a:rPr lang="en-US" sz="3000" dirty="0" smtClean="0">
+                <a:latin typeface="PFDinTextCompPro-Italic"/>
+                <a:cs typeface="PFDinTextCompPro-Italic"/>
+              </a:rPr>
+              <a:t>:</a:t>
+            </a:r>
+          </a:p>
+          <a:p>
+            <a:pPr algn="l"/>
+            <a:endParaRPr lang="en-US" sz="3000" dirty="0" smtClean="0">
+              <a:latin typeface="PFDinTextCompPro-Medium"/>
+              <a:cs typeface="PFDinTextCompPro-Medium"/>
+            </a:endParaRPr>
+          </a:p>
+          <a:p>
+            <a:pPr algn="l"/>
+            <a:r>
+              <a:rPr lang="en-US" sz="3000" dirty="0" smtClean="0">
+                <a:latin typeface="PFDinTextCompPro-Medium"/>
+                <a:cs typeface="PFDinTextCompPro-Medium"/>
+              </a:rPr>
+              <a:t>L1 regularization</a:t>
+            </a:r>
+            <a:r>
+              <a:rPr lang="en-US" sz="3000" dirty="0" smtClean="0">
+                <a:latin typeface="PFDinTextCompPro-Italic"/>
+                <a:cs typeface="PFDinTextCompPro-Italic"/>
+              </a:rPr>
+              <a:t>:    </a:t>
+            </a:r>
+            <a:r>
+              <a:rPr lang="en-US" sz="2500" i="1" dirty="0" smtClean="0">
+                <a:latin typeface="+mn-lt"/>
+                <a:cs typeface="PFDinTextCompPro-Italic"/>
+              </a:rPr>
+              <a:t>y</a:t>
+            </a:r>
+            <a:r>
+              <a:rPr lang="en-US" sz="3000" i="1" dirty="0" smtClean="0">
+                <a:latin typeface="+mn-lt"/>
+                <a:cs typeface="PFDinTextCompPro-Italic"/>
+              </a:rPr>
+              <a:t> = </a:t>
+            </a:r>
+            <a:r>
+              <a:rPr lang="en-US" sz="3000" dirty="0" smtClean="0">
+                <a:latin typeface="Symbol" charset="2"/>
+                <a:cs typeface="Symbol" charset="2"/>
+              </a:rPr>
+              <a:t>S </a:t>
+            </a:r>
+            <a:r>
+              <a:rPr lang="en-US" sz="2500" i="1" spc="300" dirty="0" err="1" smtClean="0">
+                <a:latin typeface="Symbol" charset="2"/>
+                <a:cs typeface="Symbol" charset="2"/>
+              </a:rPr>
+              <a:t>b</a:t>
+            </a:r>
+            <a:r>
+              <a:rPr lang="en-US" sz="2500" i="1" spc="300" baseline="-25000" dirty="0" err="1" smtClean="0">
+                <a:latin typeface="+mn-lt"/>
+                <a:cs typeface="PFDinTextCompPro-Italic"/>
+              </a:rPr>
+              <a:t>i</a:t>
+            </a:r>
+            <a:r>
+              <a:rPr lang="en-US" sz="2500" i="1" spc="300" dirty="0" err="1" smtClean="0">
+                <a:latin typeface="+mn-lt"/>
+                <a:cs typeface="PFDinTextCompPro-Italic"/>
+              </a:rPr>
+              <a:t>x</a:t>
+            </a:r>
+            <a:r>
+              <a:rPr lang="en-US" sz="2500" i="1" spc="300" baseline="-25000" dirty="0" err="1" smtClean="0">
+                <a:latin typeface="+mn-lt"/>
+                <a:cs typeface="PFDinTextCompPro-Italic"/>
+              </a:rPr>
+              <a:t>i</a:t>
+            </a:r>
+            <a:r>
+              <a:rPr lang="en-US" sz="2500" i="1" dirty="0" smtClean="0">
+                <a:latin typeface="+mn-lt"/>
+                <a:cs typeface="PFDinTextCompPro-Italic"/>
+              </a:rPr>
+              <a:t> + </a:t>
+            </a:r>
+            <a:r>
+              <a:rPr lang="en-US" sz="2500" i="1" dirty="0" smtClean="0">
+                <a:latin typeface="Symbol" charset="2"/>
+                <a:cs typeface="Symbol" charset="2"/>
+              </a:rPr>
+              <a:t>e</a:t>
+            </a:r>
+            <a:r>
+              <a:rPr lang="en-US" sz="2500" i="1" dirty="0" smtClean="0">
+                <a:latin typeface="+mn-lt"/>
+                <a:cs typeface="PFDinTextCompPro-Italic"/>
+              </a:rPr>
+              <a:t>    </a:t>
+            </a:r>
+            <a:r>
+              <a:rPr lang="en-US" sz="2500" i="1" dirty="0" err="1" smtClean="0">
+                <a:latin typeface="+mn-lt"/>
+                <a:cs typeface="PFDinTextCompPro-Italic"/>
+              </a:rPr>
+              <a:t>st.</a:t>
+            </a:r>
+            <a:r>
+              <a:rPr lang="en-US" sz="2500" dirty="0" smtClean="0">
+                <a:latin typeface="PFDinTextCompPro-Italic"/>
+                <a:cs typeface="PFDinTextCompPro-Italic"/>
+              </a:rPr>
+              <a:t>    </a:t>
+            </a:r>
+            <a:r>
+              <a:rPr lang="en-US" sz="3000" dirty="0" smtClean="0">
+                <a:latin typeface="Symbol" charset="2"/>
+                <a:cs typeface="Symbol" charset="2"/>
+              </a:rPr>
+              <a:t>S</a:t>
+            </a:r>
+            <a:r>
+              <a:rPr lang="en-US" sz="2500" dirty="0" smtClean="0">
+                <a:latin typeface="Symbol" charset="2"/>
+                <a:cs typeface="Symbol" charset="2"/>
+              </a:rPr>
+              <a:t> </a:t>
+            </a:r>
+            <a:r>
+              <a:rPr lang="en-US" sz="2500" spc="300" dirty="0" smtClean="0">
+                <a:latin typeface="PFDinTextCompPro-Light"/>
+                <a:cs typeface="PFDinTextCompPro-Light"/>
+              </a:rPr>
+              <a:t>|</a:t>
+            </a:r>
+            <a:r>
+              <a:rPr lang="en-US" sz="2500" i="1" spc="300" dirty="0" smtClean="0">
+                <a:latin typeface="Symbol" charset="2"/>
+                <a:cs typeface="Symbol" charset="2"/>
+              </a:rPr>
+              <a:t>b</a:t>
+            </a:r>
+            <a:r>
+              <a:rPr lang="en-US" sz="2500" i="1" spc="300" baseline="-25000" dirty="0" smtClean="0">
+                <a:latin typeface="+mn-lt"/>
+                <a:cs typeface="PFDinTextCompPro-Italic"/>
+              </a:rPr>
+              <a:t>i</a:t>
+            </a:r>
+            <a:r>
+              <a:rPr lang="en-US" sz="2500" spc="300" dirty="0" smtClean="0">
+                <a:latin typeface="PFDinTextCompPro-Light"/>
+                <a:cs typeface="PFDinTextCompPro-Light"/>
+              </a:rPr>
+              <a:t>|</a:t>
+            </a:r>
+            <a:r>
+              <a:rPr lang="en-US" sz="2500" i="1" spc="300" dirty="0" smtClean="0">
+                <a:latin typeface="+mn-lt"/>
+                <a:cs typeface="PFDinTextCompPro-Light"/>
+              </a:rPr>
+              <a:t> &lt; s</a:t>
+            </a:r>
+            <a:endParaRPr lang="en-US" sz="3000" spc="300" dirty="0">
+              <a:latin typeface="PFDinTextCompPro-Light"/>
+              <a:cs typeface="PFDinTextCompPro-Light"/>
+            </a:endParaRPr>
+          </a:p>
+          <a:p>
+            <a:pPr algn="l"/>
+            <a:r>
+              <a:rPr lang="en-US" sz="3000" dirty="0" smtClean="0">
+                <a:latin typeface="PFDinTextCompPro-Medium"/>
+                <a:cs typeface="PFDinTextCompPro-Medium"/>
+              </a:rPr>
+              <a:t>L2 regularization</a:t>
+            </a:r>
+            <a:r>
+              <a:rPr lang="en-US" sz="3000" dirty="0" smtClean="0">
+                <a:latin typeface="PFDinTextCompPro-Italic"/>
+                <a:cs typeface="PFDinTextCompPro-Italic"/>
+              </a:rPr>
+              <a:t>:    </a:t>
+            </a:r>
+            <a:r>
+              <a:rPr lang="en-US" sz="2500" i="1" dirty="0" smtClean="0">
+                <a:latin typeface="+mn-lt"/>
+                <a:cs typeface="News706 BT (Body)"/>
+              </a:rPr>
+              <a:t>y </a:t>
+            </a:r>
+            <a:r>
+              <a:rPr lang="en-US" sz="3000" i="1" dirty="0" smtClean="0">
+                <a:latin typeface="+mn-lt"/>
+                <a:cs typeface="News706 BT (Body)"/>
+              </a:rPr>
+              <a:t>= </a:t>
+            </a:r>
+            <a:r>
+              <a:rPr lang="en-US" sz="3000" dirty="0" smtClean="0">
+                <a:latin typeface="Symbol" charset="2"/>
+                <a:cs typeface="Symbol" charset="2"/>
+              </a:rPr>
+              <a:t>S </a:t>
+            </a:r>
+            <a:r>
+              <a:rPr lang="en-US" sz="2500" i="1" spc="300" dirty="0" err="1" smtClean="0">
+                <a:latin typeface="Symbol" charset="2"/>
+                <a:cs typeface="Symbol" charset="2"/>
+              </a:rPr>
+              <a:t>b</a:t>
+            </a:r>
+            <a:r>
+              <a:rPr lang="en-US" sz="2500" i="1" spc="300" baseline="-25000" dirty="0" err="1" smtClean="0">
+                <a:latin typeface="+mn-lt"/>
+                <a:cs typeface="PFDinTextCompPro-Light"/>
+              </a:rPr>
+              <a:t>i</a:t>
+            </a:r>
+            <a:r>
+              <a:rPr lang="en-US" sz="2500" i="1" spc="300" dirty="0" err="1" smtClean="0">
+                <a:latin typeface="+mn-lt"/>
+                <a:cs typeface="PFDinTextCompPro-Light"/>
+              </a:rPr>
+              <a:t>x</a:t>
+            </a:r>
+            <a:r>
+              <a:rPr lang="en-US" sz="2500" i="1" spc="300" baseline="-25000" dirty="0" err="1" smtClean="0">
+                <a:latin typeface="+mn-lt"/>
+                <a:cs typeface="PFDinTextCompPro-Light"/>
+              </a:rPr>
+              <a:t>i</a:t>
+            </a:r>
+            <a:r>
+              <a:rPr lang="en-US" sz="2500" i="1" dirty="0" smtClean="0">
+                <a:latin typeface="+mn-lt"/>
+                <a:cs typeface="PFDinTextCompPro-Light"/>
+              </a:rPr>
+              <a:t> + </a:t>
+            </a:r>
+            <a:r>
+              <a:rPr lang="en-US" sz="2500" i="1" dirty="0" smtClean="0">
+                <a:latin typeface="Symbol" charset="2"/>
+                <a:cs typeface="Symbol" charset="2"/>
+              </a:rPr>
+              <a:t>e    </a:t>
+            </a:r>
+            <a:r>
+              <a:rPr lang="en-US" sz="2500" i="1" dirty="0" err="1" smtClean="0">
+                <a:latin typeface="+mn-lt"/>
+                <a:cs typeface="News706 BT (Body)"/>
+              </a:rPr>
+              <a:t>st.</a:t>
+            </a:r>
+            <a:r>
+              <a:rPr lang="en-US" sz="2500" dirty="0" smtClean="0">
+                <a:latin typeface="+mn-lt"/>
+                <a:cs typeface="PFDinTextCompPro-Light"/>
+              </a:rPr>
+              <a:t>    </a:t>
+            </a:r>
+            <a:r>
+              <a:rPr lang="en-US" sz="3000" dirty="0" smtClean="0">
+                <a:latin typeface="Symbol" charset="2"/>
+                <a:cs typeface="Symbol" charset="2"/>
+              </a:rPr>
+              <a:t>S</a:t>
+            </a:r>
+            <a:r>
+              <a:rPr lang="en-US" sz="2500" dirty="0" smtClean="0">
+                <a:latin typeface="Symbol" charset="2"/>
+                <a:cs typeface="Symbol" charset="2"/>
+              </a:rPr>
+              <a:t> </a:t>
+            </a:r>
+            <a:r>
+              <a:rPr lang="en-US" sz="2500" i="1" dirty="0" smtClean="0">
+                <a:latin typeface="Symbol" charset="2"/>
+                <a:cs typeface="Symbol" charset="2"/>
+              </a:rPr>
+              <a:t>b</a:t>
+            </a:r>
+            <a:r>
+              <a:rPr lang="en-US" sz="2500" i="1" baseline="-25000" dirty="0" smtClean="0">
+                <a:latin typeface="+mn-lt"/>
+                <a:cs typeface="PFDinTextCompPro-Italic"/>
+              </a:rPr>
+              <a:t>i</a:t>
+            </a:r>
+            <a:r>
+              <a:rPr lang="en-US" sz="2500" i="1" baseline="30000" dirty="0" smtClean="0">
+                <a:latin typeface="+mn-lt"/>
+                <a:cs typeface="News706 Bd BT"/>
+              </a:rPr>
+              <a:t>2</a:t>
+            </a:r>
+            <a:r>
+              <a:rPr lang="en-US" sz="2500" i="1" dirty="0" smtClean="0">
+                <a:latin typeface="+mn-lt"/>
+                <a:cs typeface="News706 Bd BT"/>
+              </a:rPr>
+              <a:t> &lt; s</a:t>
+            </a:r>
+            <a:endParaRPr lang="en-US" sz="2500" dirty="0" smtClean="0">
+              <a:latin typeface="PFDinTextCompPro-Medium"/>
+              <a:cs typeface="PFDinTextCompPro-Medium"/>
+            </a:endParaRPr>
           </a:p>
         </p:txBody>
       </p:sp>
     </p:spTree>
     <p:extLst>
       <p:ext uri="{BB962C8B-B14F-4D97-AF65-F5344CB8AC3E}">
-        <p14:creationId xmlns:p14="http://schemas.microsoft.com/office/powerpoint/2010/main" val="1508019021"/>
+        <p14:creationId xmlns:p14="http://schemas.microsoft.com/office/powerpoint/2010/main" val="634750693"/>
       </p:ext>
     </p:extLst>
   </p:cSld>
@@ -11641,786 +11836,6 @@
                 <a:defRPr/>
               </a:pPr>
               <a:t>15</a:t>
-            </a:fld>
-            <a:endParaRPr lang="en-US"/>
-          </a:p>
-        </p:txBody>
-      </p:sp>
-      <p:sp>
-        <p:nvSpPr>
-          <p:cNvPr id="6" name="TextBox 5"/>
-          <p:cNvSpPr txBox="1"/>
-          <p:nvPr/>
-        </p:nvSpPr>
-        <p:spPr>
-          <a:xfrm>
-            <a:off x="576896" y="1104900"/>
-            <a:ext cx="8382000" cy="1938992"/>
-          </a:xfrm>
-          <a:prstGeom prst="rect">
-            <a:avLst/>
-          </a:prstGeom>
-          <a:noFill/>
-        </p:spPr>
-        <p:txBody>
-          <a:bodyPr wrap="square" rtlCol="0">
-            <a:spAutoFit/>
-          </a:bodyPr>
-          <a:lstStyle/>
-          <a:p>
-            <a:pPr algn="l"/>
-            <a:r>
-              <a:rPr lang="en-US" sz="3000" dirty="0" smtClean="0">
-                <a:latin typeface="PFDinTextCompPro-Italic"/>
-                <a:cs typeface="PFDinTextCompPro-Italic"/>
-              </a:rPr>
-              <a:t>These measures of complexity lead to the following </a:t>
-            </a:r>
-            <a:r>
-              <a:rPr lang="en-US" sz="3000" dirty="0" smtClean="0">
-                <a:latin typeface="PFDinTextCompPro-Medium"/>
-                <a:cs typeface="PFDinTextCompPro-Medium"/>
-              </a:rPr>
-              <a:t>regularization</a:t>
-            </a:r>
-            <a:r>
-              <a:rPr lang="en-US" sz="3000" dirty="0" smtClean="0">
-                <a:latin typeface="PFDinTextCompPro-Italic"/>
-                <a:cs typeface="PFDinTextCompPro-Italic"/>
-              </a:rPr>
-              <a:t> </a:t>
-            </a:r>
-            <a:r>
-              <a:rPr lang="en-US" sz="3000" dirty="0">
-                <a:latin typeface="PFDinTextCompPro-Italic"/>
-                <a:cs typeface="PFDinTextCompPro-Italic"/>
-              </a:rPr>
-              <a:t>techniques</a:t>
-            </a:r>
-            <a:r>
-              <a:rPr lang="en-US" sz="3000" dirty="0" smtClean="0">
-                <a:latin typeface="PFDinTextCompPro-Italic"/>
-                <a:cs typeface="PFDinTextCompPro-Italic"/>
-              </a:rPr>
-              <a:t>:</a:t>
-            </a:r>
-          </a:p>
-          <a:p>
-            <a:pPr algn="l"/>
-            <a:endParaRPr lang="en-US" sz="3000" dirty="0" smtClean="0">
-              <a:latin typeface="PFDinTextCompPro-Medium"/>
-              <a:cs typeface="PFDinTextCompPro-Medium"/>
-            </a:endParaRPr>
-          </a:p>
-          <a:p>
-            <a:pPr algn="l"/>
-            <a:r>
-              <a:rPr lang="en-US" sz="3000" dirty="0" smtClean="0">
-                <a:latin typeface="PFDinTextCompPro-Medium"/>
-                <a:cs typeface="PFDinTextCompPro-Medium"/>
-              </a:rPr>
-              <a:t>L1 regularization</a:t>
-            </a:r>
-            <a:r>
-              <a:rPr lang="en-US" sz="3000" dirty="0" smtClean="0">
-                <a:latin typeface="PFDinTextCompPro-Italic"/>
-                <a:cs typeface="PFDinTextCompPro-Italic"/>
-              </a:rPr>
-              <a:t>:    </a:t>
-            </a:r>
-            <a:r>
-              <a:rPr lang="en-US" sz="2500" i="1" dirty="0" smtClean="0">
-                <a:latin typeface="+mn-lt"/>
-                <a:cs typeface="PFDinTextCompPro-Italic"/>
-              </a:rPr>
-              <a:t>y</a:t>
-            </a:r>
-            <a:r>
-              <a:rPr lang="en-US" sz="3000" i="1" dirty="0" smtClean="0">
-                <a:latin typeface="+mn-lt"/>
-                <a:cs typeface="PFDinTextCompPro-Italic"/>
-              </a:rPr>
-              <a:t> = </a:t>
-            </a:r>
-            <a:r>
-              <a:rPr lang="en-US" sz="3000" dirty="0" smtClean="0">
-                <a:latin typeface="Symbol" charset="2"/>
-                <a:cs typeface="Symbol" charset="2"/>
-              </a:rPr>
-              <a:t>S </a:t>
-            </a:r>
-            <a:r>
-              <a:rPr lang="en-US" sz="2500" i="1" spc="300" dirty="0" err="1" smtClean="0">
-                <a:latin typeface="Symbol" charset="2"/>
-                <a:cs typeface="Symbol" charset="2"/>
-              </a:rPr>
-              <a:t>b</a:t>
-            </a:r>
-            <a:r>
-              <a:rPr lang="en-US" sz="2500" i="1" spc="300" baseline="-25000" dirty="0" err="1" smtClean="0">
-                <a:latin typeface="+mn-lt"/>
-                <a:cs typeface="PFDinTextCompPro-Italic"/>
-              </a:rPr>
-              <a:t>i</a:t>
-            </a:r>
-            <a:r>
-              <a:rPr lang="en-US" sz="2500" i="1" spc="300" dirty="0" err="1" smtClean="0">
-                <a:latin typeface="+mn-lt"/>
-                <a:cs typeface="PFDinTextCompPro-Italic"/>
-              </a:rPr>
-              <a:t>x</a:t>
-            </a:r>
-            <a:r>
-              <a:rPr lang="en-US" sz="2500" i="1" spc="300" baseline="-25000" dirty="0" err="1" smtClean="0">
-                <a:latin typeface="+mn-lt"/>
-                <a:cs typeface="PFDinTextCompPro-Italic"/>
-              </a:rPr>
-              <a:t>i</a:t>
-            </a:r>
-            <a:r>
-              <a:rPr lang="en-US" sz="2500" i="1" dirty="0" smtClean="0">
-                <a:latin typeface="+mn-lt"/>
-                <a:cs typeface="PFDinTextCompPro-Italic"/>
-              </a:rPr>
-              <a:t> + </a:t>
-            </a:r>
-            <a:r>
-              <a:rPr lang="en-US" sz="2500" i="1" dirty="0" smtClean="0">
-                <a:latin typeface="Symbol" charset="2"/>
-                <a:cs typeface="Symbol" charset="2"/>
-              </a:rPr>
-              <a:t>e</a:t>
-            </a:r>
-            <a:r>
-              <a:rPr lang="en-US" sz="2500" i="1" dirty="0" smtClean="0">
-                <a:latin typeface="+mn-lt"/>
-                <a:cs typeface="PFDinTextCompPro-Italic"/>
-              </a:rPr>
-              <a:t>    </a:t>
-            </a:r>
-            <a:r>
-              <a:rPr lang="en-US" sz="2500" i="1" dirty="0" err="1" smtClean="0">
-                <a:latin typeface="+mn-lt"/>
-                <a:cs typeface="PFDinTextCompPro-Italic"/>
-              </a:rPr>
-              <a:t>st.</a:t>
-            </a:r>
-            <a:r>
-              <a:rPr lang="en-US" sz="2500" dirty="0" smtClean="0">
-                <a:latin typeface="PFDinTextCompPro-Italic"/>
-                <a:cs typeface="PFDinTextCompPro-Italic"/>
-              </a:rPr>
-              <a:t>    </a:t>
-            </a:r>
-            <a:r>
-              <a:rPr lang="en-US" sz="3000" dirty="0" smtClean="0">
-                <a:latin typeface="Symbol" charset="2"/>
-                <a:cs typeface="Symbol" charset="2"/>
-              </a:rPr>
-              <a:t>S</a:t>
-            </a:r>
-            <a:r>
-              <a:rPr lang="en-US" sz="2500" dirty="0" smtClean="0">
-                <a:latin typeface="Symbol" charset="2"/>
-                <a:cs typeface="Symbol" charset="2"/>
-              </a:rPr>
-              <a:t> </a:t>
-            </a:r>
-            <a:r>
-              <a:rPr lang="en-US" sz="2500" spc="300" dirty="0" smtClean="0">
-                <a:latin typeface="PFDinTextCompPro-Light"/>
-                <a:cs typeface="PFDinTextCompPro-Light"/>
-              </a:rPr>
-              <a:t>|</a:t>
-            </a:r>
-            <a:r>
-              <a:rPr lang="en-US" sz="2500" i="1" spc="300" dirty="0" smtClean="0">
-                <a:latin typeface="Symbol" charset="2"/>
-                <a:cs typeface="Symbol" charset="2"/>
-              </a:rPr>
-              <a:t>b</a:t>
-            </a:r>
-            <a:r>
-              <a:rPr lang="en-US" sz="2500" i="1" spc="300" baseline="-25000" dirty="0" smtClean="0">
-                <a:latin typeface="+mn-lt"/>
-                <a:cs typeface="PFDinTextCompPro-Italic"/>
-              </a:rPr>
-              <a:t>i</a:t>
-            </a:r>
-            <a:r>
-              <a:rPr lang="en-US" sz="2500" spc="300" dirty="0" smtClean="0">
-                <a:latin typeface="PFDinTextCompPro-Light"/>
-                <a:cs typeface="PFDinTextCompPro-Light"/>
-              </a:rPr>
-              <a:t>|</a:t>
-            </a:r>
-            <a:r>
-              <a:rPr lang="en-US" sz="2500" i="1" spc="300" dirty="0" smtClean="0">
-                <a:latin typeface="+mn-lt"/>
-                <a:cs typeface="PFDinTextCompPro-Light"/>
-              </a:rPr>
-              <a:t> &lt; s</a:t>
-            </a:r>
-          </a:p>
-        </p:txBody>
-      </p:sp>
-    </p:spTree>
-    <p:extLst>
-      <p:ext uri="{BB962C8B-B14F-4D97-AF65-F5344CB8AC3E}">
-        <p14:creationId xmlns:p14="http://schemas.microsoft.com/office/powerpoint/2010/main" val="3836743639"/>
-      </p:ext>
-    </p:extLst>
-  </p:cSld>
-  <p:clrMapOvr>
-    <a:masterClrMapping/>
-  </p:clrMapOvr>
-  <p:transition xmlns:p14="http://schemas.microsoft.com/office/powerpoint/2010/main"/>
-  <p:timing>
-    <p:tnLst>
-      <p:par>
-        <p:cTn xmlns:p14="http://schemas.microsoft.com/office/powerpoint/2010/main" id="1" dur="indefinite" restart="never" nodeType="tmRoot"/>
-      </p:par>
-    </p:tnLst>
-  </p:timing>
-</p:sld>
-</file>
-
-<file path=ppt/slides/slide16.xml><?xml version="1.0" encoding="utf-8"?>
-<p:sld xmlns:a="http://schemas.openxmlformats.org/drawingml/2006/main" xmlns:r="http://schemas.openxmlformats.org/officeDocument/2006/relationships" xmlns:p="http://schemas.openxmlformats.org/presentationml/2006/main">
-  <p:cSld>
-    <p:spTree>
-      <p:nvGrpSpPr>
-        <p:cNvPr id="1" name=""/>
-        <p:cNvGrpSpPr/>
-        <p:nvPr/>
-      </p:nvGrpSpPr>
-      <p:grpSpPr>
-        <a:xfrm>
-          <a:off x="0" y="0"/>
-          <a:ext cx="0" cy="0"/>
-          <a:chOff x="0" y="0"/>
-          <a:chExt cx="0" cy="0"/>
-        </a:xfrm>
-      </p:grpSpPr>
-      <p:sp>
-        <p:nvSpPr>
-          <p:cNvPr id="4" name="Content Placeholder 3"/>
-          <p:cNvSpPr>
-            <a:spLocks noGrp="1"/>
-          </p:cNvSpPr>
-          <p:nvPr>
-            <p:ph sz="quarter" idx="11"/>
-          </p:nvPr>
-        </p:nvSpPr>
-        <p:spPr>
-          <a:xfrm>
-            <a:off x="414337" y="495300"/>
-            <a:ext cx="6400800" cy="304800"/>
-          </a:xfrm>
-        </p:spPr>
-        <p:txBody>
-          <a:bodyPr/>
-          <a:lstStyle/>
-          <a:p>
-            <a:pPr eaLnBrk="1" hangingPunct="1">
-              <a:lnSpc>
-                <a:spcPts val="2448"/>
-              </a:lnSpc>
-              <a:defRPr/>
-            </a:pPr>
-            <a:r>
-              <a:rPr lang="en-US" dirty="0"/>
-              <a:t>regularization</a:t>
-            </a:r>
-          </a:p>
-        </p:txBody>
-      </p:sp>
-      <p:sp>
-        <p:nvSpPr>
-          <p:cNvPr id="8" name="Slide Number Placeholder 3"/>
-          <p:cNvSpPr>
-            <a:spLocks noGrp="1"/>
-          </p:cNvSpPr>
-          <p:nvPr>
-            <p:ph type="sldNum" sz="quarter" idx="13"/>
-          </p:nvPr>
-        </p:nvSpPr>
-        <p:spPr/>
-        <p:txBody>
-          <a:bodyPr/>
-          <a:lstStyle/>
-          <a:p>
-            <a:pPr>
-              <a:defRPr/>
-            </a:pPr>
-            <a:fld id="{BD5AD749-DAD1-6A4A-A2AA-CB20EAD0AEB7}" type="slidenum">
-              <a:rPr lang="en-US"/>
-              <a:pPr>
-                <a:defRPr/>
-              </a:pPr>
-              <a:t>16</a:t>
-            </a:fld>
-            <a:endParaRPr lang="en-US"/>
-          </a:p>
-        </p:txBody>
-      </p:sp>
-      <p:sp>
-        <p:nvSpPr>
-          <p:cNvPr id="6" name="TextBox 5"/>
-          <p:cNvSpPr txBox="1"/>
-          <p:nvPr/>
-        </p:nvSpPr>
-        <p:spPr>
-          <a:xfrm>
-            <a:off x="576896" y="1104900"/>
-            <a:ext cx="8382000" cy="2400657"/>
-          </a:xfrm>
-          <a:prstGeom prst="rect">
-            <a:avLst/>
-          </a:prstGeom>
-          <a:noFill/>
-        </p:spPr>
-        <p:txBody>
-          <a:bodyPr wrap="square" rtlCol="0">
-            <a:spAutoFit/>
-          </a:bodyPr>
-          <a:lstStyle/>
-          <a:p>
-            <a:pPr algn="l"/>
-            <a:r>
-              <a:rPr lang="en-US" sz="3000" dirty="0" smtClean="0">
-                <a:latin typeface="PFDinTextCompPro-Italic"/>
-                <a:cs typeface="PFDinTextCompPro-Italic"/>
-              </a:rPr>
-              <a:t>These measures of complexity lead to the following </a:t>
-            </a:r>
-            <a:r>
-              <a:rPr lang="en-US" sz="3000" dirty="0" smtClean="0">
-                <a:latin typeface="PFDinTextCompPro-Medium"/>
-                <a:cs typeface="PFDinTextCompPro-Medium"/>
-              </a:rPr>
-              <a:t>regularization</a:t>
-            </a:r>
-            <a:r>
-              <a:rPr lang="en-US" sz="3000" dirty="0" smtClean="0">
-                <a:latin typeface="PFDinTextCompPro-Italic"/>
-                <a:cs typeface="PFDinTextCompPro-Italic"/>
-              </a:rPr>
-              <a:t> </a:t>
-            </a:r>
-            <a:r>
-              <a:rPr lang="en-US" sz="3000" dirty="0">
-                <a:latin typeface="PFDinTextCompPro-Italic"/>
-                <a:cs typeface="PFDinTextCompPro-Italic"/>
-              </a:rPr>
-              <a:t>techniques</a:t>
-            </a:r>
-            <a:r>
-              <a:rPr lang="en-US" sz="3000" dirty="0" smtClean="0">
-                <a:latin typeface="PFDinTextCompPro-Italic"/>
-                <a:cs typeface="PFDinTextCompPro-Italic"/>
-              </a:rPr>
-              <a:t>:</a:t>
-            </a:r>
-          </a:p>
-          <a:p>
-            <a:pPr algn="l"/>
-            <a:endParaRPr lang="en-US" sz="3000" dirty="0" smtClean="0">
-              <a:latin typeface="PFDinTextCompPro-Medium"/>
-              <a:cs typeface="PFDinTextCompPro-Medium"/>
-            </a:endParaRPr>
-          </a:p>
-          <a:p>
-            <a:pPr algn="l"/>
-            <a:r>
-              <a:rPr lang="en-US" sz="3000" dirty="0" smtClean="0">
-                <a:latin typeface="PFDinTextCompPro-Medium"/>
-                <a:cs typeface="PFDinTextCompPro-Medium"/>
-              </a:rPr>
-              <a:t>L1 regularization</a:t>
-            </a:r>
-            <a:r>
-              <a:rPr lang="en-US" sz="3000" dirty="0" smtClean="0">
-                <a:latin typeface="PFDinTextCompPro-Italic"/>
-                <a:cs typeface="PFDinTextCompPro-Italic"/>
-              </a:rPr>
-              <a:t>:    </a:t>
-            </a:r>
-            <a:r>
-              <a:rPr lang="en-US" sz="2500" i="1" dirty="0" smtClean="0">
-                <a:latin typeface="+mn-lt"/>
-                <a:cs typeface="PFDinTextCompPro-Italic"/>
-              </a:rPr>
-              <a:t>y</a:t>
-            </a:r>
-            <a:r>
-              <a:rPr lang="en-US" sz="3000" i="1" dirty="0" smtClean="0">
-                <a:latin typeface="+mn-lt"/>
-                <a:cs typeface="PFDinTextCompPro-Italic"/>
-              </a:rPr>
-              <a:t> = </a:t>
-            </a:r>
-            <a:r>
-              <a:rPr lang="en-US" sz="3000" dirty="0" smtClean="0">
-                <a:latin typeface="Symbol" charset="2"/>
-                <a:cs typeface="Symbol" charset="2"/>
-              </a:rPr>
-              <a:t>S </a:t>
-            </a:r>
-            <a:r>
-              <a:rPr lang="en-US" sz="2500" i="1" spc="300" dirty="0" err="1" smtClean="0">
-                <a:latin typeface="Symbol" charset="2"/>
-                <a:cs typeface="Symbol" charset="2"/>
-              </a:rPr>
-              <a:t>b</a:t>
-            </a:r>
-            <a:r>
-              <a:rPr lang="en-US" sz="2500" i="1" spc="300" baseline="-25000" dirty="0" err="1" smtClean="0">
-                <a:latin typeface="+mn-lt"/>
-                <a:cs typeface="PFDinTextCompPro-Italic"/>
-              </a:rPr>
-              <a:t>i</a:t>
-            </a:r>
-            <a:r>
-              <a:rPr lang="en-US" sz="2500" i="1" spc="300" dirty="0" err="1" smtClean="0">
-                <a:latin typeface="+mn-lt"/>
-                <a:cs typeface="PFDinTextCompPro-Italic"/>
-              </a:rPr>
-              <a:t>x</a:t>
-            </a:r>
-            <a:r>
-              <a:rPr lang="en-US" sz="2500" i="1" spc="300" baseline="-25000" dirty="0" err="1" smtClean="0">
-                <a:latin typeface="+mn-lt"/>
-                <a:cs typeface="PFDinTextCompPro-Italic"/>
-              </a:rPr>
-              <a:t>i</a:t>
-            </a:r>
-            <a:r>
-              <a:rPr lang="en-US" sz="2500" i="1" dirty="0" smtClean="0">
-                <a:latin typeface="+mn-lt"/>
-                <a:cs typeface="PFDinTextCompPro-Italic"/>
-              </a:rPr>
-              <a:t> + </a:t>
-            </a:r>
-            <a:r>
-              <a:rPr lang="en-US" sz="2500" i="1" dirty="0" smtClean="0">
-                <a:latin typeface="Symbol" charset="2"/>
-                <a:cs typeface="Symbol" charset="2"/>
-              </a:rPr>
-              <a:t>e</a:t>
-            </a:r>
-            <a:r>
-              <a:rPr lang="en-US" sz="2500" i="1" dirty="0" smtClean="0">
-                <a:latin typeface="+mn-lt"/>
-                <a:cs typeface="PFDinTextCompPro-Italic"/>
-              </a:rPr>
-              <a:t>    </a:t>
-            </a:r>
-            <a:r>
-              <a:rPr lang="en-US" sz="2500" i="1" dirty="0" err="1" smtClean="0">
-                <a:latin typeface="+mn-lt"/>
-                <a:cs typeface="PFDinTextCompPro-Italic"/>
-              </a:rPr>
-              <a:t>st.</a:t>
-            </a:r>
-            <a:r>
-              <a:rPr lang="en-US" sz="2500" dirty="0" smtClean="0">
-                <a:latin typeface="PFDinTextCompPro-Italic"/>
-                <a:cs typeface="PFDinTextCompPro-Italic"/>
-              </a:rPr>
-              <a:t>    </a:t>
-            </a:r>
-            <a:r>
-              <a:rPr lang="en-US" sz="3000" dirty="0" smtClean="0">
-                <a:latin typeface="Symbol" charset="2"/>
-                <a:cs typeface="Symbol" charset="2"/>
-              </a:rPr>
-              <a:t>S</a:t>
-            </a:r>
-            <a:r>
-              <a:rPr lang="en-US" sz="2500" dirty="0" smtClean="0">
-                <a:latin typeface="Symbol" charset="2"/>
-                <a:cs typeface="Symbol" charset="2"/>
-              </a:rPr>
-              <a:t> </a:t>
-            </a:r>
-            <a:r>
-              <a:rPr lang="en-US" sz="2500" spc="300" dirty="0" smtClean="0">
-                <a:latin typeface="PFDinTextCompPro-Light"/>
-                <a:cs typeface="PFDinTextCompPro-Light"/>
-              </a:rPr>
-              <a:t>|</a:t>
-            </a:r>
-            <a:r>
-              <a:rPr lang="en-US" sz="2500" i="1" spc="300" dirty="0" smtClean="0">
-                <a:latin typeface="Symbol" charset="2"/>
-                <a:cs typeface="Symbol" charset="2"/>
-              </a:rPr>
-              <a:t>b</a:t>
-            </a:r>
-            <a:r>
-              <a:rPr lang="en-US" sz="2500" i="1" spc="300" baseline="-25000" dirty="0" smtClean="0">
-                <a:latin typeface="+mn-lt"/>
-                <a:cs typeface="PFDinTextCompPro-Italic"/>
-              </a:rPr>
-              <a:t>i</a:t>
-            </a:r>
-            <a:r>
-              <a:rPr lang="en-US" sz="2500" spc="300" dirty="0" smtClean="0">
-                <a:latin typeface="PFDinTextCompPro-Light"/>
-                <a:cs typeface="PFDinTextCompPro-Light"/>
-              </a:rPr>
-              <a:t>|</a:t>
-            </a:r>
-            <a:r>
-              <a:rPr lang="en-US" sz="2500" i="1" spc="300" dirty="0" smtClean="0">
-                <a:latin typeface="+mn-lt"/>
-                <a:cs typeface="PFDinTextCompPro-Light"/>
-              </a:rPr>
-              <a:t> &lt; s</a:t>
-            </a:r>
-            <a:endParaRPr lang="en-US" sz="3000" spc="300" dirty="0">
-              <a:latin typeface="PFDinTextCompPro-Light"/>
-              <a:cs typeface="PFDinTextCompPro-Light"/>
-            </a:endParaRPr>
-          </a:p>
-          <a:p>
-            <a:pPr algn="l"/>
-            <a:r>
-              <a:rPr lang="en-US" sz="3000" dirty="0" smtClean="0">
-                <a:latin typeface="PFDinTextCompPro-Medium"/>
-                <a:cs typeface="PFDinTextCompPro-Medium"/>
-              </a:rPr>
-              <a:t>L2 regularization</a:t>
-            </a:r>
-            <a:r>
-              <a:rPr lang="en-US" sz="3000" dirty="0" smtClean="0">
-                <a:latin typeface="PFDinTextCompPro-Italic"/>
-                <a:cs typeface="PFDinTextCompPro-Italic"/>
-              </a:rPr>
-              <a:t>:    </a:t>
-            </a:r>
-            <a:r>
-              <a:rPr lang="en-US" sz="2500" i="1" dirty="0" smtClean="0">
-                <a:latin typeface="+mn-lt"/>
-                <a:cs typeface="News706 BT (Body)"/>
-              </a:rPr>
-              <a:t>y </a:t>
-            </a:r>
-            <a:r>
-              <a:rPr lang="en-US" sz="3000" i="1" dirty="0" smtClean="0">
-                <a:latin typeface="+mn-lt"/>
-                <a:cs typeface="News706 BT (Body)"/>
-              </a:rPr>
-              <a:t>= </a:t>
-            </a:r>
-            <a:r>
-              <a:rPr lang="en-US" sz="3000" dirty="0" smtClean="0">
-                <a:latin typeface="Symbol" charset="2"/>
-                <a:cs typeface="Symbol" charset="2"/>
-              </a:rPr>
-              <a:t>S </a:t>
-            </a:r>
-            <a:r>
-              <a:rPr lang="en-US" sz="2500" i="1" spc="300" dirty="0" err="1" smtClean="0">
-                <a:latin typeface="Symbol" charset="2"/>
-                <a:cs typeface="Symbol" charset="2"/>
-              </a:rPr>
-              <a:t>b</a:t>
-            </a:r>
-            <a:r>
-              <a:rPr lang="en-US" sz="2500" i="1" spc="300" baseline="-25000" dirty="0" err="1" smtClean="0">
-                <a:latin typeface="+mn-lt"/>
-                <a:cs typeface="PFDinTextCompPro-Light"/>
-              </a:rPr>
-              <a:t>i</a:t>
-            </a:r>
-            <a:r>
-              <a:rPr lang="en-US" sz="2500" i="1" spc="300" dirty="0" err="1" smtClean="0">
-                <a:latin typeface="+mn-lt"/>
-                <a:cs typeface="PFDinTextCompPro-Light"/>
-              </a:rPr>
-              <a:t>x</a:t>
-            </a:r>
-            <a:r>
-              <a:rPr lang="en-US" sz="2500" i="1" spc="300" baseline="-25000" dirty="0" err="1" smtClean="0">
-                <a:latin typeface="+mn-lt"/>
-                <a:cs typeface="PFDinTextCompPro-Light"/>
-              </a:rPr>
-              <a:t>i</a:t>
-            </a:r>
-            <a:r>
-              <a:rPr lang="en-US" sz="2500" i="1" dirty="0" smtClean="0">
-                <a:latin typeface="+mn-lt"/>
-                <a:cs typeface="PFDinTextCompPro-Light"/>
-              </a:rPr>
-              <a:t> + </a:t>
-            </a:r>
-            <a:r>
-              <a:rPr lang="en-US" sz="2500" i="1" dirty="0" smtClean="0">
-                <a:latin typeface="Symbol" charset="2"/>
-                <a:cs typeface="Symbol" charset="2"/>
-              </a:rPr>
-              <a:t>e    </a:t>
-            </a:r>
-            <a:r>
-              <a:rPr lang="en-US" sz="2500" i="1" dirty="0" err="1" smtClean="0">
-                <a:latin typeface="+mn-lt"/>
-                <a:cs typeface="News706 BT (Body)"/>
-              </a:rPr>
-              <a:t>st.</a:t>
-            </a:r>
-            <a:r>
-              <a:rPr lang="en-US" sz="2500" dirty="0" smtClean="0">
-                <a:latin typeface="+mn-lt"/>
-                <a:cs typeface="PFDinTextCompPro-Light"/>
-              </a:rPr>
-              <a:t>    </a:t>
-            </a:r>
-            <a:r>
-              <a:rPr lang="en-US" sz="3000" dirty="0" smtClean="0">
-                <a:latin typeface="Symbol" charset="2"/>
-                <a:cs typeface="Symbol" charset="2"/>
-              </a:rPr>
-              <a:t>S</a:t>
-            </a:r>
-            <a:r>
-              <a:rPr lang="en-US" sz="2500" dirty="0" smtClean="0">
-                <a:latin typeface="Symbol" charset="2"/>
-                <a:cs typeface="Symbol" charset="2"/>
-              </a:rPr>
-              <a:t> </a:t>
-            </a:r>
-            <a:r>
-              <a:rPr lang="en-US" sz="2500" i="1" dirty="0" smtClean="0">
-                <a:latin typeface="Symbol" charset="2"/>
-                <a:cs typeface="Symbol" charset="2"/>
-              </a:rPr>
-              <a:t>b</a:t>
-            </a:r>
-            <a:r>
-              <a:rPr lang="en-US" sz="2500" i="1" baseline="-25000" dirty="0" smtClean="0">
-                <a:latin typeface="+mn-lt"/>
-                <a:cs typeface="PFDinTextCompPro-Italic"/>
-              </a:rPr>
-              <a:t>i</a:t>
-            </a:r>
-            <a:r>
-              <a:rPr lang="en-US" sz="2500" i="1" baseline="30000" dirty="0" smtClean="0">
-                <a:latin typeface="+mn-lt"/>
-                <a:cs typeface="News706 Bd BT"/>
-              </a:rPr>
-              <a:t>2</a:t>
-            </a:r>
-            <a:r>
-              <a:rPr lang="en-US" sz="2500" i="1" dirty="0" smtClean="0">
-                <a:latin typeface="+mn-lt"/>
-                <a:cs typeface="News706 Bd BT"/>
-              </a:rPr>
-              <a:t> &lt; s</a:t>
-            </a:r>
-            <a:endParaRPr lang="en-US" sz="2500" dirty="0" smtClean="0">
-              <a:latin typeface="PFDinTextCompPro-Medium"/>
-              <a:cs typeface="PFDinTextCompPro-Medium"/>
-            </a:endParaRPr>
-          </a:p>
-        </p:txBody>
-      </p:sp>
-    </p:spTree>
-    <p:extLst>
-      <p:ext uri="{BB962C8B-B14F-4D97-AF65-F5344CB8AC3E}">
-        <p14:creationId xmlns:p14="http://schemas.microsoft.com/office/powerpoint/2010/main" val="634750693"/>
-      </p:ext>
-    </p:extLst>
-  </p:cSld>
-  <p:clrMapOvr>
-    <a:masterClrMapping/>
-  </p:clrMapOvr>
-  <p:transition xmlns:p14="http://schemas.microsoft.com/office/powerpoint/2010/main"/>
-  <p:timing>
-    <p:tnLst>
-      <p:par>
-        <p:cTn xmlns:p14="http://schemas.microsoft.com/office/powerpoint/2010/main" id="1" dur="indefinite" restart="never" nodeType="tmRoot"/>
-      </p:par>
-    </p:tnLst>
-  </p:timing>
-</p:sld>
-</file>
-
-<file path=ppt/slides/slide17.xml><?xml version="1.0" encoding="utf-8"?>
-<p:sld xmlns:a="http://schemas.openxmlformats.org/drawingml/2006/main" xmlns:r="http://schemas.openxmlformats.org/officeDocument/2006/relationships" xmlns:p="http://schemas.openxmlformats.org/presentationml/2006/main">
-  <p:cSld>
-    <p:spTree>
-      <p:nvGrpSpPr>
-        <p:cNvPr id="1" name=""/>
-        <p:cNvGrpSpPr/>
-        <p:nvPr/>
-      </p:nvGrpSpPr>
-      <p:grpSpPr>
-        <a:xfrm>
-          <a:off x="0" y="0"/>
-          <a:ext cx="0" cy="0"/>
-          <a:chOff x="0" y="0"/>
-          <a:chExt cx="0" cy="0"/>
-        </a:xfrm>
-      </p:grpSpPr>
-      <p:sp>
-        <p:nvSpPr>
-          <p:cNvPr id="4" name="Content Placeholder 3"/>
-          <p:cNvSpPr>
-            <a:spLocks noGrp="1"/>
-          </p:cNvSpPr>
-          <p:nvPr>
-            <p:ph sz="quarter" idx="11"/>
-          </p:nvPr>
-        </p:nvSpPr>
-        <p:spPr>
-          <a:xfrm>
-            <a:off x="414337" y="495300"/>
-            <a:ext cx="6400800" cy="304800"/>
-          </a:xfrm>
-        </p:spPr>
-        <p:txBody>
-          <a:bodyPr/>
-          <a:lstStyle/>
-          <a:p>
-            <a:pPr eaLnBrk="1" hangingPunct="1">
-              <a:lnSpc>
-                <a:spcPts val="2448"/>
-              </a:lnSpc>
-              <a:defRPr/>
-            </a:pPr>
-            <a:r>
-              <a:rPr lang="en-US" dirty="0"/>
-              <a:t>regularization</a:t>
-            </a:r>
-          </a:p>
-        </p:txBody>
-      </p:sp>
-      <p:sp>
-        <p:nvSpPr>
-          <p:cNvPr id="8" name="Slide Number Placeholder 3"/>
-          <p:cNvSpPr>
-            <a:spLocks noGrp="1"/>
-          </p:cNvSpPr>
-          <p:nvPr>
-            <p:ph type="sldNum" sz="quarter" idx="13"/>
-          </p:nvPr>
-        </p:nvSpPr>
-        <p:spPr/>
-        <p:txBody>
-          <a:bodyPr/>
-          <a:lstStyle/>
-          <a:p>
-            <a:pPr>
-              <a:defRPr/>
-            </a:pPr>
-            <a:fld id="{BD5AD749-DAD1-6A4A-A2AA-CB20EAD0AEB7}" type="slidenum">
-              <a:rPr lang="en-US"/>
-              <a:pPr>
-                <a:defRPr/>
-              </a:pPr>
-              <a:t>17</a:t>
             </a:fld>
             <a:endParaRPr lang="en-US"/>
           </a:p>
@@ -13030,19 +12445,7 @@
                   <a:cs typeface="PFDinTextCompPro-Italic"/>
                   <a:sym typeface="News706 BT" charset="0"/>
                 </a:rPr>
-                <a:t>regularization</a:t>
-              </a:r>
-              <a:r>
-                <a:rPr lang="en-US" sz="900" dirty="0" smtClean="0">
-                  <a:solidFill>
-                    <a:schemeClr val="tx1"/>
-                  </a:solidFill>
-                  <a:latin typeface="+mn-lt"/>
-                  <a:ea typeface="ＭＳ Ｐゴシック" charset="0"/>
-                  <a:cs typeface="PFDinTextCompPro-Italic"/>
-                  <a:sym typeface="News706 BT" charset="0"/>
-                </a:rPr>
-                <a:t>. L2 regularization is also known as </a:t>
+                <a:t>regularization. L2 regularization is also known as </a:t>
               </a:r>
               <a:r>
                 <a:rPr lang="en-US" sz="900" i="1" dirty="0" smtClean="0">
@@ -13068,15 +12471,6 @@
                 </a:rPr>
                 <a:t> regression.</a:t>
               </a:r>
-              <a:endParaRPr lang="en-US" sz="900" dirty="0" smtClean="0">
-                <a:solidFill>
-                  <a:schemeClr val="tx1"/>
-                </a:solidFill>
-                <a:latin typeface="+mn-lt"/>
-                <a:ea typeface="ＭＳ Ｐゴシック" charset="0"/>
-                <a:cs typeface="PFDinTextCompPro-Italic"/>
-                <a:sym typeface="News706 BT" charset="0"/>
-              </a:endParaRPr>
             </a:p>
           </p:txBody>
         </p:sp>
@@ -13102,7 +12496,7 @@
 </p:sld>
 </file>
 
-<file path=ppt/slides/slide18.xml><?xml version="1.0" encoding="utf-8"?>
+<file path=ppt/slides/slide16.xml><?xml version="1.0" encoding="utf-8"?>
 <p:sld xmlns:a="http://schemas.openxmlformats.org/drawingml/2006/main" xmlns:r="http://schemas.openxmlformats.org/officeDocument/2006/relationships" xmlns:p="http://schemas.openxmlformats.org/presentationml/2006/main">
   <p:cSld>
     <p:spTree>
@@ -13175,7 +12569,7 @@
               <a:pPr>
                 <a:defRPr/>
               </a:pPr>
-              <a:t>18</a:t>
+              <a:t>16</a:t>
             </a:fld>
             <a:endParaRPr lang="en-US"/>
           </a:p>
@@ -13833,19 +13227,7 @@
                   <a:cs typeface="PFDinTextCompPro-Italic"/>
                   <a:sym typeface="News706 BT" charset="0"/>
                 </a:rPr>
-                <a:t>regularization</a:t>
-              </a:r>
-              <a:r>
-                <a:rPr lang="en-US" sz="900" dirty="0" smtClean="0">
-                  <a:solidFill>
-                    <a:schemeClr val="tx1"/>
-                  </a:solidFill>
-                  <a:latin typeface="+mn-lt"/>
-                  <a:ea typeface="ＭＳ Ｐゴシック" charset="0"/>
-                  <a:cs typeface="PFDinTextCompPro-Italic"/>
-                  <a:sym typeface="News706 BT" charset="0"/>
-                </a:rPr>
-                <a:t>. L2 regularization is also known as </a:t>
+                <a:t>regularization. L2 regularization is also known as </a:t>
               </a:r>
               <a:r>
                 <a:rPr lang="en-US" sz="900" i="1" dirty="0" smtClean="0">
@@ -13871,15 +13253,6 @@
                 </a:rPr>
                 <a:t> regression.</a:t>
               </a:r>
-              <a:endParaRPr lang="en-US" sz="900" dirty="0" smtClean="0">
-                <a:solidFill>
-                  <a:schemeClr val="tx1"/>
-                </a:solidFill>
-                <a:latin typeface="+mn-lt"/>
-                <a:ea typeface="ＭＳ Ｐゴシック" charset="0"/>
-                <a:cs typeface="PFDinTextCompPro-Italic"/>
-                <a:sym typeface="News706 BT" charset="0"/>
-              </a:endParaRPr>
             </a:p>
           </p:txBody>
         </p:sp>
@@ -13888,6 +13261,924 @@
     <p:extLst>
       <p:ext uri="{BB962C8B-B14F-4D97-AF65-F5344CB8AC3E}">
         <p14:creationId xmlns:p14="http://schemas.microsoft.com/office/powerpoint/2010/main" val="1647988277"/>
+      </p:ext>
+    </p:extLst>
+  </p:cSld>
+  <p:clrMapOvr>
+    <a:masterClrMapping/>
+  </p:clrMapOvr>
+  <p:transition xmlns:p14="http://schemas.microsoft.com/office/powerpoint/2010/main"/>
+  <p:timing>
+    <p:tnLst>
+      <p:par>
+        <p:cTn xmlns:p14="http://schemas.microsoft.com/office/powerpoint/2010/main" id="1" dur="indefinite" restart="never" nodeType="tmRoot"/>
+      </p:par>
+    </p:tnLst>
+  </p:timing>
+</p:sld>
+</file>
+
+<file path=ppt/slides/slide17.xml><?xml version="1.0" encoding="utf-8"?>
+<p:sld xmlns:a="http://schemas.openxmlformats.org/drawingml/2006/main" xmlns:r="http://schemas.openxmlformats.org/officeDocument/2006/relationships" xmlns:p="http://schemas.openxmlformats.org/presentationml/2006/main">
+  <p:cSld>
+    <p:spTree>
+      <p:nvGrpSpPr>
+        <p:cNvPr id="1" name=""/>
+        <p:cNvGrpSpPr/>
+        <p:nvPr/>
+      </p:nvGrpSpPr>
+      <p:grpSpPr>
+        <a:xfrm>
+          <a:off x="0" y="0"/>
+          <a:ext cx="0" cy="0"/>
+          <a:chOff x="0" y="0"/>
+          <a:chExt cx="0" cy="0"/>
+        </a:xfrm>
+      </p:grpSpPr>
+      <p:sp>
+        <p:nvSpPr>
+          <p:cNvPr id="4" name="Content Placeholder 3"/>
+          <p:cNvSpPr>
+            <a:spLocks noGrp="1"/>
+          </p:cNvSpPr>
+          <p:nvPr>
+            <p:ph sz="quarter" idx="11"/>
+          </p:nvPr>
+        </p:nvSpPr>
+        <p:spPr>
+          <a:xfrm>
+            <a:off x="414337" y="495300"/>
+            <a:ext cx="6400800" cy="304800"/>
+          </a:xfrm>
+        </p:spPr>
+        <p:txBody>
+          <a:bodyPr/>
+          <a:lstStyle/>
+          <a:p>
+            <a:pPr eaLnBrk="1" hangingPunct="1">
+              <a:lnSpc>
+                <a:spcPts val="2448"/>
+              </a:lnSpc>
+              <a:defRPr/>
+            </a:pPr>
+            <a:r>
+              <a:rPr lang="en-US" dirty="0" smtClean="0"/>
+              <a:t>Regularization</a:t>
+            </a:r>
+            <a:endParaRPr lang="en-US" dirty="0"/>
+          </a:p>
+        </p:txBody>
+      </p:sp>
+      <p:sp>
+        <p:nvSpPr>
+          <p:cNvPr id="8" name="Slide Number Placeholder 3"/>
+          <p:cNvSpPr>
+            <a:spLocks noGrp="1"/>
+          </p:cNvSpPr>
+          <p:nvPr>
+            <p:ph type="sldNum" sz="quarter" idx="13"/>
+          </p:nvPr>
+        </p:nvSpPr>
+        <p:spPr/>
+        <p:txBody>
+          <a:bodyPr/>
+          <a:lstStyle/>
+          <a:p>
+            <a:pPr>
+              <a:defRPr/>
+            </a:pPr>
+            <a:fld id="{BD5AD749-DAD1-6A4A-A2AA-CB20EAD0AEB7}" type="slidenum">
+              <a:rPr lang="en-US"/>
+              <a:pPr>
+                <a:defRPr/>
+              </a:pPr>
+              <a:t>17</a:t>
+            </a:fld>
+            <a:endParaRPr lang="en-US"/>
+          </a:p>
+        </p:txBody>
+      </p:sp>
+      <p:sp>
+        <p:nvSpPr>
+          <p:cNvPr id="6" name="TextBox 5"/>
+          <p:cNvSpPr txBox="1"/>
+          <p:nvPr/>
+        </p:nvSpPr>
+        <p:spPr>
+          <a:xfrm>
+            <a:off x="576896" y="1104900"/>
+            <a:ext cx="8382000" cy="1938992"/>
+          </a:xfrm>
+          <a:prstGeom prst="rect">
+            <a:avLst/>
+          </a:prstGeom>
+          <a:noFill/>
+        </p:spPr>
+        <p:txBody>
+          <a:bodyPr wrap="square" rtlCol="0">
+            <a:spAutoFit/>
+          </a:bodyPr>
+          <a:lstStyle/>
+          <a:p>
+            <a:pPr algn="l"/>
+            <a:r>
+              <a:rPr lang="en-US" sz="3000" dirty="0" smtClean="0">
+                <a:latin typeface="PFDinTextCompPro-Italic"/>
+                <a:cs typeface="PFDinTextCompPro-Italic"/>
+              </a:rPr>
+              <a:t>These regularization problems can also be expressed as:</a:t>
+            </a:r>
+          </a:p>
+          <a:p>
+            <a:pPr algn="l"/>
+            <a:endParaRPr lang="en-US" sz="3000" dirty="0" smtClean="0">
+              <a:latin typeface="PFDinTextCompPro-Medium"/>
+              <a:cs typeface="PFDinTextCompPro-Medium"/>
+            </a:endParaRPr>
+          </a:p>
+          <a:p>
+            <a:pPr algn="l"/>
+            <a:r>
+              <a:rPr lang="en-US" sz="3000" dirty="0" smtClean="0">
+                <a:latin typeface="PFDinTextCompPro-Medium"/>
+                <a:cs typeface="PFDinTextCompPro-Medium"/>
+              </a:rPr>
+              <a:t>L1 regularization</a:t>
+            </a:r>
+            <a:r>
+              <a:rPr lang="en-US" sz="3000" dirty="0" smtClean="0">
+                <a:latin typeface="PFDinTextCompPro-Italic"/>
+                <a:cs typeface="PFDinTextCompPro-Italic"/>
+              </a:rPr>
+              <a:t>:	</a:t>
+            </a:r>
+            <a:r>
+              <a:rPr lang="en-US" sz="2500" i="1" dirty="0" smtClean="0">
+                <a:latin typeface="+mn-lt"/>
+                <a:cs typeface="PFDinTextCompPro-Italic"/>
+              </a:rPr>
+              <a:t>min</a:t>
+            </a:r>
+            <a:r>
+              <a:rPr lang="en-US" sz="2500" spc="300" dirty="0">
+                <a:latin typeface="+mn-lt"/>
+                <a:cs typeface="PFDinTextCompPro-Italic"/>
+              </a:rPr>
+              <a:t>(</a:t>
+            </a:r>
+            <a:r>
+              <a:rPr lang="en-US" sz="2500" dirty="0">
+                <a:latin typeface="PFDinTextCompPro-Light"/>
+                <a:cs typeface="PFDinTextCompPro-Light"/>
+              </a:rPr>
+              <a:t>|</a:t>
+            </a:r>
+            <a:r>
+              <a:rPr lang="en-US" sz="2500" spc="300" dirty="0">
+                <a:latin typeface="PFDinTextCompPro-Light"/>
+                <a:cs typeface="PFDinTextCompPro-Light"/>
+              </a:rPr>
+              <a:t>|</a:t>
+            </a:r>
+            <a:r>
+              <a:rPr lang="en-US" sz="2500" i="1" spc="300" dirty="0">
+                <a:latin typeface="+mn-lt"/>
+                <a:cs typeface="PFDinTextCompPro-Italic"/>
+              </a:rPr>
+              <a:t>y – </a:t>
+            </a:r>
+            <a:r>
+              <a:rPr lang="en-US" sz="2500" i="1" spc="300" dirty="0" err="1">
+                <a:latin typeface="+mn-lt"/>
+                <a:cs typeface="PFDinTextCompPro-Italic"/>
+              </a:rPr>
+              <a:t>x</a:t>
+            </a:r>
+            <a:r>
+              <a:rPr lang="en-US" sz="2500" i="1" spc="300" dirty="0" err="1">
+                <a:latin typeface="Symbol" charset="2"/>
+                <a:cs typeface="Symbol" charset="2"/>
+              </a:rPr>
+              <a:t>b</a:t>
+            </a:r>
+            <a:r>
+              <a:rPr lang="en-US" sz="2500" dirty="0">
+                <a:latin typeface="PFDinTextCompPro-Light"/>
+                <a:cs typeface="PFDinTextCompPro-Light"/>
+              </a:rPr>
+              <a:t>|</a:t>
+            </a:r>
+            <a:r>
+              <a:rPr lang="en-US" sz="2500" spc="300" dirty="0">
+                <a:latin typeface="PFDinTextCompPro-Light"/>
+                <a:cs typeface="PFDinTextCompPro-Light"/>
+              </a:rPr>
+              <a:t>|</a:t>
+            </a:r>
+            <a:r>
+              <a:rPr lang="en-US" sz="2500" i="1" spc="300" baseline="30000" dirty="0">
+                <a:latin typeface="+mn-lt"/>
+                <a:cs typeface="PFDinTextCompPro-Italic"/>
+              </a:rPr>
+              <a:t>2</a:t>
+            </a:r>
+            <a:r>
+              <a:rPr lang="en-US" sz="2500" i="1" spc="300" dirty="0">
+                <a:latin typeface="+mn-lt"/>
+                <a:cs typeface="PFDinTextCompPro-Italic"/>
+              </a:rPr>
+              <a:t> + </a:t>
+            </a:r>
+            <a:r>
+              <a:rPr lang="en-US" sz="2500" i="1" spc="300" dirty="0">
+                <a:latin typeface="Symbol" charset="2"/>
+                <a:cs typeface="Symbol" charset="2"/>
+              </a:rPr>
+              <a:t>l</a:t>
+            </a:r>
+            <a:r>
+              <a:rPr lang="en-US" sz="2500" dirty="0">
+                <a:latin typeface="PFDinTextCompPro-Light"/>
+                <a:cs typeface="PFDinTextCompPro-Light"/>
+              </a:rPr>
+              <a:t>|</a:t>
+            </a:r>
+            <a:r>
+              <a:rPr lang="en-US" sz="2500" spc="300" dirty="0">
+                <a:latin typeface="PFDinTextCompPro-Light"/>
+                <a:cs typeface="PFDinTextCompPro-Light"/>
+              </a:rPr>
+              <a:t>|</a:t>
+            </a:r>
+            <a:r>
+              <a:rPr lang="en-US" sz="2500" i="1" spc="300" dirty="0">
+                <a:latin typeface="+mn-lt"/>
+                <a:cs typeface="PFDinTextCompPro-Italic"/>
+              </a:rPr>
+              <a:t>x</a:t>
+            </a:r>
+            <a:r>
+              <a:rPr lang="en-US" sz="2500" dirty="0">
+                <a:latin typeface="PFDinTextCompPro-Light"/>
+                <a:cs typeface="PFDinTextCompPro-Light"/>
+              </a:rPr>
+              <a:t>|</a:t>
+            </a:r>
+            <a:r>
+              <a:rPr lang="en-US" sz="2500" spc="300" dirty="0">
+                <a:latin typeface="PFDinTextCompPro-Light"/>
+                <a:cs typeface="PFDinTextCompPro-Light"/>
+              </a:rPr>
+              <a:t>|</a:t>
+            </a:r>
+            <a:r>
+              <a:rPr lang="en-US" sz="2500" spc="300" dirty="0" smtClean="0">
+                <a:latin typeface="+mn-lt"/>
+                <a:cs typeface="PFDinTextCompPro-Italic"/>
+              </a:rPr>
+              <a:t>)</a:t>
+            </a:r>
+            <a:endParaRPr lang="en-US" sz="3000" dirty="0" smtClean="0">
+              <a:latin typeface="PFDinTextCompPro-Medium"/>
+              <a:cs typeface="PFDinTextCompPro-Medium"/>
+            </a:endParaRPr>
+          </a:p>
+          <a:p>
+            <a:pPr algn="l"/>
+            <a:r>
+              <a:rPr lang="en-US" sz="3000" dirty="0" smtClean="0">
+                <a:latin typeface="PFDinTextCompPro-Medium"/>
+                <a:cs typeface="PFDinTextCompPro-Medium"/>
+              </a:rPr>
+              <a:t>L2 regularization</a:t>
+            </a:r>
+            <a:r>
+              <a:rPr lang="en-US" sz="3000" dirty="0" smtClean="0">
+                <a:latin typeface="PFDinTextCompPro-Italic"/>
+                <a:cs typeface="PFDinTextCompPro-Italic"/>
+              </a:rPr>
+              <a:t>:	</a:t>
+            </a:r>
+            <a:r>
+              <a:rPr lang="en-US" sz="2500" i="1" dirty="0" smtClean="0">
+                <a:latin typeface="+mn-lt"/>
+                <a:cs typeface="PFDinTextCompPro-Italic"/>
+              </a:rPr>
+              <a:t>min</a:t>
+            </a:r>
+            <a:r>
+              <a:rPr lang="en-US" sz="2500" spc="300" dirty="0">
+                <a:latin typeface="+mn-lt"/>
+                <a:cs typeface="PFDinTextCompPro-Italic"/>
+              </a:rPr>
+              <a:t>(</a:t>
+            </a:r>
+            <a:r>
+              <a:rPr lang="en-US" sz="2500" dirty="0">
+                <a:latin typeface="PFDinTextCompPro-Light"/>
+                <a:cs typeface="PFDinTextCompPro-Light"/>
+              </a:rPr>
+              <a:t>|</a:t>
+            </a:r>
+            <a:r>
+              <a:rPr lang="en-US" sz="2500" spc="300" dirty="0">
+                <a:latin typeface="PFDinTextCompPro-Light"/>
+                <a:cs typeface="PFDinTextCompPro-Light"/>
+              </a:rPr>
+              <a:t>|</a:t>
+            </a:r>
+            <a:r>
+              <a:rPr lang="en-US" sz="2500" i="1" spc="300" dirty="0">
+                <a:latin typeface="+mn-lt"/>
+                <a:cs typeface="PFDinTextCompPro-Italic"/>
+              </a:rPr>
+              <a:t>y – </a:t>
+            </a:r>
+            <a:r>
+              <a:rPr lang="en-US" sz="2500" i="1" spc="300" dirty="0" err="1">
+                <a:latin typeface="+mn-lt"/>
+                <a:cs typeface="PFDinTextCompPro-Italic"/>
+              </a:rPr>
+              <a:t>x</a:t>
+            </a:r>
+            <a:r>
+              <a:rPr lang="en-US" sz="2500" i="1" spc="300" dirty="0" err="1">
+                <a:latin typeface="Symbol" charset="2"/>
+                <a:cs typeface="Symbol" charset="2"/>
+              </a:rPr>
+              <a:t>b</a:t>
+            </a:r>
+            <a:r>
+              <a:rPr lang="en-US" sz="2500" dirty="0">
+                <a:latin typeface="PFDinTextCompPro-Light"/>
+                <a:cs typeface="PFDinTextCompPro-Light"/>
+              </a:rPr>
+              <a:t>|</a:t>
+            </a:r>
+            <a:r>
+              <a:rPr lang="en-US" sz="2500" spc="300" dirty="0">
+                <a:latin typeface="PFDinTextCompPro-Light"/>
+                <a:cs typeface="PFDinTextCompPro-Light"/>
+              </a:rPr>
+              <a:t>|</a:t>
+            </a:r>
+            <a:r>
+              <a:rPr lang="en-US" sz="2500" i="1" spc="300" baseline="30000" dirty="0">
+                <a:latin typeface="+mn-lt"/>
+                <a:cs typeface="PFDinTextCompPro-Italic"/>
+              </a:rPr>
+              <a:t>2</a:t>
+            </a:r>
+            <a:r>
+              <a:rPr lang="en-US" sz="2500" i="1" spc="300" dirty="0">
+                <a:latin typeface="+mn-lt"/>
+                <a:cs typeface="PFDinTextCompPro-Italic"/>
+              </a:rPr>
+              <a:t> + </a:t>
+            </a:r>
+            <a:r>
+              <a:rPr lang="en-US" sz="2500" i="1" spc="300" dirty="0">
+                <a:latin typeface="Symbol" charset="2"/>
+                <a:cs typeface="Symbol" charset="2"/>
+              </a:rPr>
+              <a:t>l</a:t>
+            </a:r>
+            <a:r>
+              <a:rPr lang="en-US" sz="2500" dirty="0">
+                <a:latin typeface="PFDinTextCompPro-Light"/>
+                <a:cs typeface="PFDinTextCompPro-Light"/>
+              </a:rPr>
+              <a:t>|</a:t>
+            </a:r>
+            <a:r>
+              <a:rPr lang="en-US" sz="2500" spc="300" dirty="0">
+                <a:latin typeface="PFDinTextCompPro-Light"/>
+                <a:cs typeface="PFDinTextCompPro-Light"/>
+              </a:rPr>
+              <a:t>|</a:t>
+            </a:r>
+            <a:r>
+              <a:rPr lang="en-US" sz="2500" i="1" spc="300" dirty="0">
+                <a:latin typeface="+mn-lt"/>
+                <a:cs typeface="PFDinTextCompPro-Italic"/>
+              </a:rPr>
+              <a:t>x</a:t>
+            </a:r>
+            <a:r>
+              <a:rPr lang="en-US" sz="2500" dirty="0">
+                <a:latin typeface="PFDinTextCompPro-Light"/>
+                <a:cs typeface="PFDinTextCompPro-Light"/>
+              </a:rPr>
+              <a:t>|</a:t>
+            </a:r>
+            <a:r>
+              <a:rPr lang="en-US" sz="2500" spc="300" dirty="0" smtClean="0">
+                <a:latin typeface="PFDinTextCompPro-Light"/>
+                <a:cs typeface="PFDinTextCompPro-Light"/>
+              </a:rPr>
+              <a:t>|</a:t>
+            </a:r>
+            <a:r>
+              <a:rPr lang="en-US" sz="2500" i="1" spc="300" baseline="30000" dirty="0" smtClean="0">
+                <a:latin typeface="+mn-lt"/>
+                <a:cs typeface="PFDinTextCompPro-Italic"/>
+              </a:rPr>
+              <a:t>2</a:t>
+            </a:r>
+            <a:r>
+              <a:rPr lang="en-US" sz="2500" i="1" spc="300" dirty="0" smtClean="0">
+                <a:latin typeface="+mn-lt"/>
+                <a:cs typeface="PFDinTextCompPro-Italic"/>
+              </a:rPr>
+              <a:t>)</a:t>
+            </a:r>
+          </a:p>
+        </p:txBody>
+      </p:sp>
+    </p:spTree>
+    <p:extLst>
+      <p:ext uri="{BB962C8B-B14F-4D97-AF65-F5344CB8AC3E}">
+        <p14:creationId xmlns:p14="http://schemas.microsoft.com/office/powerpoint/2010/main" val="1193255946"/>
+      </p:ext>
+    </p:extLst>
+  </p:cSld>
+  <p:clrMapOvr>
+    <a:masterClrMapping/>
+  </p:clrMapOvr>
+  <p:transition xmlns:p14="http://schemas.microsoft.com/office/powerpoint/2010/main"/>
+  <p:timing>
+    <p:tnLst>
+      <p:par>
+        <p:cTn xmlns:p14="http://schemas.microsoft.com/office/powerpoint/2010/main" id="1" dur="indefinite" restart="never" nodeType="tmRoot"/>
+      </p:par>
+    </p:tnLst>
+  </p:timing>
+</p:sld>
+</file>
+
+<file path=ppt/slides/slide18.xml><?xml version="1.0" encoding="utf-8"?>
+<p:sld xmlns:a="http://schemas.openxmlformats.org/drawingml/2006/main" xmlns:r="http://schemas.openxmlformats.org/officeDocument/2006/relationships" xmlns:p="http://schemas.openxmlformats.org/presentationml/2006/main">
+  <p:cSld>
+    <p:spTree>
+      <p:nvGrpSpPr>
+        <p:cNvPr id="1" name=""/>
+        <p:cNvGrpSpPr/>
+        <p:nvPr/>
+      </p:nvGrpSpPr>
+      <p:grpSpPr>
+        <a:xfrm>
+          <a:off x="0" y="0"/>
+          <a:ext cx="0" cy="0"/>
+          <a:chOff x="0" y="0"/>
+          <a:chExt cx="0" cy="0"/>
+        </a:xfrm>
+      </p:grpSpPr>
+      <p:sp>
+        <p:nvSpPr>
+          <p:cNvPr id="4" name="Content Placeholder 3"/>
+          <p:cNvSpPr>
+            <a:spLocks noGrp="1"/>
+          </p:cNvSpPr>
+          <p:nvPr>
+            <p:ph sz="quarter" idx="11"/>
+          </p:nvPr>
+        </p:nvSpPr>
+        <p:spPr>
+          <a:xfrm>
+            <a:off x="414337" y="495300"/>
+            <a:ext cx="6400800" cy="304800"/>
+          </a:xfrm>
+        </p:spPr>
+        <p:txBody>
+          <a:bodyPr/>
+          <a:lstStyle/>
+          <a:p>
+            <a:pPr eaLnBrk="1" hangingPunct="1">
+              <a:lnSpc>
+                <a:spcPts val="2448"/>
+              </a:lnSpc>
+              <a:defRPr/>
+            </a:pPr>
+            <a:r>
+              <a:rPr lang="en-US" dirty="0" smtClean="0"/>
+              <a:t>Regularization</a:t>
+            </a:r>
+            <a:endParaRPr lang="en-US" dirty="0"/>
+          </a:p>
+        </p:txBody>
+      </p:sp>
+      <p:sp>
+        <p:nvSpPr>
+          <p:cNvPr id="8" name="Slide Number Placeholder 3"/>
+          <p:cNvSpPr>
+            <a:spLocks noGrp="1"/>
+          </p:cNvSpPr>
+          <p:nvPr>
+            <p:ph type="sldNum" sz="quarter" idx="13"/>
+          </p:nvPr>
+        </p:nvSpPr>
+        <p:spPr/>
+        <p:txBody>
+          <a:bodyPr/>
+          <a:lstStyle/>
+          <a:p>
+            <a:pPr>
+              <a:defRPr/>
+            </a:pPr>
+            <a:fld id="{BD5AD749-DAD1-6A4A-A2AA-CB20EAD0AEB7}" type="slidenum">
+              <a:rPr lang="en-US"/>
+              <a:pPr>
+                <a:defRPr/>
+              </a:pPr>
+              <a:t>18</a:t>
+            </a:fld>
+            <a:endParaRPr lang="en-US"/>
+          </a:p>
+        </p:txBody>
+      </p:sp>
+      <p:sp>
+        <p:nvSpPr>
+          <p:cNvPr id="6" name="TextBox 5"/>
+          <p:cNvSpPr txBox="1"/>
+          <p:nvPr/>
+        </p:nvSpPr>
+        <p:spPr>
+          <a:xfrm>
+            <a:off x="576896" y="1104900"/>
+            <a:ext cx="8382000" cy="2785378"/>
+          </a:xfrm>
+          <a:prstGeom prst="rect">
+            <a:avLst/>
+          </a:prstGeom>
+          <a:noFill/>
+        </p:spPr>
+        <p:txBody>
+          <a:bodyPr wrap="square" rtlCol="0">
+            <a:spAutoFit/>
+          </a:bodyPr>
+          <a:lstStyle/>
+          <a:p>
+            <a:pPr algn="l"/>
+            <a:r>
+              <a:rPr lang="en-US" sz="3000" dirty="0" smtClean="0">
+                <a:latin typeface="PFDinTextCompPro-Italic"/>
+                <a:cs typeface="PFDinTextCompPro-Italic"/>
+              </a:rPr>
+              <a:t>These regularization problems can also be expressed as:</a:t>
+            </a:r>
+          </a:p>
+          <a:p>
+            <a:pPr algn="l"/>
+            <a:endParaRPr lang="en-US" sz="3000" dirty="0" smtClean="0">
+              <a:latin typeface="PFDinTextCompPro-Medium"/>
+              <a:cs typeface="PFDinTextCompPro-Medium"/>
+            </a:endParaRPr>
+          </a:p>
+          <a:p>
+            <a:pPr algn="l"/>
+            <a:r>
+              <a:rPr lang="en-US" sz="3000" dirty="0" smtClean="0">
+                <a:latin typeface="PFDinTextCompPro-Medium"/>
+                <a:cs typeface="PFDinTextCompPro-Medium"/>
+              </a:rPr>
+              <a:t>L1 regularization</a:t>
+            </a:r>
+            <a:r>
+              <a:rPr lang="en-US" sz="3000" dirty="0" smtClean="0">
+                <a:latin typeface="PFDinTextCompPro-Italic"/>
+                <a:cs typeface="PFDinTextCompPro-Italic"/>
+              </a:rPr>
+              <a:t>:	</a:t>
+            </a:r>
+            <a:r>
+              <a:rPr lang="en-US" sz="2500" i="1" dirty="0" smtClean="0">
+                <a:latin typeface="+mn-lt"/>
+                <a:cs typeface="PFDinTextCompPro-Italic"/>
+              </a:rPr>
+              <a:t>min</a:t>
+            </a:r>
+            <a:r>
+              <a:rPr lang="en-US" sz="2500" spc="300" dirty="0">
+                <a:latin typeface="+mn-lt"/>
+                <a:cs typeface="PFDinTextCompPro-Italic"/>
+              </a:rPr>
+              <a:t>(</a:t>
+            </a:r>
+            <a:r>
+              <a:rPr lang="en-US" sz="2500" dirty="0">
+                <a:latin typeface="PFDinTextCompPro-Light"/>
+                <a:cs typeface="PFDinTextCompPro-Light"/>
+              </a:rPr>
+              <a:t>|</a:t>
+            </a:r>
+            <a:r>
+              <a:rPr lang="en-US" sz="2500" spc="300" dirty="0">
+                <a:latin typeface="PFDinTextCompPro-Light"/>
+                <a:cs typeface="PFDinTextCompPro-Light"/>
+              </a:rPr>
+              <a:t>|</a:t>
+            </a:r>
+            <a:r>
+              <a:rPr lang="en-US" sz="2500" i="1" spc="300" dirty="0">
+                <a:latin typeface="+mn-lt"/>
+                <a:cs typeface="PFDinTextCompPro-Italic"/>
+              </a:rPr>
+              <a:t>y – </a:t>
+            </a:r>
+            <a:r>
+              <a:rPr lang="en-US" sz="2500" i="1" spc="300" dirty="0" err="1">
+                <a:latin typeface="+mn-lt"/>
+                <a:cs typeface="PFDinTextCompPro-Italic"/>
+              </a:rPr>
+              <a:t>x</a:t>
+            </a:r>
+            <a:r>
+              <a:rPr lang="en-US" sz="2500" i="1" spc="300" dirty="0" err="1">
+                <a:latin typeface="Symbol" charset="2"/>
+                <a:cs typeface="Symbol" charset="2"/>
+              </a:rPr>
+              <a:t>b</a:t>
+            </a:r>
+            <a:r>
+              <a:rPr lang="en-US" sz="2500" dirty="0">
+                <a:latin typeface="PFDinTextCompPro-Light"/>
+                <a:cs typeface="PFDinTextCompPro-Light"/>
+              </a:rPr>
+              <a:t>|</a:t>
+            </a:r>
+            <a:r>
+              <a:rPr lang="en-US" sz="2500" spc="300" dirty="0">
+                <a:latin typeface="PFDinTextCompPro-Light"/>
+                <a:cs typeface="PFDinTextCompPro-Light"/>
+              </a:rPr>
+              <a:t>|</a:t>
+            </a:r>
+            <a:r>
+              <a:rPr lang="en-US" sz="2500" i="1" spc="300" baseline="30000" dirty="0">
+                <a:latin typeface="+mn-lt"/>
+                <a:cs typeface="PFDinTextCompPro-Italic"/>
+              </a:rPr>
+              <a:t>2</a:t>
+            </a:r>
+            <a:r>
+              <a:rPr lang="en-US" sz="2500" i="1" spc="300" dirty="0">
+                <a:latin typeface="+mn-lt"/>
+                <a:cs typeface="PFDinTextCompPro-Italic"/>
+              </a:rPr>
+              <a:t> + </a:t>
+            </a:r>
+            <a:r>
+              <a:rPr lang="en-US" sz="2500" i="1" spc="300" dirty="0">
+                <a:latin typeface="Symbol" charset="2"/>
+                <a:cs typeface="Symbol" charset="2"/>
+              </a:rPr>
+              <a:t>l</a:t>
+            </a:r>
+            <a:r>
+              <a:rPr lang="en-US" sz="2500" dirty="0">
+                <a:latin typeface="PFDinTextCompPro-Light"/>
+                <a:cs typeface="PFDinTextCompPro-Light"/>
+              </a:rPr>
+              <a:t>|</a:t>
+            </a:r>
+            <a:r>
+              <a:rPr lang="en-US" sz="2500" spc="300" dirty="0">
+                <a:latin typeface="PFDinTextCompPro-Light"/>
+                <a:cs typeface="PFDinTextCompPro-Light"/>
+              </a:rPr>
+              <a:t>|</a:t>
+            </a:r>
+            <a:r>
+              <a:rPr lang="en-US" sz="2500" i="1" spc="300" dirty="0">
+                <a:latin typeface="+mn-lt"/>
+                <a:cs typeface="PFDinTextCompPro-Italic"/>
+              </a:rPr>
+              <a:t>x</a:t>
+            </a:r>
+            <a:r>
+              <a:rPr lang="en-US" sz="2500" dirty="0">
+                <a:latin typeface="PFDinTextCompPro-Light"/>
+                <a:cs typeface="PFDinTextCompPro-Light"/>
+              </a:rPr>
+              <a:t>|</a:t>
+            </a:r>
+            <a:r>
+              <a:rPr lang="en-US" sz="2500" spc="300" dirty="0">
+                <a:latin typeface="PFDinTextCompPro-Light"/>
+                <a:cs typeface="PFDinTextCompPro-Light"/>
+              </a:rPr>
+              <a:t>|</a:t>
+            </a:r>
+            <a:r>
+              <a:rPr lang="en-US" sz="2500" spc="300" dirty="0" smtClean="0">
+                <a:latin typeface="+mn-lt"/>
+                <a:cs typeface="PFDinTextCompPro-Italic"/>
+              </a:rPr>
+              <a:t>)</a:t>
+            </a:r>
+            <a:endParaRPr lang="en-US" sz="3000" dirty="0" smtClean="0">
+              <a:latin typeface="PFDinTextCompPro-Medium"/>
+              <a:cs typeface="PFDinTextCompPro-Medium"/>
+            </a:endParaRPr>
+          </a:p>
+          <a:p>
+            <a:pPr algn="l"/>
+            <a:r>
+              <a:rPr lang="en-US" sz="3000" dirty="0" smtClean="0">
+                <a:latin typeface="PFDinTextCompPro-Medium"/>
+                <a:cs typeface="PFDinTextCompPro-Medium"/>
+              </a:rPr>
+              <a:t>L2 regularization</a:t>
+            </a:r>
+            <a:r>
+              <a:rPr lang="en-US" sz="3000" dirty="0" smtClean="0">
+                <a:latin typeface="PFDinTextCompPro-Italic"/>
+                <a:cs typeface="PFDinTextCompPro-Italic"/>
+              </a:rPr>
+              <a:t>:	</a:t>
+            </a:r>
+            <a:r>
+              <a:rPr lang="en-US" sz="2500" i="1" dirty="0" smtClean="0">
+                <a:latin typeface="+mn-lt"/>
+                <a:cs typeface="PFDinTextCompPro-Italic"/>
+              </a:rPr>
+              <a:t>min</a:t>
+            </a:r>
+            <a:r>
+              <a:rPr lang="en-US" sz="2500" spc="300" dirty="0">
+                <a:latin typeface="+mn-lt"/>
+                <a:cs typeface="PFDinTextCompPro-Italic"/>
+              </a:rPr>
+              <a:t>(</a:t>
+            </a:r>
+            <a:r>
+              <a:rPr lang="en-US" sz="2500" dirty="0">
+                <a:latin typeface="PFDinTextCompPro-Light"/>
+                <a:cs typeface="PFDinTextCompPro-Light"/>
+              </a:rPr>
+              <a:t>|</a:t>
+            </a:r>
+            <a:r>
+              <a:rPr lang="en-US" sz="2500" spc="300" dirty="0">
+                <a:latin typeface="PFDinTextCompPro-Light"/>
+                <a:cs typeface="PFDinTextCompPro-Light"/>
+              </a:rPr>
+              <a:t>|</a:t>
+            </a:r>
+            <a:r>
+              <a:rPr lang="en-US" sz="2500" i="1" spc="300" dirty="0">
+                <a:latin typeface="+mn-lt"/>
+                <a:cs typeface="PFDinTextCompPro-Italic"/>
+              </a:rPr>
+              <a:t>y – </a:t>
+            </a:r>
+            <a:r>
+              <a:rPr lang="en-US" sz="2500" i="1" spc="300" dirty="0" err="1">
+                <a:latin typeface="+mn-lt"/>
+                <a:cs typeface="PFDinTextCompPro-Italic"/>
+              </a:rPr>
+              <a:t>x</a:t>
+            </a:r>
+            <a:r>
+              <a:rPr lang="en-US" sz="2500" i="1" spc="300" dirty="0" err="1">
+                <a:latin typeface="Symbol" charset="2"/>
+                <a:cs typeface="Symbol" charset="2"/>
+              </a:rPr>
+              <a:t>b</a:t>
+            </a:r>
+            <a:r>
+              <a:rPr lang="en-US" sz="2500" dirty="0">
+                <a:latin typeface="PFDinTextCompPro-Light"/>
+                <a:cs typeface="PFDinTextCompPro-Light"/>
+              </a:rPr>
+              <a:t>|</a:t>
+            </a:r>
+            <a:r>
+              <a:rPr lang="en-US" sz="2500" spc="300" dirty="0">
+                <a:latin typeface="PFDinTextCompPro-Light"/>
+                <a:cs typeface="PFDinTextCompPro-Light"/>
+              </a:rPr>
+              <a:t>|</a:t>
+            </a:r>
+            <a:r>
+              <a:rPr lang="en-US" sz="2500" i="1" spc="300" baseline="30000" dirty="0">
+                <a:latin typeface="+mn-lt"/>
+                <a:cs typeface="PFDinTextCompPro-Italic"/>
+              </a:rPr>
+              <a:t>2</a:t>
+            </a:r>
+            <a:r>
+              <a:rPr lang="en-US" sz="2500" i="1" spc="300" dirty="0">
+                <a:latin typeface="+mn-lt"/>
+                <a:cs typeface="PFDinTextCompPro-Italic"/>
+              </a:rPr>
+              <a:t> + </a:t>
+            </a:r>
+            <a:r>
+              <a:rPr lang="en-US" sz="2500" i="1" spc="300" dirty="0">
+                <a:latin typeface="Symbol" charset="2"/>
+                <a:cs typeface="Symbol" charset="2"/>
+              </a:rPr>
+              <a:t>l</a:t>
+            </a:r>
+            <a:r>
+              <a:rPr lang="en-US" sz="2500" dirty="0">
+                <a:latin typeface="PFDinTextCompPro-Light"/>
+                <a:cs typeface="PFDinTextCompPro-Light"/>
+              </a:rPr>
+              <a:t>|</a:t>
+            </a:r>
+            <a:r>
+              <a:rPr lang="en-US" sz="2500" spc="300" dirty="0">
+                <a:latin typeface="PFDinTextCompPro-Light"/>
+                <a:cs typeface="PFDinTextCompPro-Light"/>
+              </a:rPr>
+              <a:t>|</a:t>
+            </a:r>
+            <a:r>
+              <a:rPr lang="en-US" sz="2500" i="1" spc="300" dirty="0">
+                <a:latin typeface="+mn-lt"/>
+                <a:cs typeface="PFDinTextCompPro-Italic"/>
+              </a:rPr>
+              <a:t>x</a:t>
+            </a:r>
+            <a:r>
+              <a:rPr lang="en-US" sz="2500" dirty="0">
+                <a:latin typeface="PFDinTextCompPro-Light"/>
+                <a:cs typeface="PFDinTextCompPro-Light"/>
+              </a:rPr>
+              <a:t>|</a:t>
+            </a:r>
+            <a:r>
+              <a:rPr lang="en-US" sz="2500" spc="300" dirty="0" smtClean="0">
+                <a:latin typeface="PFDinTextCompPro-Light"/>
+                <a:cs typeface="PFDinTextCompPro-Light"/>
+              </a:rPr>
+              <a:t>|</a:t>
+            </a:r>
+            <a:r>
+              <a:rPr lang="en-US" sz="2500" i="1" spc="300" baseline="30000" dirty="0" smtClean="0">
+                <a:latin typeface="+mn-lt"/>
+                <a:cs typeface="PFDinTextCompPro-Italic"/>
+              </a:rPr>
+              <a:t>2</a:t>
+            </a:r>
+            <a:r>
+              <a:rPr lang="en-US" sz="2500" i="1" spc="300" dirty="0" smtClean="0">
+                <a:latin typeface="+mn-lt"/>
+                <a:cs typeface="PFDinTextCompPro-Italic"/>
+              </a:rPr>
+              <a:t>)</a:t>
+            </a:r>
+          </a:p>
+          <a:p>
+            <a:pPr algn="l"/>
+            <a:endParaRPr lang="en-US" sz="2500" i="1" spc="300" dirty="0">
+              <a:latin typeface="+mn-lt"/>
+              <a:cs typeface="PFDinTextCompPro-Italic"/>
+            </a:endParaRPr>
+          </a:p>
+          <a:p>
+            <a:pPr algn="l"/>
+            <a:r>
+              <a:rPr lang="en-US" sz="3000" dirty="0" smtClean="0">
+                <a:latin typeface="PFDinTextCompPro-Italic"/>
+                <a:cs typeface="PFDinTextCompPro-Italic"/>
+              </a:rPr>
+              <a:t>This (</a:t>
+            </a:r>
+            <a:r>
+              <a:rPr lang="en-US" sz="3000" dirty="0" err="1" smtClean="0">
+                <a:latin typeface="PFDinTextCompPro-Italic"/>
+                <a:cs typeface="PFDinTextCompPro-Italic"/>
+              </a:rPr>
+              <a:t>Lagrangian</a:t>
+            </a:r>
+            <a:r>
+              <a:rPr lang="en-US" sz="3000" dirty="0" smtClean="0">
+                <a:latin typeface="PFDinTextCompPro-Italic"/>
+                <a:cs typeface="PFDinTextCompPro-Italic"/>
+              </a:rPr>
+              <a:t>) formulation </a:t>
+            </a:r>
+            <a:r>
+              <a:rPr lang="en-US" sz="3000" dirty="0" smtClean="0">
+                <a:latin typeface="PFDinTextCompPro-Italic"/>
+                <a:cs typeface="PFDinTextCompPro-Italic"/>
+              </a:rPr>
+              <a:t>is what we’ll use.</a:t>
+            </a:r>
+            <a:endParaRPr lang="en-US" sz="3000" dirty="0" smtClean="0">
+              <a:latin typeface="PFDinTextCompPro-Italic"/>
+              <a:cs typeface="PFDinTextCompPro-Italic"/>
+            </a:endParaRPr>
+          </a:p>
+        </p:txBody>
+      </p:sp>
+    </p:spTree>
+    <p:extLst>
+      <p:ext uri="{BB962C8B-B14F-4D97-AF65-F5344CB8AC3E}">
+        <p14:creationId xmlns:p14="http://schemas.microsoft.com/office/powerpoint/2010/main" val="3974540306"/>
       </p:ext>
     </p:extLst>
   </p:cSld>
@@ -13994,7 +14285,7 @@
         <p:spPr>
           <a:xfrm>
             <a:off x="576896" y="1104900"/>
-            <a:ext cx="8382000" cy="1938992"/>
+            <a:ext cx="8382000" cy="2785378"/>
           </a:xfrm>
           <a:prstGeom prst="rect">
             <a:avLst/>
@@ -14320,710 +14611,6 @@
               <a:t>)</a:t>
             </a:r>
           </a:p>
-        </p:txBody>
-      </p:sp>
-    </p:spTree>
-    <p:extLst>
-      <p:ext uri="{BB962C8B-B14F-4D97-AF65-F5344CB8AC3E}">
-        <p14:creationId xmlns:p14="http://schemas.microsoft.com/office/powerpoint/2010/main" val="1193255946"/>
-      </p:ext>
-    </p:extLst>
-  </p:cSld>
-  <p:clrMapOvr>
-    <a:masterClrMapping/>
-  </p:clrMapOvr>
-  <p:transition xmlns:p14="http://schemas.microsoft.com/office/powerpoint/2010/main"/>
-  <p:timing>
-    <p:tnLst>
-      <p:par>
-        <p:cTn xmlns:p14="http://schemas.microsoft.com/office/powerpoint/2010/main" id="1" dur="indefinite" restart="never" nodeType="tmRoot"/>
-      </p:par>
-    </p:tnLst>
-  </p:timing>
-</p:sld>
-</file>
-
-<file path=ppt/slides/slide2.xml><?xml version="1.0" encoding="utf-8"?>
-<p:sld xmlns:a="http://schemas.openxmlformats.org/drawingml/2006/main" xmlns:r="http://schemas.openxmlformats.org/officeDocument/2006/relationships" xmlns:p="http://schemas.openxmlformats.org/presentationml/2006/main">
-  <p:cSld>
-    <p:spTree>
-      <p:nvGrpSpPr>
-        <p:cNvPr id="1" name=""/>
-        <p:cNvGrpSpPr/>
-        <p:nvPr/>
-      </p:nvGrpSpPr>
-      <p:grpSpPr>
-        <a:xfrm>
-          <a:off x="0" y="0"/>
-          <a:ext cx="0" cy="0"/>
-          <a:chOff x="0" y="0"/>
-          <a:chExt cx="0" cy="0"/>
-        </a:xfrm>
-      </p:grpSpPr>
-      <p:sp>
-        <p:nvSpPr>
-          <p:cNvPr id="19457" name="Title 1"/>
-          <p:cNvSpPr>
-            <a:spLocks noGrp="1"/>
-          </p:cNvSpPr>
-          <p:nvPr>
-            <p:ph type="ctrTitle"/>
-          </p:nvPr>
-        </p:nvSpPr>
-        <p:spPr bwMode="auto">
-          <a:xfrm>
-            <a:off x="519112" y="1066800"/>
-            <a:ext cx="8429625" cy="3695700"/>
-          </a:xfrm>
-          <a:extLst>
-            <a:ext uri="{909E8E84-426E-40dd-AFC4-6F175D3DCCD1}">
-              <a14:hiddenFill xmlns:a14="http://schemas.microsoft.com/office/drawing/2010/main">
-                <a:solidFill>
-                  <a:srgbClr val="FFFFFF"/>
-                </a:solidFill>
-              </a14:hiddenFill>
-            </a:ext>
-            <a:ext uri="{91240B29-F687-4f45-9708-019B960494DF}">
-              <a14:hiddenLine xmlns:a14="http://schemas.microsoft.com/office/drawing/2010/main" w="9525">
-                <a:solidFill>
-                  <a:srgbClr val="000000"/>
-                </a:solidFill>
-                <a:miter lim="800000"/>
-                <a:headEnd/>
-                <a:tailEnd/>
-              </a14:hiddenLine>
-            </a:ext>
-            <a:ext uri="{FAA26D3D-D897-4be2-8F04-BA451C77F1D7}">
-              <ma14:placeholderFlag xmlns:ma14="http://schemas.microsoft.com/office/mac/drawingml/2011/main" val="1"/>
-            </a:ext>
-          </a:extLst>
-        </p:spPr>
-        <p:txBody>
-          <a:bodyPr wrap="square" numCol="1" anchor="t" anchorCtr="0" compatLnSpc="1">
-            <a:prstTxWarp prst="textNoShape">
-              <a:avLst/>
-            </a:prstTxWarp>
-          </a:bodyPr>
-          <a:lstStyle/>
-          <a:p>
-            <a:pPr>
-              <a:lnSpc>
-                <a:spcPts val="3600"/>
-              </a:lnSpc>
-              <a:defRPr/>
-            </a:pPr>
-            <a:r>
-              <a:rPr lang="en-US" sz="3000" dirty="0" smtClean="0">
-                <a:latin typeface="PFDinTextCompPro-Bold" charset="0"/>
-                <a:ea typeface="ヒラギノ角ゴ ProN W6" charset="0"/>
-                <a:cs typeface="ヒラギノ角ゴ ProN W6" charset="0"/>
-              </a:rPr>
-              <a:t/>
-            </a:r>
-            <a:br>
-              <a:rPr lang="en-US" sz="3000" dirty="0" smtClean="0">
-                <a:latin typeface="PFDinTextCompPro-Bold" charset="0"/>
-                <a:ea typeface="ヒラギノ角ゴ ProN W6" charset="0"/>
-                <a:cs typeface="ヒラギノ角ゴ ProN W6" charset="0"/>
-              </a:rPr>
-            </a:br>
-            <a:r>
-              <a:rPr lang="en-US" sz="3000" dirty="0" smtClean="0">
-                <a:latin typeface="PFDinTextCompPro-Bold" charset="0"/>
-                <a:ea typeface="ヒラギノ角ゴ ProN W6" charset="0"/>
-                <a:cs typeface="ヒラギノ角ゴ ProN W6" charset="0"/>
-              </a:rPr>
-              <a:t>I. </a:t>
-            </a:r>
-            <a:r>
-              <a:rPr lang="en-US" sz="3000" dirty="0" smtClean="0">
-                <a:latin typeface="PFDinTextCompPro-Bold" charset="0"/>
-                <a:ea typeface="ヒラギノ角ゴ ProN W6" charset="0"/>
-                <a:cs typeface="ヒラギノ角ゴ ProN W6" charset="0"/>
-              </a:rPr>
-              <a:t>Regularization for Regression</a:t>
-            </a:r>
-            <a:r>
-              <a:rPr lang="en-US" sz="3000" dirty="0" smtClean="0">
-                <a:latin typeface="PFDinTextCompPro-Bold" charset="0"/>
-                <a:ea typeface="ヒラギノ角ゴ ProN W6" charset="0"/>
-                <a:cs typeface="ヒラギノ角ゴ ProN W6" charset="0"/>
-              </a:rPr>
-              <a:t/>
-            </a:r>
-            <a:br>
-              <a:rPr lang="en-US" sz="3000" dirty="0" smtClean="0">
-                <a:latin typeface="PFDinTextCompPro-Bold" charset="0"/>
-                <a:ea typeface="ヒラギノ角ゴ ProN W6" charset="0"/>
-                <a:cs typeface="ヒラギノ角ゴ ProN W6" charset="0"/>
-              </a:rPr>
-            </a:br>
-            <a:r>
-              <a:rPr lang="en-US" sz="3000" dirty="0" smtClean="0">
-                <a:latin typeface="PFDinTextCompPro-Bold" charset="0"/>
-                <a:ea typeface="ヒラギノ角ゴ ProN W6" charset="0"/>
-                <a:cs typeface="ヒラギノ角ゴ ProN W6" charset="0"/>
-              </a:rPr>
-              <a:t/>
-            </a:r>
-            <a:br>
-              <a:rPr lang="en-US" sz="3000" dirty="0" smtClean="0">
-                <a:latin typeface="PFDinTextCompPro-Bold" charset="0"/>
-                <a:ea typeface="ヒラギノ角ゴ ProN W6" charset="0"/>
-                <a:cs typeface="ヒラギノ角ゴ ProN W6" charset="0"/>
-              </a:rPr>
-            </a:br>
-            <a:r>
-              <a:rPr lang="en-US" sz="3000" dirty="0" smtClean="0">
-                <a:latin typeface="PFDinTextCompPro-Bold" charset="0"/>
-                <a:ea typeface="ヒラギノ角ゴ ProN W6" charset="0"/>
-                <a:cs typeface="ヒラギノ角ゴ ProN W6" charset="0"/>
-              </a:rPr>
-              <a:t>exercises:</a:t>
-            </a:r>
-            <a:br>
-              <a:rPr lang="en-US" sz="3000" dirty="0" smtClean="0">
-                <a:latin typeface="PFDinTextCompPro-Bold" charset="0"/>
-                <a:ea typeface="ヒラギノ角ゴ ProN W6" charset="0"/>
-                <a:cs typeface="ヒラギノ角ゴ ProN W6" charset="0"/>
-              </a:rPr>
-            </a:br>
-            <a:r>
-              <a:rPr lang="en-US" sz="3000" dirty="0" smtClean="0">
-                <a:latin typeface="PFDinTextCompPro-Bold" charset="0"/>
-                <a:ea typeface="ヒラギノ角ゴ ProN W6" charset="0"/>
-                <a:cs typeface="ヒラギノ角ゴ ProN W6" charset="0"/>
-              </a:rPr>
-              <a:t>II</a:t>
-            </a:r>
-            <a:r>
-              <a:rPr lang="en-US" sz="3000" dirty="0" smtClean="0">
-                <a:latin typeface="PFDinTextCompPro-Bold" charset="0"/>
-                <a:ea typeface="ヒラギノ角ゴ ProN W6" charset="0"/>
-                <a:cs typeface="ヒラギノ角ゴ ProN W6" charset="0"/>
-              </a:rPr>
-              <a:t>. Implementing a regularized fit in r</a:t>
-            </a:r>
-            <a:endParaRPr lang="en-US" sz="3000" cap="none" dirty="0">
-              <a:latin typeface="PFDinTextCompPro-Bold" charset="0"/>
-              <a:ea typeface="ヒラギノ角ゴ ProN W6" charset="0"/>
-              <a:cs typeface="ヒラギノ角ゴ ProN W6" charset="0"/>
-            </a:endParaRPr>
-          </a:p>
-        </p:txBody>
-      </p:sp>
-      <p:sp>
-        <p:nvSpPr>
-          <p:cNvPr id="11" name="Content Placeholder 10"/>
-          <p:cNvSpPr>
-            <a:spLocks noGrp="1"/>
-          </p:cNvSpPr>
-          <p:nvPr>
-            <p:ph sz="quarter" idx="11"/>
-          </p:nvPr>
-        </p:nvSpPr>
-        <p:spPr>
-          <a:xfrm>
-            <a:off x="371475" y="495300"/>
-            <a:ext cx="7129463" cy="304800"/>
-          </a:xfrm>
-        </p:spPr>
-        <p:txBody>
-          <a:bodyPr/>
-          <a:lstStyle/>
-          <a:p>
-            <a:pPr eaLnBrk="1" hangingPunct="1">
-              <a:lnSpc>
-                <a:spcPts val="2448"/>
-              </a:lnSpc>
-              <a:defRPr/>
-            </a:pPr>
-            <a:r>
-              <a:rPr lang="en-US" dirty="0" smtClean="0">
-                <a:latin typeface="PFDinTextCompPro-Bold" charset="0"/>
-                <a:ea typeface="ＭＳ Ｐゴシック" charset="0"/>
-                <a:cs typeface="PFDinTextCompPro-Bold" charset="0"/>
-                <a:sym typeface="PFDinTextCompPro-Bold" charset="0"/>
-              </a:rPr>
-              <a:t>agenda</a:t>
-            </a:r>
-          </a:p>
-          <a:p>
-            <a:pPr eaLnBrk="1" hangingPunct="1">
-              <a:lnSpc>
-                <a:spcPts val="2448"/>
-              </a:lnSpc>
-              <a:defRPr/>
-            </a:pPr>
-            <a:endParaRPr lang="en-US" dirty="0" smtClean="0"/>
-          </a:p>
-        </p:txBody>
-      </p:sp>
-      <p:sp>
-        <p:nvSpPr>
-          <p:cNvPr id="6" name="Slide Number Placeholder 3"/>
-          <p:cNvSpPr>
-            <a:spLocks noGrp="1"/>
-          </p:cNvSpPr>
-          <p:nvPr>
-            <p:ph type="sldNum" sz="quarter" idx="13"/>
-          </p:nvPr>
-        </p:nvSpPr>
-        <p:spPr/>
-        <p:txBody>
-          <a:bodyPr/>
-          <a:lstStyle/>
-          <a:p>
-            <a:pPr>
-              <a:defRPr/>
-            </a:pPr>
-            <a:fld id="{6F4A1B40-4074-4A43-A415-862C3E2C2127}" type="slidenum">
-              <a:rPr lang="en-US"/>
-              <a:pPr>
-                <a:defRPr/>
-              </a:pPr>
-              <a:t>2</a:t>
-            </a:fld>
-            <a:endParaRPr lang="en-US"/>
-          </a:p>
-        </p:txBody>
-      </p:sp>
-    </p:spTree>
-    <p:extLst>
-      <p:ext uri="{BB962C8B-B14F-4D97-AF65-F5344CB8AC3E}">
-        <p14:creationId xmlns:p14="http://schemas.microsoft.com/office/powerpoint/2010/main" val="820825700"/>
-      </p:ext>
-    </p:extLst>
-  </p:cSld>
-  <p:clrMapOvr>
-    <a:masterClrMapping/>
-  </p:clrMapOvr>
-  <p:transition xmlns:p14="http://schemas.microsoft.com/office/powerpoint/2010/main"/>
-  <p:timing>
-    <p:tnLst>
-      <p:par>
-        <p:cTn xmlns:p14="http://schemas.microsoft.com/office/powerpoint/2010/main" id="1" dur="indefinite" restart="never" nodeType="tmRoot"/>
-      </p:par>
-    </p:tnLst>
-  </p:timing>
-</p:sld>
-</file>
-
-<file path=ppt/slides/slide20.xml><?xml version="1.0" encoding="utf-8"?>
-<p:sld xmlns:a="http://schemas.openxmlformats.org/drawingml/2006/main" xmlns:r="http://schemas.openxmlformats.org/officeDocument/2006/relationships" xmlns:p="http://schemas.openxmlformats.org/presentationml/2006/main">
-  <p:cSld>
-    <p:spTree>
-      <p:nvGrpSpPr>
-        <p:cNvPr id="1" name=""/>
-        <p:cNvGrpSpPr/>
-        <p:nvPr/>
-      </p:nvGrpSpPr>
-      <p:grpSpPr>
-        <a:xfrm>
-          <a:off x="0" y="0"/>
-          <a:ext cx="0" cy="0"/>
-          <a:chOff x="0" y="0"/>
-          <a:chExt cx="0" cy="0"/>
-        </a:xfrm>
-      </p:grpSpPr>
-      <p:sp>
-        <p:nvSpPr>
-          <p:cNvPr id="4" name="Content Placeholder 3"/>
-          <p:cNvSpPr>
-            <a:spLocks noGrp="1"/>
-          </p:cNvSpPr>
-          <p:nvPr>
-            <p:ph sz="quarter" idx="11"/>
-          </p:nvPr>
-        </p:nvSpPr>
-        <p:spPr>
-          <a:xfrm>
-            <a:off x="414337" y="495300"/>
-            <a:ext cx="6400800" cy="304800"/>
-          </a:xfrm>
-        </p:spPr>
-        <p:txBody>
-          <a:bodyPr/>
-          <a:lstStyle/>
-          <a:p>
-            <a:pPr eaLnBrk="1" hangingPunct="1">
-              <a:lnSpc>
-                <a:spcPts val="2448"/>
-              </a:lnSpc>
-              <a:defRPr/>
-            </a:pPr>
-            <a:r>
-              <a:rPr lang="en-US" dirty="0" smtClean="0"/>
-              <a:t>Regularization</a:t>
-            </a:r>
-            <a:endParaRPr lang="en-US" dirty="0"/>
-          </a:p>
-        </p:txBody>
-      </p:sp>
-      <p:sp>
-        <p:nvSpPr>
-          <p:cNvPr id="8" name="Slide Number Placeholder 3"/>
-          <p:cNvSpPr>
-            <a:spLocks noGrp="1"/>
-          </p:cNvSpPr>
-          <p:nvPr>
-            <p:ph type="sldNum" sz="quarter" idx="13"/>
-          </p:nvPr>
-        </p:nvSpPr>
-        <p:spPr/>
-        <p:txBody>
-          <a:bodyPr/>
-          <a:lstStyle/>
-          <a:p>
-            <a:pPr>
-              <a:defRPr/>
-            </a:pPr>
-            <a:fld id="{BD5AD749-DAD1-6A4A-A2AA-CB20EAD0AEB7}" type="slidenum">
-              <a:rPr lang="en-US"/>
-              <a:pPr>
-                <a:defRPr/>
-              </a:pPr>
-              <a:t>20</a:t>
-            </a:fld>
-            <a:endParaRPr lang="en-US"/>
-          </a:p>
-        </p:txBody>
-      </p:sp>
-      <p:sp>
-        <p:nvSpPr>
-          <p:cNvPr id="6" name="TextBox 5"/>
-          <p:cNvSpPr txBox="1"/>
-          <p:nvPr/>
-        </p:nvSpPr>
-        <p:spPr>
-          <a:xfrm>
-            <a:off x="576896" y="1104900"/>
-            <a:ext cx="8382000" cy="3247043"/>
-          </a:xfrm>
-          <a:prstGeom prst="rect">
-            <a:avLst/>
-          </a:prstGeom>
-          <a:noFill/>
-        </p:spPr>
-        <p:txBody>
-          <a:bodyPr wrap="square" rtlCol="0">
-            <a:spAutoFit/>
-          </a:bodyPr>
-          <a:lstStyle/>
-          <a:p>
-            <a:pPr algn="l"/>
-            <a:r>
-              <a:rPr lang="en-US" sz="3000" dirty="0" smtClean="0">
-                <a:latin typeface="PFDinTextCompPro-Italic"/>
-                <a:cs typeface="PFDinTextCompPro-Italic"/>
-              </a:rPr>
-              <a:t>These regularization problems can also be expressed as:</a:t>
-            </a:r>
-          </a:p>
-          <a:p>
-            <a:pPr algn="l"/>
-            <a:endParaRPr lang="en-US" sz="3000" dirty="0" smtClean="0">
-              <a:latin typeface="PFDinTextCompPro-Medium"/>
-              <a:cs typeface="PFDinTextCompPro-Medium"/>
-            </a:endParaRPr>
-          </a:p>
-          <a:p>
-            <a:pPr algn="l"/>
-            <a:r>
-              <a:rPr lang="en-US" sz="3000" dirty="0" smtClean="0">
-                <a:latin typeface="PFDinTextCompPro-Medium"/>
-                <a:cs typeface="PFDinTextCompPro-Medium"/>
-              </a:rPr>
-              <a:t>L1 regularization</a:t>
-            </a:r>
-            <a:r>
-              <a:rPr lang="en-US" sz="3000" dirty="0" smtClean="0">
-                <a:latin typeface="PFDinTextCompPro-Italic"/>
-                <a:cs typeface="PFDinTextCompPro-Italic"/>
-              </a:rPr>
-              <a:t>:	</a:t>
-            </a:r>
-            <a:r>
-              <a:rPr lang="en-US" sz="2500" i="1" dirty="0" smtClean="0">
-                <a:latin typeface="+mn-lt"/>
-                <a:cs typeface="PFDinTextCompPro-Italic"/>
-              </a:rPr>
-              <a:t>min</a:t>
-            </a:r>
-            <a:r>
-              <a:rPr lang="en-US" sz="2500" spc="300" dirty="0">
-                <a:latin typeface="+mn-lt"/>
-                <a:cs typeface="PFDinTextCompPro-Italic"/>
-              </a:rPr>
-              <a:t>(</a:t>
-            </a:r>
-            <a:r>
-              <a:rPr lang="en-US" sz="2500" dirty="0">
-                <a:latin typeface="PFDinTextCompPro-Light"/>
-                <a:cs typeface="PFDinTextCompPro-Light"/>
-              </a:rPr>
-              <a:t>|</a:t>
-            </a:r>
-            <a:r>
-              <a:rPr lang="en-US" sz="2500" spc="300" dirty="0">
-                <a:latin typeface="PFDinTextCompPro-Light"/>
-                <a:cs typeface="PFDinTextCompPro-Light"/>
-              </a:rPr>
-              <a:t>|</a:t>
-            </a:r>
-            <a:r>
-              <a:rPr lang="en-US" sz="2500" i="1" spc="300" dirty="0">
-                <a:latin typeface="+mn-lt"/>
-                <a:cs typeface="PFDinTextCompPro-Italic"/>
-              </a:rPr>
-              <a:t>y – </a:t>
-            </a:r>
-            <a:r>
-              <a:rPr lang="en-US" sz="2500" i="1" spc="300" dirty="0" err="1">
-                <a:latin typeface="+mn-lt"/>
-                <a:cs typeface="PFDinTextCompPro-Italic"/>
-              </a:rPr>
-              <a:t>x</a:t>
-            </a:r>
-            <a:r>
-              <a:rPr lang="en-US" sz="2500" i="1" spc="300" dirty="0" err="1">
-                <a:latin typeface="Symbol" charset="2"/>
-                <a:cs typeface="Symbol" charset="2"/>
-              </a:rPr>
-              <a:t>b</a:t>
-            </a:r>
-            <a:r>
-              <a:rPr lang="en-US" sz="2500" dirty="0">
-                <a:latin typeface="PFDinTextCompPro-Light"/>
-                <a:cs typeface="PFDinTextCompPro-Light"/>
-              </a:rPr>
-              <a:t>|</a:t>
-            </a:r>
-            <a:r>
-              <a:rPr lang="en-US" sz="2500" spc="300" dirty="0">
-                <a:latin typeface="PFDinTextCompPro-Light"/>
-                <a:cs typeface="PFDinTextCompPro-Light"/>
-              </a:rPr>
-              <a:t>|</a:t>
-            </a:r>
-            <a:r>
-              <a:rPr lang="en-US" sz="2500" i="1" spc="300" baseline="30000" dirty="0">
-                <a:latin typeface="+mn-lt"/>
-                <a:cs typeface="PFDinTextCompPro-Italic"/>
-              </a:rPr>
-              <a:t>2</a:t>
-            </a:r>
-            <a:r>
-              <a:rPr lang="en-US" sz="2500" i="1" spc="300" dirty="0">
-                <a:latin typeface="+mn-lt"/>
-                <a:cs typeface="PFDinTextCompPro-Italic"/>
-              </a:rPr>
-              <a:t> + </a:t>
-            </a:r>
-            <a:r>
-              <a:rPr lang="en-US" sz="2500" i="1" spc="300" dirty="0">
-                <a:latin typeface="Symbol" charset="2"/>
-                <a:cs typeface="Symbol" charset="2"/>
-              </a:rPr>
-              <a:t>l</a:t>
-            </a:r>
-            <a:r>
-              <a:rPr lang="en-US" sz="2500" dirty="0">
-                <a:latin typeface="PFDinTextCompPro-Light"/>
-                <a:cs typeface="PFDinTextCompPro-Light"/>
-              </a:rPr>
-              <a:t>|</a:t>
-            </a:r>
-            <a:r>
-              <a:rPr lang="en-US" sz="2500" spc="300" dirty="0">
-                <a:latin typeface="PFDinTextCompPro-Light"/>
-                <a:cs typeface="PFDinTextCompPro-Light"/>
-              </a:rPr>
-              <a:t>|</a:t>
-            </a:r>
-            <a:r>
-              <a:rPr lang="en-US" sz="2500" i="1" spc="300" dirty="0">
-                <a:latin typeface="+mn-lt"/>
-                <a:cs typeface="PFDinTextCompPro-Italic"/>
-              </a:rPr>
-              <a:t>x</a:t>
-            </a:r>
-            <a:r>
-              <a:rPr lang="en-US" sz="2500" dirty="0">
-                <a:latin typeface="PFDinTextCompPro-Light"/>
-                <a:cs typeface="PFDinTextCompPro-Light"/>
-              </a:rPr>
-              <a:t>|</a:t>
-            </a:r>
-            <a:r>
-              <a:rPr lang="en-US" sz="2500" spc="300" dirty="0">
-                <a:latin typeface="PFDinTextCompPro-Light"/>
-                <a:cs typeface="PFDinTextCompPro-Light"/>
-              </a:rPr>
-              <a:t>|</a:t>
-            </a:r>
-            <a:r>
-              <a:rPr lang="en-US" sz="2500" spc="300" dirty="0" smtClean="0">
-                <a:latin typeface="+mn-lt"/>
-                <a:cs typeface="PFDinTextCompPro-Italic"/>
-              </a:rPr>
-              <a:t>)</a:t>
-            </a:r>
-            <a:endParaRPr lang="en-US" sz="3000" dirty="0" smtClean="0">
-              <a:latin typeface="PFDinTextCompPro-Medium"/>
-              <a:cs typeface="PFDinTextCompPro-Medium"/>
-            </a:endParaRPr>
-          </a:p>
-          <a:p>
-            <a:pPr algn="l"/>
-            <a:r>
-              <a:rPr lang="en-US" sz="3000" dirty="0" smtClean="0">
-                <a:latin typeface="PFDinTextCompPro-Medium"/>
-                <a:cs typeface="PFDinTextCompPro-Medium"/>
-              </a:rPr>
-              <a:t>L2 regularization</a:t>
-            </a:r>
-            <a:r>
-              <a:rPr lang="en-US" sz="3000" dirty="0" smtClean="0">
-                <a:latin typeface="PFDinTextCompPro-Italic"/>
-                <a:cs typeface="PFDinTextCompPro-Italic"/>
-              </a:rPr>
-              <a:t>:	</a:t>
-            </a:r>
-            <a:r>
-              <a:rPr lang="en-US" sz="2500" i="1" dirty="0" smtClean="0">
-                <a:latin typeface="+mn-lt"/>
-                <a:cs typeface="PFDinTextCompPro-Italic"/>
-              </a:rPr>
-              <a:t>min</a:t>
-            </a:r>
-            <a:r>
-              <a:rPr lang="en-US" sz="2500" spc="300" dirty="0">
-                <a:latin typeface="+mn-lt"/>
-                <a:cs typeface="PFDinTextCompPro-Italic"/>
-              </a:rPr>
-              <a:t>(</a:t>
-            </a:r>
-            <a:r>
-              <a:rPr lang="en-US" sz="2500" dirty="0">
-                <a:latin typeface="PFDinTextCompPro-Light"/>
-                <a:cs typeface="PFDinTextCompPro-Light"/>
-              </a:rPr>
-              <a:t>|</a:t>
-            </a:r>
-            <a:r>
-              <a:rPr lang="en-US" sz="2500" spc="300" dirty="0">
-                <a:latin typeface="PFDinTextCompPro-Light"/>
-                <a:cs typeface="PFDinTextCompPro-Light"/>
-              </a:rPr>
-              <a:t>|</a:t>
-            </a:r>
-            <a:r>
-              <a:rPr lang="en-US" sz="2500" i="1" spc="300" dirty="0">
-                <a:latin typeface="+mn-lt"/>
-                <a:cs typeface="PFDinTextCompPro-Italic"/>
-              </a:rPr>
-              <a:t>y – </a:t>
-            </a:r>
-            <a:r>
-              <a:rPr lang="en-US" sz="2500" i="1" spc="300" dirty="0" err="1">
-                <a:latin typeface="+mn-lt"/>
-                <a:cs typeface="PFDinTextCompPro-Italic"/>
-              </a:rPr>
-              <a:t>x</a:t>
-            </a:r>
-            <a:r>
-              <a:rPr lang="en-US" sz="2500" i="1" spc="300" dirty="0" err="1">
-                <a:latin typeface="Symbol" charset="2"/>
-                <a:cs typeface="Symbol" charset="2"/>
-              </a:rPr>
-              <a:t>b</a:t>
-            </a:r>
-            <a:r>
-              <a:rPr lang="en-US" sz="2500" dirty="0">
-                <a:latin typeface="PFDinTextCompPro-Light"/>
-                <a:cs typeface="PFDinTextCompPro-Light"/>
-              </a:rPr>
-              <a:t>|</a:t>
-            </a:r>
-            <a:r>
-              <a:rPr lang="en-US" sz="2500" spc="300" dirty="0">
-                <a:latin typeface="PFDinTextCompPro-Light"/>
-                <a:cs typeface="PFDinTextCompPro-Light"/>
-              </a:rPr>
-              <a:t>|</a:t>
-            </a:r>
-            <a:r>
-              <a:rPr lang="en-US" sz="2500" i="1" spc="300" baseline="30000" dirty="0">
-                <a:latin typeface="+mn-lt"/>
-                <a:cs typeface="PFDinTextCompPro-Italic"/>
-              </a:rPr>
-              <a:t>2</a:t>
-            </a:r>
-            <a:r>
-              <a:rPr lang="en-US" sz="2500" i="1" spc="300" dirty="0">
-                <a:latin typeface="+mn-lt"/>
-                <a:cs typeface="PFDinTextCompPro-Italic"/>
-              </a:rPr>
-              <a:t> + </a:t>
-            </a:r>
-            <a:r>
-              <a:rPr lang="en-US" sz="2500" i="1" spc="300" dirty="0">
-                <a:latin typeface="Symbol" charset="2"/>
-                <a:cs typeface="Symbol" charset="2"/>
-              </a:rPr>
-              <a:t>l</a:t>
-            </a:r>
-            <a:r>
-              <a:rPr lang="en-US" sz="2500" dirty="0">
-                <a:latin typeface="PFDinTextCompPro-Light"/>
-                <a:cs typeface="PFDinTextCompPro-Light"/>
-              </a:rPr>
-              <a:t>|</a:t>
-            </a:r>
-            <a:r>
-              <a:rPr lang="en-US" sz="2500" spc="300" dirty="0">
-                <a:latin typeface="PFDinTextCompPro-Light"/>
-                <a:cs typeface="PFDinTextCompPro-Light"/>
-              </a:rPr>
-              <a:t>|</a:t>
-            </a:r>
-            <a:r>
-              <a:rPr lang="en-US" sz="2500" i="1" spc="300" dirty="0">
-                <a:latin typeface="+mn-lt"/>
-                <a:cs typeface="PFDinTextCompPro-Italic"/>
-              </a:rPr>
-              <a:t>x</a:t>
-            </a:r>
-            <a:r>
-              <a:rPr lang="en-US" sz="2500" dirty="0">
-                <a:latin typeface="PFDinTextCompPro-Light"/>
-                <a:cs typeface="PFDinTextCompPro-Light"/>
-              </a:rPr>
-              <a:t>|</a:t>
-            </a:r>
-            <a:r>
-              <a:rPr lang="en-US" sz="2500" spc="300" dirty="0" smtClean="0">
-                <a:latin typeface="PFDinTextCompPro-Light"/>
-                <a:cs typeface="PFDinTextCompPro-Light"/>
-              </a:rPr>
-              <a:t>|</a:t>
-            </a:r>
-            <a:r>
-              <a:rPr lang="en-US" sz="2500" i="1" spc="300" baseline="30000" dirty="0" smtClean="0">
-                <a:latin typeface="+mn-lt"/>
-                <a:cs typeface="PFDinTextCompPro-Italic"/>
-              </a:rPr>
-              <a:t>2</a:t>
-            </a:r>
-            <a:r>
-              <a:rPr lang="en-US" sz="2500" i="1" spc="300" dirty="0" smtClean="0">
-                <a:latin typeface="+mn-lt"/>
-                <a:cs typeface="PFDinTextCompPro-Italic"/>
-              </a:rPr>
-              <a:t>)</a:t>
-            </a:r>
-          </a:p>
           <a:p>
             <a:pPr algn="l"/>
             <a:endParaRPr lang="en-US" sz="2500" i="1" spc="300" dirty="0">
@@ -15052,477 +14639,19 @@
                 <a:latin typeface="PFDinTextCompPro-Italic"/>
                 <a:cs typeface="PFDinTextCompPro-Italic"/>
               </a:rPr>
-              <a:t>) formulation reflects the fact that there is a cost associated with regularization.</a:t>
-            </a:r>
-          </a:p>
-        </p:txBody>
-      </p:sp>
-    </p:spTree>
-    <p:extLst>
-      <p:ext uri="{BB962C8B-B14F-4D97-AF65-F5344CB8AC3E}">
-        <p14:creationId xmlns:p14="http://schemas.microsoft.com/office/powerpoint/2010/main" val="3974540306"/>
-      </p:ext>
-    </p:extLst>
-  </p:cSld>
-  <p:clrMapOvr>
-    <a:masterClrMapping/>
-  </p:clrMapOvr>
-  <p:transition xmlns:p14="http://schemas.microsoft.com/office/powerpoint/2010/main"/>
-  <p:timing>
-    <p:tnLst>
-      <p:par>
-        <p:cTn xmlns:p14="http://schemas.microsoft.com/office/powerpoint/2010/main" id="1" dur="indefinite" restart="never" nodeType="tmRoot"/>
-      </p:par>
-    </p:tnLst>
-  </p:timing>
-</p:sld>
-</file>
-
-<file path=ppt/slides/slide21.xml><?xml version="1.0" encoding="utf-8"?>
-<p:sld xmlns:a="http://schemas.openxmlformats.org/drawingml/2006/main" xmlns:r="http://schemas.openxmlformats.org/officeDocument/2006/relationships" xmlns:p="http://schemas.openxmlformats.org/presentationml/2006/main">
-  <p:cSld>
-    <p:spTree>
-      <p:nvGrpSpPr>
-        <p:cNvPr id="1" name=""/>
-        <p:cNvGrpSpPr/>
-        <p:nvPr/>
-      </p:nvGrpSpPr>
-      <p:grpSpPr>
-        <a:xfrm>
-          <a:off x="0" y="0"/>
-          <a:ext cx="0" cy="0"/>
-          <a:chOff x="0" y="0"/>
-          <a:chExt cx="0" cy="0"/>
-        </a:xfrm>
-      </p:grpSpPr>
-      <p:sp>
-        <p:nvSpPr>
-          <p:cNvPr id="4" name="Content Placeholder 3"/>
-          <p:cNvSpPr>
-            <a:spLocks noGrp="1"/>
-          </p:cNvSpPr>
-          <p:nvPr>
-            <p:ph sz="quarter" idx="11"/>
-          </p:nvPr>
-        </p:nvSpPr>
-        <p:spPr>
-          <a:xfrm>
-            <a:off x="414337" y="495300"/>
-            <a:ext cx="6400800" cy="304800"/>
-          </a:xfrm>
-        </p:spPr>
-        <p:txBody>
-          <a:bodyPr/>
-          <a:lstStyle/>
-          <a:p>
-            <a:pPr eaLnBrk="1" hangingPunct="1">
-              <a:lnSpc>
-                <a:spcPts val="2448"/>
-              </a:lnSpc>
-              <a:defRPr/>
-            </a:pPr>
-            <a:r>
-              <a:rPr lang="en-US" dirty="0" smtClean="0"/>
-              <a:t>Regularization</a:t>
-            </a:r>
-            <a:endParaRPr lang="en-US" dirty="0"/>
-          </a:p>
-        </p:txBody>
-      </p:sp>
-      <p:sp>
-        <p:nvSpPr>
-          <p:cNvPr id="8" name="Slide Number Placeholder 3"/>
-          <p:cNvSpPr>
-            <a:spLocks noGrp="1"/>
-          </p:cNvSpPr>
-          <p:nvPr>
-            <p:ph type="sldNum" sz="quarter" idx="13"/>
-          </p:nvPr>
-        </p:nvSpPr>
-        <p:spPr/>
-        <p:txBody>
-          <a:bodyPr/>
-          <a:lstStyle/>
-          <a:p>
-            <a:pPr>
-              <a:defRPr/>
-            </a:pPr>
-            <a:fld id="{BD5AD749-DAD1-6A4A-A2AA-CB20EAD0AEB7}" type="slidenum">
-              <a:rPr lang="en-US"/>
-              <a:pPr>
-                <a:defRPr/>
-              </a:pPr>
-              <a:t>21</a:t>
-            </a:fld>
-            <a:endParaRPr lang="en-US"/>
-          </a:p>
-        </p:txBody>
-      </p:sp>
-      <p:sp>
-        <p:nvSpPr>
-          <p:cNvPr id="6" name="TextBox 5"/>
-          <p:cNvSpPr txBox="1"/>
-          <p:nvPr/>
-        </p:nvSpPr>
-        <p:spPr>
-          <a:xfrm>
-            <a:off x="576896" y="1104900"/>
-            <a:ext cx="8382000" cy="3247043"/>
-          </a:xfrm>
-          <a:prstGeom prst="rect">
-            <a:avLst/>
-          </a:prstGeom>
-          <a:noFill/>
-        </p:spPr>
-        <p:txBody>
-          <a:bodyPr wrap="square" rtlCol="0">
-            <a:spAutoFit/>
-          </a:bodyPr>
-          <a:lstStyle/>
-          <a:p>
-            <a:pPr algn="l"/>
+              <a:t>) formulation </a:t>
+            </a:r>
             <a:r>
               <a:rPr lang="en-US" sz="3000" dirty="0" smtClean="0">
                 <a:latin typeface="PFDinTextCompPro-Italic"/>
                 <a:cs typeface="PFDinTextCompPro-Italic"/>
               </a:rPr>
-              <a:t>These regularization problems can also be expressed as:</a:t>
-            </a:r>
-          </a:p>
-          <a:p>
-            <a:pPr algn="l"/>
+              <a:t>is what we’ll use.</a:t>
+            </a:r>
             <a:endParaRPr lang="en-US" sz="3000" dirty="0" smtClean="0">
-              <a:latin typeface="PFDinTextCompPro-Medium"/>
-              <a:cs typeface="PFDinTextCompPro-Medium"/>
-            </a:endParaRPr>
-          </a:p>
-          <a:p>
-            <a:pPr algn="l"/>
-            <a:r>
-              <a:rPr lang="en-US" sz="3000" dirty="0" smtClean="0">
-                <a:latin typeface="PFDinTextCompPro-Medium"/>
-                <a:cs typeface="PFDinTextCompPro-Medium"/>
-              </a:rPr>
-              <a:t>L1 regularization</a:t>
-            </a:r>
-            <a:r>
-              <a:rPr lang="en-US" sz="3000" dirty="0" smtClean="0">
-                <a:latin typeface="PFDinTextCompPro-Italic"/>
-                <a:cs typeface="PFDinTextCompPro-Italic"/>
-              </a:rPr>
-              <a:t>:	</a:t>
-            </a:r>
-            <a:r>
-              <a:rPr lang="en-US" sz="2500" i="1" dirty="0" smtClean="0">
-                <a:latin typeface="+mn-lt"/>
-                <a:cs typeface="PFDinTextCompPro-Italic"/>
-              </a:rPr>
-              <a:t>min</a:t>
-            </a:r>
-            <a:r>
-              <a:rPr lang="en-US" sz="2500" spc="300" dirty="0">
-                <a:latin typeface="+mn-lt"/>
-                <a:cs typeface="PFDinTextCompPro-Italic"/>
-              </a:rPr>
-              <a:t>(</a:t>
-            </a:r>
-            <a:r>
-              <a:rPr lang="en-US" sz="2500" dirty="0">
-                <a:latin typeface="PFDinTextCompPro-Light"/>
-                <a:cs typeface="PFDinTextCompPro-Light"/>
-              </a:rPr>
-              <a:t>|</a:t>
-            </a:r>
-            <a:r>
-              <a:rPr lang="en-US" sz="2500" spc="300" dirty="0">
-                <a:latin typeface="PFDinTextCompPro-Light"/>
-                <a:cs typeface="PFDinTextCompPro-Light"/>
-              </a:rPr>
-              <a:t>|</a:t>
-            </a:r>
-            <a:r>
-              <a:rPr lang="en-US" sz="2500" i="1" spc="300" dirty="0">
-                <a:latin typeface="+mn-lt"/>
-                <a:cs typeface="PFDinTextCompPro-Italic"/>
-              </a:rPr>
-              <a:t>y – </a:t>
-            </a:r>
-            <a:r>
-              <a:rPr lang="en-US" sz="2500" i="1" spc="300" dirty="0" err="1">
-                <a:latin typeface="+mn-lt"/>
-                <a:cs typeface="PFDinTextCompPro-Italic"/>
-              </a:rPr>
-              <a:t>x</a:t>
-            </a:r>
-            <a:r>
-              <a:rPr lang="en-US" sz="2500" i="1" spc="300" dirty="0" err="1">
-                <a:latin typeface="Symbol" charset="2"/>
-                <a:cs typeface="Symbol" charset="2"/>
-              </a:rPr>
-              <a:t>b</a:t>
-            </a:r>
-            <a:r>
-              <a:rPr lang="en-US" sz="2500" dirty="0">
-                <a:latin typeface="PFDinTextCompPro-Light"/>
-                <a:cs typeface="PFDinTextCompPro-Light"/>
-              </a:rPr>
-              <a:t>|</a:t>
-            </a:r>
-            <a:r>
-              <a:rPr lang="en-US" sz="2500" spc="300" dirty="0">
-                <a:latin typeface="PFDinTextCompPro-Light"/>
-                <a:cs typeface="PFDinTextCompPro-Light"/>
-              </a:rPr>
-              <a:t>|</a:t>
-            </a:r>
-            <a:r>
-              <a:rPr lang="en-US" sz="2500" i="1" spc="300" baseline="30000" dirty="0">
-                <a:latin typeface="+mn-lt"/>
-                <a:cs typeface="PFDinTextCompPro-Italic"/>
-              </a:rPr>
-              <a:t>2</a:t>
-            </a:r>
-            <a:r>
-              <a:rPr lang="en-US" sz="2500" i="1" spc="300" dirty="0">
-                <a:latin typeface="+mn-lt"/>
-                <a:cs typeface="PFDinTextCompPro-Italic"/>
-              </a:rPr>
-              <a:t> + </a:t>
-            </a:r>
-            <a:r>
-              <a:rPr lang="en-US" sz="2500" i="1" spc="300" dirty="0">
-                <a:latin typeface="Symbol" charset="2"/>
-                <a:cs typeface="Symbol" charset="2"/>
-              </a:rPr>
-              <a:t>l</a:t>
-            </a:r>
-            <a:r>
-              <a:rPr lang="en-US" sz="2500" dirty="0">
-                <a:latin typeface="PFDinTextCompPro-Light"/>
-                <a:cs typeface="PFDinTextCompPro-Light"/>
-              </a:rPr>
-              <a:t>|</a:t>
-            </a:r>
-            <a:r>
-              <a:rPr lang="en-US" sz="2500" spc="300" dirty="0">
-                <a:latin typeface="PFDinTextCompPro-Light"/>
-                <a:cs typeface="PFDinTextCompPro-Light"/>
-              </a:rPr>
-              <a:t>|</a:t>
-            </a:r>
-            <a:r>
-              <a:rPr lang="en-US" sz="2500" i="1" spc="300" dirty="0">
-                <a:latin typeface="+mn-lt"/>
-                <a:cs typeface="PFDinTextCompPro-Italic"/>
-              </a:rPr>
-              <a:t>x</a:t>
-            </a:r>
-            <a:r>
-              <a:rPr lang="en-US" sz="2500" dirty="0">
-                <a:latin typeface="PFDinTextCompPro-Light"/>
-                <a:cs typeface="PFDinTextCompPro-Light"/>
-              </a:rPr>
-              <a:t>|</a:t>
-            </a:r>
-            <a:r>
-              <a:rPr lang="en-US" sz="2500" spc="300" dirty="0">
-                <a:latin typeface="PFDinTextCompPro-Light"/>
-                <a:cs typeface="PFDinTextCompPro-Light"/>
-              </a:rPr>
-              <a:t>|</a:t>
-            </a:r>
-            <a:r>
-              <a:rPr lang="en-US" sz="2500" spc="300" dirty="0" smtClean="0">
-                <a:latin typeface="+mn-lt"/>
-                <a:cs typeface="PFDinTextCompPro-Italic"/>
-              </a:rPr>
-              <a:t>)</a:t>
-            </a:r>
-            <a:endParaRPr lang="en-US" sz="3000" dirty="0" smtClean="0">
-              <a:latin typeface="PFDinTextCompPro-Medium"/>
-              <a:cs typeface="PFDinTextCompPro-Medium"/>
-            </a:endParaRPr>
-          </a:p>
-          <a:p>
-            <a:pPr algn="l"/>
-            <a:r>
-              <a:rPr lang="en-US" sz="3000" dirty="0" smtClean="0">
-                <a:latin typeface="PFDinTextCompPro-Medium"/>
-                <a:cs typeface="PFDinTextCompPro-Medium"/>
-              </a:rPr>
-              <a:t>L2 regularization</a:t>
-            </a:r>
-            <a:r>
-              <a:rPr lang="en-US" sz="3000" dirty="0" smtClean="0">
-                <a:latin typeface="PFDinTextCompPro-Italic"/>
-                <a:cs typeface="PFDinTextCompPro-Italic"/>
-              </a:rPr>
-              <a:t>:	</a:t>
-            </a:r>
-            <a:r>
-              <a:rPr lang="en-US" sz="2500" i="1" dirty="0" smtClean="0">
-                <a:latin typeface="+mn-lt"/>
-                <a:cs typeface="PFDinTextCompPro-Italic"/>
-              </a:rPr>
-              <a:t>min</a:t>
-            </a:r>
-            <a:r>
-              <a:rPr lang="en-US" sz="2500" spc="300" dirty="0">
-                <a:latin typeface="+mn-lt"/>
-                <a:cs typeface="PFDinTextCompPro-Italic"/>
-              </a:rPr>
-              <a:t>(</a:t>
-            </a:r>
-            <a:r>
-              <a:rPr lang="en-US" sz="2500" dirty="0">
-                <a:latin typeface="PFDinTextCompPro-Light"/>
-                <a:cs typeface="PFDinTextCompPro-Light"/>
-              </a:rPr>
-              <a:t>|</a:t>
-            </a:r>
-            <a:r>
-              <a:rPr lang="en-US" sz="2500" spc="300" dirty="0">
-                <a:latin typeface="PFDinTextCompPro-Light"/>
-                <a:cs typeface="PFDinTextCompPro-Light"/>
-              </a:rPr>
-              <a:t>|</a:t>
-            </a:r>
-            <a:r>
-              <a:rPr lang="en-US" sz="2500" i="1" spc="300" dirty="0">
-                <a:latin typeface="+mn-lt"/>
-                <a:cs typeface="PFDinTextCompPro-Italic"/>
-              </a:rPr>
-              <a:t>y – </a:t>
-            </a:r>
-            <a:r>
-              <a:rPr lang="en-US" sz="2500" i="1" spc="300" dirty="0" err="1">
-                <a:latin typeface="+mn-lt"/>
-                <a:cs typeface="PFDinTextCompPro-Italic"/>
-              </a:rPr>
-              <a:t>x</a:t>
-            </a:r>
-            <a:r>
-              <a:rPr lang="en-US" sz="2500" i="1" spc="300" dirty="0" err="1">
-                <a:latin typeface="Symbol" charset="2"/>
-                <a:cs typeface="Symbol" charset="2"/>
-              </a:rPr>
-              <a:t>b</a:t>
-            </a:r>
-            <a:r>
-              <a:rPr lang="en-US" sz="2500" dirty="0">
-                <a:latin typeface="PFDinTextCompPro-Light"/>
-                <a:cs typeface="PFDinTextCompPro-Light"/>
-              </a:rPr>
-              <a:t>|</a:t>
-            </a:r>
-            <a:r>
-              <a:rPr lang="en-US" sz="2500" spc="300" dirty="0">
-                <a:latin typeface="PFDinTextCompPro-Light"/>
-                <a:cs typeface="PFDinTextCompPro-Light"/>
-              </a:rPr>
-              <a:t>|</a:t>
-            </a:r>
-            <a:r>
-              <a:rPr lang="en-US" sz="2500" i="1" spc="300" baseline="30000" dirty="0">
-                <a:latin typeface="+mn-lt"/>
-                <a:cs typeface="PFDinTextCompPro-Italic"/>
-              </a:rPr>
-              <a:t>2</a:t>
-            </a:r>
-            <a:r>
-              <a:rPr lang="en-US" sz="2500" i="1" spc="300" dirty="0">
-                <a:latin typeface="+mn-lt"/>
-                <a:cs typeface="PFDinTextCompPro-Italic"/>
-              </a:rPr>
-              <a:t> + </a:t>
-            </a:r>
-            <a:r>
-              <a:rPr lang="en-US" sz="2500" i="1" spc="300" dirty="0">
-                <a:latin typeface="Symbol" charset="2"/>
-                <a:cs typeface="Symbol" charset="2"/>
-              </a:rPr>
-              <a:t>l</a:t>
-            </a:r>
-            <a:r>
-              <a:rPr lang="en-US" sz="2500" dirty="0">
-                <a:latin typeface="PFDinTextCompPro-Light"/>
-                <a:cs typeface="PFDinTextCompPro-Light"/>
-              </a:rPr>
-              <a:t>|</a:t>
-            </a:r>
-            <a:r>
-              <a:rPr lang="en-US" sz="2500" spc="300" dirty="0">
-                <a:latin typeface="PFDinTextCompPro-Light"/>
-                <a:cs typeface="PFDinTextCompPro-Light"/>
-              </a:rPr>
-              <a:t>|</a:t>
-            </a:r>
-            <a:r>
-              <a:rPr lang="en-US" sz="2500" i="1" spc="300" dirty="0">
-                <a:latin typeface="+mn-lt"/>
-                <a:cs typeface="PFDinTextCompPro-Italic"/>
-              </a:rPr>
-              <a:t>x</a:t>
-            </a:r>
-            <a:r>
-              <a:rPr lang="en-US" sz="2500" dirty="0">
-                <a:latin typeface="PFDinTextCompPro-Light"/>
-                <a:cs typeface="PFDinTextCompPro-Light"/>
-              </a:rPr>
-              <a:t>|</a:t>
-            </a:r>
-            <a:r>
-              <a:rPr lang="en-US" sz="2500" spc="300" dirty="0" smtClean="0">
-                <a:latin typeface="PFDinTextCompPro-Light"/>
-                <a:cs typeface="PFDinTextCompPro-Light"/>
-              </a:rPr>
-              <a:t>|</a:t>
-            </a:r>
-            <a:r>
-              <a:rPr lang="en-US" sz="2500" i="1" spc="300" baseline="30000" dirty="0" smtClean="0">
-                <a:latin typeface="+mn-lt"/>
-                <a:cs typeface="PFDinTextCompPro-Italic"/>
-              </a:rPr>
-              <a:t>2</a:t>
-            </a:r>
-            <a:r>
-              <a:rPr lang="en-US" sz="2500" i="1" spc="300" dirty="0" smtClean="0">
-                <a:latin typeface="+mn-lt"/>
-                <a:cs typeface="PFDinTextCompPro-Italic"/>
-              </a:rPr>
-              <a:t>)</a:t>
-            </a:r>
-          </a:p>
-          <a:p>
-            <a:pPr algn="l"/>
-            <a:endParaRPr lang="en-US" sz="2500" i="1" spc="300" dirty="0">
-              <a:latin typeface="+mn-lt"/>
+              <a:latin typeface="PFDinTextCompPro-Italic"/>
               <a:cs typeface="PFDinTextCompPro-Italic"/>
             </a:endParaRPr>
-          </a:p>
-          <a:p>
-            <a:pPr algn="l"/>
-            <a:r>
-              <a:rPr lang="en-US" sz="3000" dirty="0" smtClean="0">
-                <a:latin typeface="PFDinTextCompPro-Italic"/>
-                <a:cs typeface="PFDinTextCompPro-Italic"/>
-              </a:rPr>
-              <a:t>This (</a:t>
-            </a:r>
-            <a:r>
-              <a:rPr lang="en-US" sz="3000" dirty="0" err="1" smtClean="0">
-                <a:latin typeface="PFDinTextCompPro-Italic"/>
-                <a:cs typeface="PFDinTextCompPro-Italic"/>
-              </a:rPr>
-              <a:t>Lagrangian</a:t>
-            </a:r>
-            <a:r>
-              <a:rPr lang="en-US" sz="3000" dirty="0" smtClean="0">
-                <a:latin typeface="PFDinTextCompPro-Italic"/>
-                <a:cs typeface="PFDinTextCompPro-Italic"/>
-              </a:rPr>
-              <a:t>) formulation reflects the fact that there is a cost associated with regularization.</a:t>
-            </a:r>
           </a:p>
         </p:txBody>
       </p:sp>
@@ -15730,15 +14859,6 @@
                 </a:rPr>
                 <a:t>Lasso tends to eliminate coefficients, so it’s useful for reducing the number of features. L2 tends to make coefficients small but not necessarily zero.</a:t>
               </a:r>
-              <a:endParaRPr lang="en-US" sz="900" dirty="0" smtClean="0">
-                <a:solidFill>
-                  <a:schemeClr val="tx1"/>
-                </a:solidFill>
-                <a:latin typeface="+mn-lt"/>
-                <a:ea typeface="ＭＳ Ｐゴシック" charset="0"/>
-                <a:cs typeface="PFDinTextCompPro-Italic"/>
-                <a:sym typeface="News706 BT" charset="0"/>
-              </a:endParaRPr>
             </a:p>
           </p:txBody>
         </p:sp>
@@ -15747,6 +14867,446 @@
     <p:extLst>
       <p:ext uri="{BB962C8B-B14F-4D97-AF65-F5344CB8AC3E}">
         <p14:creationId xmlns:p14="http://schemas.microsoft.com/office/powerpoint/2010/main" val="1582124007"/>
+      </p:ext>
+    </p:extLst>
+  </p:cSld>
+  <p:clrMapOvr>
+    <a:masterClrMapping/>
+  </p:clrMapOvr>
+  <p:transition xmlns:p14="http://schemas.microsoft.com/office/powerpoint/2010/main"/>
+  <p:timing>
+    <p:tnLst>
+      <p:par>
+        <p:cTn xmlns:p14="http://schemas.microsoft.com/office/powerpoint/2010/main" id="1" dur="indefinite" restart="never" nodeType="tmRoot"/>
+      </p:par>
+    </p:tnLst>
+  </p:timing>
+</p:sld>
+</file>
+
+<file path=ppt/slides/slide2.xml><?xml version="1.0" encoding="utf-8"?>
+<p:sld xmlns:a="http://schemas.openxmlformats.org/drawingml/2006/main" xmlns:r="http://schemas.openxmlformats.org/officeDocument/2006/relationships" xmlns:p="http://schemas.openxmlformats.org/presentationml/2006/main">
+  <p:cSld>
+    <p:spTree>
+      <p:nvGrpSpPr>
+        <p:cNvPr id="1" name=""/>
+        <p:cNvGrpSpPr/>
+        <p:nvPr/>
+      </p:nvGrpSpPr>
+      <p:grpSpPr>
+        <a:xfrm>
+          <a:off x="0" y="0"/>
+          <a:ext cx="0" cy="0"/>
+          <a:chOff x="0" y="0"/>
+          <a:chExt cx="0" cy="0"/>
+        </a:xfrm>
+      </p:grpSpPr>
+      <p:sp>
+        <p:nvSpPr>
+          <p:cNvPr id="4" name="Content Placeholder 3"/>
+          <p:cNvSpPr>
+            <a:spLocks noGrp="1"/>
+          </p:cNvSpPr>
+          <p:nvPr>
+            <p:ph sz="quarter" idx="11"/>
+          </p:nvPr>
+        </p:nvSpPr>
+        <p:spPr>
+          <a:xfrm>
+            <a:off x="414337" y="495300"/>
+            <a:ext cx="6400800" cy="304800"/>
+          </a:xfrm>
+        </p:spPr>
+        <p:txBody>
+          <a:bodyPr/>
+          <a:lstStyle/>
+          <a:p>
+            <a:pPr eaLnBrk="1" hangingPunct="1">
+              <a:lnSpc>
+                <a:spcPts val="2448"/>
+              </a:lnSpc>
+              <a:defRPr/>
+            </a:pPr>
+            <a:r>
+              <a:rPr lang="en-US" dirty="0" err="1" smtClean="0"/>
+              <a:t>Overfitting</a:t>
+            </a:r>
+            <a:endParaRPr lang="en-US" dirty="0"/>
+          </a:p>
+        </p:txBody>
+      </p:sp>
+      <p:sp>
+        <p:nvSpPr>
+          <p:cNvPr id="8" name="Slide Number Placeholder 3"/>
+          <p:cNvSpPr>
+            <a:spLocks noGrp="1"/>
+          </p:cNvSpPr>
+          <p:nvPr>
+            <p:ph type="sldNum" sz="quarter" idx="13"/>
+          </p:nvPr>
+        </p:nvSpPr>
+        <p:spPr/>
+        <p:txBody>
+          <a:bodyPr/>
+          <a:lstStyle/>
+          <a:p>
+            <a:pPr>
+              <a:defRPr/>
+            </a:pPr>
+            <a:fld id="{BD5AD749-DAD1-6A4A-A2AA-CB20EAD0AEB7}" type="slidenum">
+              <a:rPr lang="en-US"/>
+              <a:pPr>
+                <a:defRPr/>
+              </a:pPr>
+              <a:t>2</a:t>
+            </a:fld>
+            <a:endParaRPr lang="en-US"/>
+          </a:p>
+        </p:txBody>
+      </p:sp>
+      <p:sp>
+        <p:nvSpPr>
+          <p:cNvPr id="6" name="TextBox 5"/>
+          <p:cNvSpPr txBox="1"/>
+          <p:nvPr/>
+        </p:nvSpPr>
+        <p:spPr>
+          <a:xfrm>
+            <a:off x="566737" y="1133713"/>
+            <a:ext cx="8382000" cy="553998"/>
+          </a:xfrm>
+          <a:prstGeom prst="rect">
+            <a:avLst/>
+          </a:prstGeom>
+          <a:noFill/>
+        </p:spPr>
+        <p:txBody>
+          <a:bodyPr wrap="square" rtlCol="0">
+            <a:spAutoFit/>
+          </a:bodyPr>
+          <a:lstStyle/>
+          <a:p>
+            <a:pPr algn="l"/>
+            <a:r>
+              <a:rPr lang="en-US" sz="3000" dirty="0" smtClean="0">
+                <a:latin typeface="PFDinTextCompPro-Italic"/>
+                <a:cs typeface="PFDinTextCompPro-Italic"/>
+              </a:rPr>
+              <a:t>Recall our earlier discussion of </a:t>
+            </a:r>
+            <a:r>
+              <a:rPr lang="en-US" sz="3000" dirty="0" err="1" smtClean="0">
+                <a:latin typeface="PFDinTextCompPro-Medium"/>
+                <a:cs typeface="PFDinTextCompPro-Medium"/>
+              </a:rPr>
+              <a:t>overfitting</a:t>
+            </a:r>
+            <a:r>
+              <a:rPr lang="en-US" sz="3000" dirty="0" smtClean="0">
+                <a:latin typeface="PFDinTextCompPro-Italic"/>
+                <a:cs typeface="PFDinTextCompPro-Italic"/>
+              </a:rPr>
+              <a:t>.</a:t>
+            </a:r>
+          </a:p>
+        </p:txBody>
+      </p:sp>
+    </p:spTree>
+    <p:extLst>
+      <p:ext uri="{BB962C8B-B14F-4D97-AF65-F5344CB8AC3E}">
+        <p14:creationId xmlns:p14="http://schemas.microsoft.com/office/powerpoint/2010/main" val="2389589246"/>
+      </p:ext>
+    </p:extLst>
+  </p:cSld>
+  <p:clrMapOvr>
+    <a:masterClrMapping/>
+  </p:clrMapOvr>
+  <p:transition xmlns:p14="http://schemas.microsoft.com/office/powerpoint/2010/main"/>
+  <p:timing>
+    <p:tnLst>
+      <p:par>
+        <p:cTn xmlns:p14="http://schemas.microsoft.com/office/powerpoint/2010/main" id="1" dur="indefinite" restart="never" nodeType="tmRoot"/>
+      </p:par>
+    </p:tnLst>
+  </p:timing>
+</p:sld>
+</file>
+
+<file path=ppt/slides/slide20.xml><?xml version="1.0" encoding="utf-8"?>
+<p:sld xmlns:a="http://schemas.openxmlformats.org/drawingml/2006/main" xmlns:r="http://schemas.openxmlformats.org/officeDocument/2006/relationships" xmlns:p="http://schemas.openxmlformats.org/presentationml/2006/main">
+  <p:cSld>
+    <p:spTree>
+      <p:nvGrpSpPr>
+        <p:cNvPr id="1" name=""/>
+        <p:cNvGrpSpPr/>
+        <p:nvPr/>
+      </p:nvGrpSpPr>
+      <p:grpSpPr>
+        <a:xfrm>
+          <a:off x="0" y="0"/>
+          <a:ext cx="0" cy="0"/>
+          <a:chOff x="0" y="0"/>
+          <a:chExt cx="0" cy="0"/>
+        </a:xfrm>
+      </p:grpSpPr>
+      <p:sp>
+        <p:nvSpPr>
+          <p:cNvPr id="4" name="Content Placeholder 3"/>
+          <p:cNvSpPr>
+            <a:spLocks noGrp="1"/>
+          </p:cNvSpPr>
+          <p:nvPr>
+            <p:ph sz="quarter" idx="11"/>
+          </p:nvPr>
+        </p:nvSpPr>
+        <p:spPr>
+          <a:xfrm>
+            <a:off x="414337" y="495300"/>
+            <a:ext cx="6400800" cy="304800"/>
+          </a:xfrm>
+        </p:spPr>
+        <p:txBody>
+          <a:bodyPr/>
+          <a:lstStyle/>
+          <a:p>
+            <a:pPr eaLnBrk="1" hangingPunct="1">
+              <a:lnSpc>
+                <a:spcPts val="2448"/>
+              </a:lnSpc>
+              <a:defRPr/>
+            </a:pPr>
+            <a:r>
+              <a:rPr lang="en-US" dirty="0" smtClean="0"/>
+              <a:t>Bias and variance</a:t>
+            </a:r>
+            <a:endParaRPr lang="en-US" dirty="0"/>
+          </a:p>
+        </p:txBody>
+      </p:sp>
+      <p:sp>
+        <p:nvSpPr>
+          <p:cNvPr id="8" name="Slide Number Placeholder 3"/>
+          <p:cNvSpPr>
+            <a:spLocks noGrp="1"/>
+          </p:cNvSpPr>
+          <p:nvPr>
+            <p:ph type="sldNum" sz="quarter" idx="13"/>
+          </p:nvPr>
+        </p:nvSpPr>
+        <p:spPr/>
+        <p:txBody>
+          <a:bodyPr/>
+          <a:lstStyle/>
+          <a:p>
+            <a:pPr>
+              <a:defRPr/>
+            </a:pPr>
+            <a:fld id="{BD5AD749-DAD1-6A4A-A2AA-CB20EAD0AEB7}" type="slidenum">
+              <a:rPr lang="en-US"/>
+              <a:pPr>
+                <a:defRPr/>
+              </a:pPr>
+              <a:t>20</a:t>
+            </a:fld>
+            <a:endParaRPr lang="en-US"/>
+          </a:p>
+        </p:txBody>
+      </p:sp>
+      <p:sp>
+        <p:nvSpPr>
+          <p:cNvPr id="7" name="TextBox 6"/>
+          <p:cNvSpPr txBox="1"/>
+          <p:nvPr/>
+        </p:nvSpPr>
+        <p:spPr>
+          <a:xfrm>
+            <a:off x="576896" y="1104900"/>
+            <a:ext cx="8382000" cy="553998"/>
+          </a:xfrm>
+          <a:prstGeom prst="rect">
+            <a:avLst/>
+          </a:prstGeom>
+          <a:noFill/>
+        </p:spPr>
+        <p:txBody>
+          <a:bodyPr wrap="square" rtlCol="0">
+            <a:spAutoFit/>
+          </a:bodyPr>
+          <a:lstStyle/>
+          <a:p>
+            <a:pPr algn="l"/>
+            <a:r>
+              <a:rPr lang="en-US" sz="3000" dirty="0" smtClean="0">
+                <a:latin typeface="PFDinTextCompPro-Italic"/>
+                <a:cs typeface="PFDinTextCompPro-Italic"/>
+              </a:rPr>
+              <a:t>Q:  What are bias and variance?</a:t>
+            </a:r>
+          </a:p>
+        </p:txBody>
+      </p:sp>
+    </p:spTree>
+    <p:extLst>
+      <p:ext uri="{BB962C8B-B14F-4D97-AF65-F5344CB8AC3E}">
+        <p14:creationId xmlns:p14="http://schemas.microsoft.com/office/powerpoint/2010/main" val="3728081559"/>
+      </p:ext>
+    </p:extLst>
+  </p:cSld>
+  <p:clrMapOvr>
+    <a:masterClrMapping/>
+  </p:clrMapOvr>
+  <p:transition xmlns:p14="http://schemas.microsoft.com/office/powerpoint/2010/main"/>
+  <p:timing>
+    <p:tnLst>
+      <p:par>
+        <p:cTn xmlns:p14="http://schemas.microsoft.com/office/powerpoint/2010/main" id="1" dur="indefinite" restart="never" nodeType="tmRoot"/>
+      </p:par>
+    </p:tnLst>
+  </p:timing>
+</p:sld>
+</file>
+
+<file path=ppt/slides/slide21.xml><?xml version="1.0" encoding="utf-8"?>
+<p:sld xmlns:a="http://schemas.openxmlformats.org/drawingml/2006/main" xmlns:r="http://schemas.openxmlformats.org/officeDocument/2006/relationships" xmlns:p="http://schemas.openxmlformats.org/presentationml/2006/main">
+  <p:cSld>
+    <p:spTree>
+      <p:nvGrpSpPr>
+        <p:cNvPr id="1" name=""/>
+        <p:cNvGrpSpPr/>
+        <p:nvPr/>
+      </p:nvGrpSpPr>
+      <p:grpSpPr>
+        <a:xfrm>
+          <a:off x="0" y="0"/>
+          <a:ext cx="0" cy="0"/>
+          <a:chOff x="0" y="0"/>
+          <a:chExt cx="0" cy="0"/>
+        </a:xfrm>
+      </p:grpSpPr>
+      <p:sp>
+        <p:nvSpPr>
+          <p:cNvPr id="4" name="Content Placeholder 3"/>
+          <p:cNvSpPr>
+            <a:spLocks noGrp="1"/>
+          </p:cNvSpPr>
+          <p:nvPr>
+            <p:ph sz="quarter" idx="11"/>
+          </p:nvPr>
+        </p:nvSpPr>
+        <p:spPr>
+          <a:xfrm>
+            <a:off x="414337" y="495300"/>
+            <a:ext cx="6400800" cy="304800"/>
+          </a:xfrm>
+        </p:spPr>
+        <p:txBody>
+          <a:bodyPr/>
+          <a:lstStyle/>
+          <a:p>
+            <a:pPr eaLnBrk="1" hangingPunct="1">
+              <a:lnSpc>
+                <a:spcPts val="2448"/>
+              </a:lnSpc>
+              <a:defRPr/>
+            </a:pPr>
+            <a:r>
+              <a:rPr lang="en-US" dirty="0" smtClean="0"/>
+              <a:t>Bias and variance</a:t>
+            </a:r>
+            <a:endParaRPr lang="en-US" dirty="0"/>
+          </a:p>
+        </p:txBody>
+      </p:sp>
+      <p:sp>
+        <p:nvSpPr>
+          <p:cNvPr id="8" name="Slide Number Placeholder 3"/>
+          <p:cNvSpPr>
+            <a:spLocks noGrp="1"/>
+          </p:cNvSpPr>
+          <p:nvPr>
+            <p:ph type="sldNum" sz="quarter" idx="13"/>
+          </p:nvPr>
+        </p:nvSpPr>
+        <p:spPr/>
+        <p:txBody>
+          <a:bodyPr/>
+          <a:lstStyle/>
+          <a:p>
+            <a:pPr>
+              <a:defRPr/>
+            </a:pPr>
+            <a:fld id="{BD5AD749-DAD1-6A4A-A2AA-CB20EAD0AEB7}" type="slidenum">
+              <a:rPr lang="en-US"/>
+              <a:pPr>
+                <a:defRPr/>
+              </a:pPr>
+              <a:t>21</a:t>
+            </a:fld>
+            <a:endParaRPr lang="en-US"/>
+          </a:p>
+        </p:txBody>
+      </p:sp>
+      <p:sp>
+        <p:nvSpPr>
+          <p:cNvPr id="7" name="TextBox 6"/>
+          <p:cNvSpPr txBox="1"/>
+          <p:nvPr/>
+        </p:nvSpPr>
+        <p:spPr>
+          <a:xfrm>
+            <a:off x="576896" y="1104900"/>
+            <a:ext cx="8382000" cy="1015663"/>
+          </a:xfrm>
+          <a:prstGeom prst="rect">
+            <a:avLst/>
+          </a:prstGeom>
+          <a:noFill/>
+        </p:spPr>
+        <p:txBody>
+          <a:bodyPr wrap="square" rtlCol="0">
+            <a:spAutoFit/>
+          </a:bodyPr>
+          <a:lstStyle/>
+          <a:p>
+            <a:pPr algn="l"/>
+            <a:r>
+              <a:rPr lang="en-US" sz="3000" dirty="0" smtClean="0">
+                <a:latin typeface="PFDinTextCompPro-Italic"/>
+                <a:cs typeface="PFDinTextCompPro-Italic"/>
+              </a:rPr>
+              <a:t>Q:  What are bias and variance?</a:t>
+            </a:r>
+          </a:p>
+          <a:p>
+            <a:pPr algn="l"/>
+            <a:r>
+              <a:rPr lang="en-US" sz="3000" dirty="0" smtClean="0">
+                <a:latin typeface="PFDinTextCompPro-Italic"/>
+                <a:cs typeface="PFDinTextCompPro-Italic"/>
+              </a:rPr>
+              <a:t>A:  Bias refers to predictions that are </a:t>
+            </a:r>
+            <a:r>
+              <a:rPr lang="en-US" sz="3000" i="1" dirty="0" smtClean="0">
+                <a:latin typeface="PFDinTextCompPro-Italic"/>
+                <a:cs typeface="PFDinTextCompPro-Italic"/>
+              </a:rPr>
+              <a:t>systematically</a:t>
+            </a:r>
+            <a:r>
+              <a:rPr lang="en-US" sz="3000" dirty="0" smtClean="0">
+                <a:latin typeface="PFDinTextCompPro-Italic"/>
+                <a:cs typeface="PFDinTextCompPro-Italic"/>
+              </a:rPr>
+              <a:t> inaccurate.</a:t>
+            </a:r>
+          </a:p>
+        </p:txBody>
+      </p:sp>
+    </p:spTree>
+    <p:extLst>
+      <p:ext uri="{BB962C8B-B14F-4D97-AF65-F5344CB8AC3E}">
+        <p14:creationId xmlns:p14="http://schemas.microsoft.com/office/powerpoint/2010/main" val="1549277461"/>
       </p:ext>
     </p:extLst>
   </p:cSld>
@@ -15853,7 +15413,7 @@
         <p:spPr>
           <a:xfrm>
             <a:off x="576896" y="1104900"/>
-            <a:ext cx="8382000" cy="553998"/>
+            <a:ext cx="8382000" cy="1477328"/>
           </a:xfrm>
           <a:prstGeom prst="rect">
             <a:avLst/>
@@ -15868,11 +15428,59 @@
           <a:p>
             <a:pPr algn="l"/>
             <a:r>
+              <a:rPr lang="en-US" sz="3000" dirty="0">
+                <a:latin typeface="PFDinTextCompPro-Italic"/>
+                <a:cs typeface="PFDinTextCompPro-Italic"/>
+              </a:rPr>
+              <a:t>Q:  What are bias and variance?</a:t>
+            </a:r>
+          </a:p>
+          <a:p>
+            <a:pPr algn="l"/>
+            <a:r>
               <a:rPr lang="en-US" sz="3000" dirty="0" smtClean="0">
                 <a:latin typeface="PFDinTextCompPro-Italic"/>
                 <a:cs typeface="PFDinTextCompPro-Italic"/>
               </a:rPr>
-              <a:t>Q:  What are bias and variance?</a:t>
+              <a:t>A:  Bias refers to predictions that are </a:t>
+            </a:r>
+            <a:r>
+              <a:rPr lang="en-US" sz="3000" i="1" dirty="0" smtClean="0">
+                <a:latin typeface="PFDinTextCompPro-Italic"/>
+                <a:cs typeface="PFDinTextCompPro-Italic"/>
+              </a:rPr>
+              <a:t>systematically</a:t>
+            </a:r>
+            <a:r>
+              <a:rPr lang="en-US" sz="3000" dirty="0" smtClean="0">
+                <a:latin typeface="PFDinTextCompPro-Italic"/>
+                <a:cs typeface="PFDinTextCompPro-Italic"/>
+              </a:rPr>
+              <a:t> inaccurate.</a:t>
+            </a:r>
+          </a:p>
+          <a:p>
+            <a:pPr algn="l"/>
+            <a:r>
+              <a:rPr lang="en-US" sz="3000" dirty="0" smtClean="0">
+                <a:latin typeface="PFDinTextCompPro-Italic"/>
+                <a:cs typeface="PFDinTextCompPro-Italic"/>
+              </a:rPr>
+              <a:t>     Variance refers to predictions that are </a:t>
+            </a:r>
+            <a:r>
+              <a:rPr lang="en-US" sz="3000" i="1" dirty="0" smtClean="0">
+                <a:latin typeface="PFDinTextCompPro-Italic"/>
+                <a:cs typeface="PFDinTextCompPro-Italic"/>
+              </a:rPr>
+              <a:t>generally</a:t>
+            </a:r>
+            <a:r>
+              <a:rPr lang="en-US" sz="3000" dirty="0" smtClean="0">
+                <a:latin typeface="PFDinTextCompPro-Italic"/>
+                <a:cs typeface="PFDinTextCompPro-Italic"/>
+              </a:rPr>
+              <a:t> inaccurate.</a:t>
             </a:r>
           </a:p>
         </p:txBody>
@@ -15880,7 +15488,7 @@
     </p:spTree>
     <p:extLst>
       <p:ext uri="{BB962C8B-B14F-4D97-AF65-F5344CB8AC3E}">
-        <p14:creationId xmlns:p14="http://schemas.microsoft.com/office/powerpoint/2010/main" val="3728081559"/>
+        <p14:creationId xmlns:p14="http://schemas.microsoft.com/office/powerpoint/2010/main" val="2607456370"/>
       </p:ext>
     </p:extLst>
   </p:cSld>
@@ -15978,16 +15586,40 @@
           </a:p>
         </p:txBody>
       </p:sp>
-      <p:sp>
-        <p:nvSpPr>
-          <p:cNvPr id="7" name="TextBox 6"/>
+      <p:pic>
+        <p:nvPicPr>
+          <p:cNvPr id="2" name="Picture 1"/>
+          <p:cNvPicPr>
+            <a:picLocks noChangeAspect="1"/>
+          </p:cNvPicPr>
+          <p:nvPr/>
+        </p:nvPicPr>
+        <p:blipFill>
+          <a:blip r:embed="rId3"/>
+          <a:stretch>
+            <a:fillRect/>
+          </a:stretch>
+        </p:blipFill>
+        <p:spPr>
+          <a:xfrm>
+            <a:off x="2840491" y="1028700"/>
+            <a:ext cx="3682092" cy="3771899"/>
+          </a:xfrm>
+          <a:prstGeom prst="rect">
+            <a:avLst/>
+          </a:prstGeom>
+        </p:spPr>
+      </p:pic>
+      <p:sp>
+        <p:nvSpPr>
+          <p:cNvPr id="6" name="TextBox 5"/>
           <p:cNvSpPr txBox="1"/>
           <p:nvPr/>
         </p:nvSpPr>
         <p:spPr>
           <a:xfrm>
-            <a:off x="576896" y="1104900"/>
-            <a:ext cx="8382000" cy="1015663"/>
+            <a:off x="261937" y="4891326"/>
+            <a:ext cx="4515741" cy="230832"/>
           </a:xfrm>
           <a:prstGeom prst="rect">
             <a:avLst/>
@@ -16000,37 +15632,70 @@
           </a:bodyPr>
           <a:lstStyle/>
           <a:p>
-            <a:pPr algn="l"/>
-            <a:r>
-              <a:rPr lang="en-US" sz="3000" dirty="0" smtClean="0">
-                <a:latin typeface="PFDinTextCompPro-Italic"/>
-                <a:cs typeface="PFDinTextCompPro-Italic"/>
-              </a:rPr>
-              <a:t>Q:  What are bias and variance?</a:t>
-            </a:r>
-          </a:p>
-          <a:p>
-            <a:pPr algn="l"/>
-            <a:r>
-              <a:rPr lang="en-US" sz="3000" dirty="0" smtClean="0">
-                <a:latin typeface="PFDinTextCompPro-Italic"/>
-                <a:cs typeface="PFDinTextCompPro-Italic"/>
-              </a:rPr>
-              <a:t>A:  Bias refers to predictions that are </a:t>
-            </a:r>
-            <a:r>
-              <a:rPr lang="en-US" sz="3000" i="1" dirty="0" smtClean="0">
-                <a:latin typeface="PFDinTextCompPro-Italic"/>
-                <a:cs typeface="PFDinTextCompPro-Italic"/>
-              </a:rPr>
-              <a:t>systematically</a:t>
-            </a:r>
-            <a:r>
-              <a:rPr lang="en-US" sz="3000" dirty="0" smtClean="0">
-                <a:latin typeface="PFDinTextCompPro-Italic"/>
-                <a:cs typeface="PFDinTextCompPro-Italic"/>
-              </a:rPr>
-              <a:t> inaccurate.</a:t>
+            <a:pPr algn="l" defTabSz="457200" fontAlgn="auto">
+              <a:spcBef>
+                <a:spcPts val="0"/>
+              </a:spcBef>
+              <a:spcAft>
+                <a:spcPts val="0"/>
+              </a:spcAft>
+              <a:defRPr/>
+            </a:pPr>
+            <a:r>
+              <a:rPr lang="en-US" sz="900" i="1" dirty="0" smtClean="0">
+                <a:latin typeface="+mn-lt"/>
+              </a:rPr>
+              <a:t>source: </a:t>
+            </a:r>
+            <a:r>
+              <a:rPr lang="en-US" sz="900" i="1" dirty="0">
+                <a:solidFill>
+                  <a:prstClr val="black"/>
+                </a:solidFill>
+                <a:latin typeface="+mn-lt"/>
+                <a:sym typeface="Wingdings"/>
+              </a:rPr>
+              <a:t>http://</a:t>
+            </a:r>
+            <a:r>
+              <a:rPr lang="en-US" sz="900" i="1" dirty="0" err="1">
+                <a:solidFill>
+                  <a:prstClr val="black"/>
+                </a:solidFill>
+                <a:latin typeface="+mn-lt"/>
+                <a:sym typeface="Wingdings"/>
+              </a:rPr>
+              <a:t>homes.cs.washington.edu</a:t>
+            </a:r>
+            <a:r>
+              <a:rPr lang="en-US" sz="900" i="1" dirty="0">
+                <a:solidFill>
+                  <a:prstClr val="black"/>
+                </a:solidFill>
+                <a:latin typeface="+mn-lt"/>
+                <a:sym typeface="Wingdings"/>
+              </a:rPr>
+              <a:t>/~</a:t>
+            </a:r>
+            <a:r>
+              <a:rPr lang="en-US" sz="900" i="1" dirty="0" err="1">
+                <a:solidFill>
+                  <a:prstClr val="black"/>
+                </a:solidFill>
+                <a:latin typeface="+mn-lt"/>
+                <a:sym typeface="Wingdings"/>
+              </a:rPr>
+              <a:t>pedrod</a:t>
+            </a:r>
+            <a:r>
+              <a:rPr lang="en-US" sz="900" i="1" dirty="0">
+                <a:solidFill>
+                  <a:prstClr val="black"/>
+                </a:solidFill>
+                <a:latin typeface="+mn-lt"/>
+                <a:sym typeface="Wingdings"/>
+              </a:rPr>
+              <a:t>/papers/cacm12.pdf</a:t>
             </a:r>
           </a:p>
         </p:txBody>
@@ -16038,7 +15703,7 @@
     </p:spTree>
     <p:extLst>
       <p:ext uri="{BB962C8B-B14F-4D97-AF65-F5344CB8AC3E}">
-        <p14:creationId xmlns:p14="http://schemas.microsoft.com/office/powerpoint/2010/main" val="1549277461"/>
+        <p14:creationId xmlns:p14="http://schemas.microsoft.com/office/powerpoint/2010/main" val="3880096230"/>
       </p:ext>
     </p:extLst>
   </p:cSld>
@@ -16145,7 +15810,7 @@
         <p:spPr>
           <a:xfrm>
             <a:off x="576896" y="1104900"/>
-            <a:ext cx="8382000" cy="1477328"/>
+            <a:ext cx="8382000" cy="2862322"/>
           </a:xfrm>
           <a:prstGeom prst="rect">
             <a:avLst/>
@@ -16215,12 +15880,29 @@
               <a:t> inaccurate.</a:t>
             </a:r>
           </a:p>
+          <a:p>
+            <a:pPr algn="l"/>
+            <a:endParaRPr lang="en-US" sz="3000" dirty="0">
+              <a:latin typeface="PFDinTextCompPro-Italic"/>
+              <a:cs typeface="PFDinTextCompPro-Italic"/>
+            </a:endParaRPr>
+          </a:p>
+          <a:p>
+            <a:pPr algn="l"/>
+            <a:r>
+              <a:rPr lang="en-US" sz="3000" dirty="0" smtClean="0">
+                <a:latin typeface="PFDinTextCompPro-Italic"/>
+                <a:cs typeface="PFDinTextCompPro-Italic"/>
+              </a:rPr>
+              <a:t>Generalization error can be decomposed into a bias component and variance component.</a:t>
+            </a:r>
+          </a:p>
         </p:txBody>
       </p:sp>
     </p:spTree>
     <p:extLst>
       <p:ext uri="{BB962C8B-B14F-4D97-AF65-F5344CB8AC3E}">
-        <p14:creationId xmlns:p14="http://schemas.microsoft.com/office/powerpoint/2010/main" val="2607456370"/>
+        <p14:creationId xmlns:p14="http://schemas.microsoft.com/office/powerpoint/2010/main" val="3183258518"/>
       </p:ext>
     </p:extLst>
   </p:cSld>
@@ -16283,7 +15965,7 @@
             </a:pPr>
             <a:r>
               <a:rPr lang="en-US" dirty="0" smtClean="0"/>
-              <a:t>Bias and variance</a:t>
+              <a:t>Bias-variance tradeoff</a:t>
             </a:r>
             <a:endParaRPr lang="en-US" dirty="0"/>
           </a:p>
@@ -16313,427 +15995,6 @@
                 <a:defRPr/>
               </a:pPr>
               <a:t>25</a:t>
-            </a:fld>
-            <a:endParaRPr lang="en-US"/>
-          </a:p>
-        </p:txBody>
-      </p:sp>
-      <p:pic>
-        <p:nvPicPr>
-          <p:cNvPr id="2" name="Picture 1"/>
-          <p:cNvPicPr>
-            <a:picLocks noChangeAspect="1"/>
-          </p:cNvPicPr>
-          <p:nvPr/>
-        </p:nvPicPr>
-        <p:blipFill>
-          <a:blip r:embed="rId3"/>
-          <a:stretch>
-            <a:fillRect/>
-          </a:stretch>
-        </p:blipFill>
-        <p:spPr>
-          <a:xfrm>
-            <a:off x="2840491" y="1028700"/>
-            <a:ext cx="3682092" cy="3771899"/>
-          </a:xfrm>
-          <a:prstGeom prst="rect">
-            <a:avLst/>
-          </a:prstGeom>
-        </p:spPr>
-      </p:pic>
-      <p:sp>
-        <p:nvSpPr>
-          <p:cNvPr id="6" name="TextBox 5"/>
-          <p:cNvSpPr txBox="1"/>
-          <p:nvPr/>
-        </p:nvSpPr>
-        <p:spPr>
-          <a:xfrm>
-            <a:off x="261937" y="4891326"/>
-            <a:ext cx="4515741" cy="230832"/>
-          </a:xfrm>
-          <a:prstGeom prst="rect">
-            <a:avLst/>
-          </a:prstGeom>
-          <a:noFill/>
-        </p:spPr>
-        <p:txBody>
-          <a:bodyPr wrap="square" rtlCol="0">
-            <a:spAutoFit/>
-          </a:bodyPr>
-          <a:lstStyle/>
-          <a:p>
-            <a:pPr algn="l" defTabSz="457200" fontAlgn="auto">
-              <a:spcBef>
-                <a:spcPts val="0"/>
-              </a:spcBef>
-              <a:spcAft>
-                <a:spcPts val="0"/>
-              </a:spcAft>
-              <a:defRPr/>
-            </a:pPr>
-            <a:r>
-              <a:rPr lang="en-US" sz="900" i="1" dirty="0" smtClean="0">
-                <a:latin typeface="+mn-lt"/>
-              </a:rPr>
-              <a:t>source: </a:t>
-            </a:r>
-            <a:r>
-              <a:rPr lang="en-US" sz="900" i="1" dirty="0">
-                <a:solidFill>
-                  <a:prstClr val="black"/>
-                </a:solidFill>
-                <a:latin typeface="+mn-lt"/>
-                <a:sym typeface="Wingdings"/>
-              </a:rPr>
-              <a:t>http://</a:t>
-            </a:r>
-            <a:r>
-              <a:rPr lang="en-US" sz="900" i="1" dirty="0" err="1">
-                <a:solidFill>
-                  <a:prstClr val="black"/>
-                </a:solidFill>
-                <a:latin typeface="+mn-lt"/>
-                <a:sym typeface="Wingdings"/>
-              </a:rPr>
-              <a:t>homes.cs.washington.edu</a:t>
-            </a:r>
-            <a:r>
-              <a:rPr lang="en-US" sz="900" i="1" dirty="0">
-                <a:solidFill>
-                  <a:prstClr val="black"/>
-                </a:solidFill>
-                <a:latin typeface="+mn-lt"/>
-                <a:sym typeface="Wingdings"/>
-              </a:rPr>
-              <a:t>/~</a:t>
-            </a:r>
-            <a:r>
-              <a:rPr lang="en-US" sz="900" i="1" dirty="0" err="1">
-                <a:solidFill>
-                  <a:prstClr val="black"/>
-                </a:solidFill>
-                <a:latin typeface="+mn-lt"/>
-                <a:sym typeface="Wingdings"/>
-              </a:rPr>
-              <a:t>pedrod</a:t>
-            </a:r>
-            <a:r>
-              <a:rPr lang="en-US" sz="900" i="1" dirty="0">
-                <a:solidFill>
-                  <a:prstClr val="black"/>
-                </a:solidFill>
-                <a:latin typeface="+mn-lt"/>
-                <a:sym typeface="Wingdings"/>
-              </a:rPr>
-              <a:t>/papers/cacm12.pdf</a:t>
-            </a:r>
-          </a:p>
-        </p:txBody>
-      </p:sp>
-    </p:spTree>
-    <p:extLst>
-      <p:ext uri="{BB962C8B-B14F-4D97-AF65-F5344CB8AC3E}">
-        <p14:creationId xmlns:p14="http://schemas.microsoft.com/office/powerpoint/2010/main" val="3880096230"/>
-      </p:ext>
-    </p:extLst>
-  </p:cSld>
-  <p:clrMapOvr>
-    <a:masterClrMapping/>
-  </p:clrMapOvr>
-  <p:transition xmlns:p14="http://schemas.microsoft.com/office/powerpoint/2010/main"/>
-  <p:timing>
-    <p:tnLst>
-      <p:par>
-        <p:cTn xmlns:p14="http://schemas.microsoft.com/office/powerpoint/2010/main" id="1" dur="indefinite" restart="never" nodeType="tmRoot"/>
-      </p:par>
-    </p:tnLst>
-  </p:timing>
-</p:sld>
-</file>
-
-<file path=ppt/slides/slide26.xml><?xml version="1.0" encoding="utf-8"?>
-<p:sld xmlns:a="http://schemas.openxmlformats.org/drawingml/2006/main" xmlns:r="http://schemas.openxmlformats.org/officeDocument/2006/relationships" xmlns:p="http://schemas.openxmlformats.org/presentationml/2006/main">
-  <p:cSld>
-    <p:spTree>
-      <p:nvGrpSpPr>
-        <p:cNvPr id="1" name=""/>
-        <p:cNvGrpSpPr/>
-        <p:nvPr/>
-      </p:nvGrpSpPr>
-      <p:grpSpPr>
-        <a:xfrm>
-          <a:off x="0" y="0"/>
-          <a:ext cx="0" cy="0"/>
-          <a:chOff x="0" y="0"/>
-          <a:chExt cx="0" cy="0"/>
-        </a:xfrm>
-      </p:grpSpPr>
-      <p:sp>
-        <p:nvSpPr>
-          <p:cNvPr id="4" name="Content Placeholder 3"/>
-          <p:cNvSpPr>
-            <a:spLocks noGrp="1"/>
-          </p:cNvSpPr>
-          <p:nvPr>
-            <p:ph sz="quarter" idx="11"/>
-          </p:nvPr>
-        </p:nvSpPr>
-        <p:spPr>
-          <a:xfrm>
-            <a:off x="414337" y="495300"/>
-            <a:ext cx="6400800" cy="304800"/>
-          </a:xfrm>
-        </p:spPr>
-        <p:txBody>
-          <a:bodyPr/>
-          <a:lstStyle/>
-          <a:p>
-            <a:pPr eaLnBrk="1" hangingPunct="1">
-              <a:lnSpc>
-                <a:spcPts val="2448"/>
-              </a:lnSpc>
-              <a:defRPr/>
-            </a:pPr>
-            <a:r>
-              <a:rPr lang="en-US" dirty="0" smtClean="0"/>
-              <a:t>Bias and variance</a:t>
-            </a:r>
-            <a:endParaRPr lang="en-US" dirty="0"/>
-          </a:p>
-        </p:txBody>
-      </p:sp>
-      <p:sp>
-        <p:nvSpPr>
-          <p:cNvPr id="8" name="Slide Number Placeholder 3"/>
-          <p:cNvSpPr>
-            <a:spLocks noGrp="1"/>
-          </p:cNvSpPr>
-          <p:nvPr>
-            <p:ph type="sldNum" sz="quarter" idx="13"/>
-          </p:nvPr>
-        </p:nvSpPr>
-        <p:spPr/>
-        <p:txBody>
-          <a:bodyPr/>
-          <a:lstStyle/>
-          <a:p>
-            <a:pPr>
-              <a:defRPr/>
-            </a:pPr>
-            <a:fld id="{BD5AD749-DAD1-6A4A-A2AA-CB20EAD0AEB7}" type="slidenum">
-              <a:rPr lang="en-US"/>
-              <a:pPr>
-                <a:defRPr/>
-              </a:pPr>
-              <a:t>26</a:t>
-            </a:fld>
-            <a:endParaRPr lang="en-US"/>
-          </a:p>
-        </p:txBody>
-      </p:sp>
-      <p:sp>
-        <p:nvSpPr>
-          <p:cNvPr id="7" name="TextBox 6"/>
-          <p:cNvSpPr txBox="1"/>
-          <p:nvPr/>
-        </p:nvSpPr>
-        <p:spPr>
-          <a:xfrm>
-            <a:off x="576896" y="1104900"/>
-            <a:ext cx="8382000" cy="2862322"/>
-          </a:xfrm>
-          <a:prstGeom prst="rect">
-            <a:avLst/>
-          </a:prstGeom>
-          <a:noFill/>
-        </p:spPr>
-        <p:txBody>
-          <a:bodyPr wrap="square" rtlCol="0">
-            <a:spAutoFit/>
-          </a:bodyPr>
-          <a:lstStyle/>
-          <a:p>
-            <a:pPr algn="l"/>
-            <a:r>
-              <a:rPr lang="en-US" sz="3000" dirty="0">
-                <a:latin typeface="PFDinTextCompPro-Italic"/>
-                <a:cs typeface="PFDinTextCompPro-Italic"/>
-              </a:rPr>
-              <a:t>Q:  What are bias and variance?</a:t>
-            </a:r>
-          </a:p>
-          <a:p>
-            <a:pPr algn="l"/>
-            <a:r>
-              <a:rPr lang="en-US" sz="3000" dirty="0" smtClean="0">
-                <a:latin typeface="PFDinTextCompPro-Italic"/>
-                <a:cs typeface="PFDinTextCompPro-Italic"/>
-              </a:rPr>
-              <a:t>A:  Bias refers to predictions that are </a:t>
-            </a:r>
-            <a:r>
-              <a:rPr lang="en-US" sz="3000" i="1" dirty="0" smtClean="0">
-                <a:latin typeface="PFDinTextCompPro-Italic"/>
-                <a:cs typeface="PFDinTextCompPro-Italic"/>
-              </a:rPr>
-              <a:t>systematically</a:t>
-            </a:r>
-            <a:r>
-              <a:rPr lang="en-US" sz="3000" dirty="0" smtClean="0">
-                <a:latin typeface="PFDinTextCompPro-Italic"/>
-                <a:cs typeface="PFDinTextCompPro-Italic"/>
-              </a:rPr>
-              <a:t> inaccurate.</a:t>
-            </a:r>
-          </a:p>
-          <a:p>
-            <a:pPr algn="l"/>
-            <a:r>
-              <a:rPr lang="en-US" sz="3000" dirty="0" smtClean="0">
-                <a:latin typeface="PFDinTextCompPro-Italic"/>
-                <a:cs typeface="PFDinTextCompPro-Italic"/>
-              </a:rPr>
-              <a:t>     Variance refers to predictions that are </a:t>
-            </a:r>
-            <a:r>
-              <a:rPr lang="en-US" sz="3000" i="1" dirty="0" smtClean="0">
-                <a:latin typeface="PFDinTextCompPro-Italic"/>
-                <a:cs typeface="PFDinTextCompPro-Italic"/>
-              </a:rPr>
-              <a:t>generally</a:t>
-            </a:r>
-            <a:r>
-              <a:rPr lang="en-US" sz="3000" dirty="0" smtClean="0">
-                <a:latin typeface="PFDinTextCompPro-Italic"/>
-                <a:cs typeface="PFDinTextCompPro-Italic"/>
-              </a:rPr>
-              <a:t> inaccurate.</a:t>
-            </a:r>
-          </a:p>
-          <a:p>
-            <a:pPr algn="l"/>
-            <a:endParaRPr lang="en-US" sz="3000" dirty="0">
-              <a:latin typeface="PFDinTextCompPro-Italic"/>
-              <a:cs typeface="PFDinTextCompPro-Italic"/>
-            </a:endParaRPr>
-          </a:p>
-          <a:p>
-            <a:pPr algn="l"/>
-            <a:r>
-              <a:rPr lang="en-US" sz="3000" dirty="0" smtClean="0">
-                <a:latin typeface="PFDinTextCompPro-Italic"/>
-                <a:cs typeface="PFDinTextCompPro-Italic"/>
-              </a:rPr>
-              <a:t>Generalization error can </a:t>
-            </a:r>
-            <a:r>
-              <a:rPr lang="en-US" sz="3000" dirty="0" smtClean="0">
-                <a:latin typeface="PFDinTextCompPro-Italic"/>
-                <a:cs typeface="PFDinTextCompPro-Italic"/>
-              </a:rPr>
-              <a:t>be decomposed into a bias component and variance component.</a:t>
-            </a:r>
-          </a:p>
-        </p:txBody>
-      </p:sp>
-    </p:spTree>
-    <p:extLst>
-      <p:ext uri="{BB962C8B-B14F-4D97-AF65-F5344CB8AC3E}">
-        <p14:creationId xmlns:p14="http://schemas.microsoft.com/office/powerpoint/2010/main" val="3183258518"/>
-      </p:ext>
-    </p:extLst>
-  </p:cSld>
-  <p:clrMapOvr>
-    <a:masterClrMapping/>
-  </p:clrMapOvr>
-  <p:transition xmlns:p14="http://schemas.microsoft.com/office/powerpoint/2010/main"/>
-  <p:timing>
-    <p:tnLst>
-      <p:par>
-        <p:cTn xmlns:p14="http://schemas.microsoft.com/office/powerpoint/2010/main" id="1" dur="indefinite" restart="never" nodeType="tmRoot"/>
-      </p:par>
-    </p:tnLst>
-  </p:timing>
-</p:sld>
-</file>
-
-<file path=ppt/slides/slide27.xml><?xml version="1.0" encoding="utf-8"?>
-<p:sld xmlns:a="http://schemas.openxmlformats.org/drawingml/2006/main" xmlns:r="http://schemas.openxmlformats.org/officeDocument/2006/relationships" xmlns:p="http://schemas.openxmlformats.org/presentationml/2006/main">
-  <p:cSld>
-    <p:spTree>
-      <p:nvGrpSpPr>
-        <p:cNvPr id="1" name=""/>
-        <p:cNvGrpSpPr/>
-        <p:nvPr/>
-      </p:nvGrpSpPr>
-      <p:grpSpPr>
-        <a:xfrm>
-          <a:off x="0" y="0"/>
-          <a:ext cx="0" cy="0"/>
-          <a:chOff x="0" y="0"/>
-          <a:chExt cx="0" cy="0"/>
-        </a:xfrm>
-      </p:grpSpPr>
-      <p:sp>
-        <p:nvSpPr>
-          <p:cNvPr id="4" name="Content Placeholder 3"/>
-          <p:cNvSpPr>
-            <a:spLocks noGrp="1"/>
-          </p:cNvSpPr>
-          <p:nvPr>
-            <p:ph sz="quarter" idx="11"/>
-          </p:nvPr>
-        </p:nvSpPr>
-        <p:spPr>
-          <a:xfrm>
-            <a:off x="414337" y="495300"/>
-            <a:ext cx="6400800" cy="304800"/>
-          </a:xfrm>
-        </p:spPr>
-        <p:txBody>
-          <a:bodyPr/>
-          <a:lstStyle/>
-          <a:p>
-            <a:pPr eaLnBrk="1" hangingPunct="1">
-              <a:lnSpc>
-                <a:spcPts val="2448"/>
-              </a:lnSpc>
-              <a:defRPr/>
-            </a:pPr>
-            <a:r>
-              <a:rPr lang="en-US" dirty="0" smtClean="0"/>
-              <a:t>Bias-variance tradeoff</a:t>
-            </a:r>
-            <a:endParaRPr lang="en-US" dirty="0"/>
-          </a:p>
-        </p:txBody>
-      </p:sp>
-      <p:sp>
-        <p:nvSpPr>
-          <p:cNvPr id="8" name="Slide Number Placeholder 3"/>
-          <p:cNvSpPr>
-            <a:spLocks noGrp="1"/>
-          </p:cNvSpPr>
-          <p:nvPr>
-            <p:ph type="sldNum" sz="quarter" idx="13"/>
-          </p:nvPr>
-        </p:nvSpPr>
-        <p:spPr/>
-        <p:txBody>
-          <a:bodyPr/>
-          <a:lstStyle/>
-          <a:p>
-            <a:pPr>
-              <a:defRPr/>
-            </a:pPr>
-            <a:fld id="{BD5AD749-DAD1-6A4A-A2AA-CB20EAD0AEB7}" type="slidenum">
-              <a:rPr lang="en-US"/>
-              <a:pPr>
-                <a:defRPr/>
-              </a:pPr>
-              <a:t>27</a:t>
             </a:fld>
             <a:endParaRPr lang="en-US"/>
           </a:p>
@@ -16984,7 +16245,7 @@
 </p:sld>
 </file>
 
-<file path=ppt/slides/slide28.xml><?xml version="1.0" encoding="utf-8"?>
+<file path=ppt/slides/slide26.xml><?xml version="1.0" encoding="utf-8"?>
 <p:sld xmlns:a="http://schemas.openxmlformats.org/drawingml/2006/main" xmlns:r="http://schemas.openxmlformats.org/officeDocument/2006/relationships" xmlns:p="http://schemas.openxmlformats.org/presentationml/2006/main">
   <p:cSld>
     <p:spTree>
@@ -17058,7 +16319,7 @@
               <a:pPr>
                 <a:defRPr/>
               </a:pPr>
-              <a:t>28</a:t>
+              <a:t>26</a:t>
             </a:fld>
             <a:endParaRPr lang="en-US"/>
           </a:p>
@@ -17506,31 +16767,7 @@
                   <a:cs typeface="PFDinTextCompPro-Italic"/>
                   <a:sym typeface="News706 BT" charset="0"/>
                 </a:rPr>
-                <a:t>The </a:t>
-              </a:r>
-              <a:r>
-                <a:rPr lang="en-US" sz="900" dirty="0" smtClean="0">
-                  <a:solidFill>
-                    <a:schemeClr val="tx1"/>
-                  </a:solidFill>
-                  <a:latin typeface="+mn-lt"/>
-                  <a:ea typeface="ＭＳ Ｐゴシック" charset="0"/>
-                  <a:cs typeface="PFDinTextCompPro-Italic"/>
-                  <a:sym typeface="News706 BT" charset="0"/>
-                </a:rPr>
-                <a:t>“meta-parameter</a:t>
-              </a:r>
-              <a:r>
-                <a:rPr lang="en-US" sz="900" dirty="0" smtClean="0">
-                  <a:solidFill>
-                    <a:schemeClr val="tx1"/>
-                  </a:solidFill>
-                  <a:latin typeface="+mn-lt"/>
-                  <a:ea typeface="ＭＳ Ｐゴシック" charset="0"/>
-                  <a:cs typeface="PFDinTextCompPro-Italic"/>
-                  <a:sym typeface="News706 BT" charset="0"/>
-                </a:rPr>
-                <a:t>” (or “</a:t>
+                <a:t>The “meta-parameter” (or “</a:t>
               </a:r>
               <a:r>
                 <a:rPr lang="en-US" sz="900" dirty="0" err="1" smtClean="0">
@@ -17554,41 +16791,8 @@
                   <a:cs typeface="PFDinTextCompPro-Italic"/>
                   <a:sym typeface="News706 BT" charset="0"/>
                 </a:rPr>
-                <a:t>”) </a:t>
+                <a:t>”) here is the lambda we saw above.</a:t>
               </a:r>
-              <a:r>
-                <a:rPr lang="en-US" sz="900" dirty="0" smtClean="0">
-                  <a:solidFill>
-                    <a:schemeClr val="tx1"/>
-                  </a:solidFill>
-                  <a:latin typeface="+mn-lt"/>
-                  <a:ea typeface="ＭＳ Ｐゴシック" charset="0"/>
-                  <a:cs typeface="PFDinTextCompPro-Italic"/>
-                  <a:sym typeface="News706 BT" charset="0"/>
-                </a:rPr>
-                <a:t>here is the lambda we saw above</a:t>
-              </a:r>
-              <a:r>
-                <a:rPr lang="en-US" sz="900" dirty="0" smtClean="0">
-                  <a:solidFill>
-                    <a:schemeClr val="tx1"/>
-                  </a:solidFill>
-                  <a:latin typeface="+mn-lt"/>
-                  <a:ea typeface="ＭＳ Ｐゴシック" charset="0"/>
-                  <a:cs typeface="PFDinTextCompPro-Italic"/>
-                  <a:sym typeface="News706 BT" charset="0"/>
-                </a:rPr>
-                <a:t>.</a:t>
-              </a:r>
-              <a:endParaRPr lang="en-US" sz="900" dirty="0" smtClean="0">
-                <a:solidFill>
-                  <a:schemeClr val="tx1"/>
-                </a:solidFill>
-                <a:latin typeface="+mn-lt"/>
-                <a:ea typeface="ＭＳ Ｐゴシック" charset="0"/>
-                <a:cs typeface="PFDinTextCompPro-Italic"/>
-                <a:sym typeface="News706 BT" charset="0"/>
-              </a:endParaRPr>
             </a:p>
           </p:txBody>
         </p:sp>
@@ -17614,7 +16818,7 @@
 </p:sld>
 </file>
 
-<file path=ppt/slides/slide29.xml><?xml version="1.0" encoding="utf-8"?>
+<file path=ppt/slides/slide27.xml><?xml version="1.0" encoding="utf-8"?>
 <p:sld xmlns:a="http://schemas.openxmlformats.org/drawingml/2006/main" xmlns:r="http://schemas.openxmlformats.org/officeDocument/2006/relationships" xmlns:p="http://schemas.openxmlformats.org/presentationml/2006/main">
   <p:cSld>
     <p:spTree>
@@ -18039,14 +17243,7 @@
                 <a:latin typeface="PFDinTextCompPro-Italic"/>
                 <a:cs typeface="PFDinTextCompPro-Italic"/>
               </a:rPr>
-              <a:t>, which we’ve already </a:t>
-            </a:r>
-            <a:r>
-              <a:rPr lang="en-US" sz="3000" dirty="0" smtClean="0">
-                <a:latin typeface="PFDinTextCompPro-Italic"/>
-                <a:cs typeface="PFDinTextCompPro-Italic"/>
-              </a:rPr>
-              <a:t>seen.</a:t>
+              <a:t>, which we’ve already seen.</a:t>
             </a:r>
             <a:endParaRPr lang="en-US" sz="3000" dirty="0">
               <a:latin typeface="PFDinTextCompPro-Italic"/>
@@ -18112,7 +17309,7 @@
               <a:pPr>
                 <a:defRPr/>
               </a:pPr>
-              <a:t>29</a:t>
+              <a:t>27</a:t>
             </a:fld>
             <a:endParaRPr lang="en-US"/>
           </a:p>
@@ -18139,7 +17336,7 @@
 </p:sld>
 </file>
 
-<file path=ppt/slides/slide3.xml><?xml version="1.0" encoding="utf-8"?>
+<file path=ppt/slides/slide28.xml><?xml version="1.0" encoding="utf-8"?>
 <p:sld xmlns:a="http://schemas.openxmlformats.org/drawingml/2006/main" xmlns:r="http://schemas.openxmlformats.org/officeDocument/2006/relationships" xmlns:p="http://schemas.openxmlformats.org/presentationml/2006/main">
   <p:cSld>
     <p:spTree>
@@ -18158,127 +17355,6 @@
       </p:grpSpPr>
       <p:sp>
         <p:nvSpPr>
-          <p:cNvPr id="2" name="Title 1"/>
-          <p:cNvSpPr>
-            <a:spLocks noGrp="1"/>
-          </p:cNvSpPr>
-          <p:nvPr>
-            <p:ph type="title"/>
-          </p:nvPr>
-        </p:nvSpPr>
-        <p:spPr>
-          <a:xfrm>
-            <a:off x="347663" y="3467100"/>
-            <a:ext cx="8426450" cy="1828800"/>
-          </a:xfrm>
-        </p:spPr>
-        <p:txBody>
-          <a:bodyPr/>
-          <a:lstStyle/>
-          <a:p>
-            <a:pPr>
-              <a:defRPr/>
-            </a:pPr>
-            <a:r>
-              <a:rPr lang="en-US" sz="7300" cap="none" dirty="0" smtClean="0"/>
-              <a:t/>
-            </a:r>
-            <a:br>
-              <a:rPr lang="en-US" sz="7300" cap="none" dirty="0" smtClean="0"/>
-            </a:br>
-            <a:r>
-              <a:rPr lang="en-US" sz="7300" cap="none" dirty="0" smtClean="0"/>
-              <a:t>I</a:t>
-            </a:r>
-            <a:r>
-              <a:rPr lang="en-US" sz="7300" cap="none" dirty="0" smtClean="0"/>
-              <a:t>: REGULARIZATION</a:t>
-            </a:r>
-            <a:endParaRPr lang="en-US" sz="7300" cap="none" dirty="0"/>
-          </a:p>
-        </p:txBody>
-      </p:sp>
-      <p:sp>
-        <p:nvSpPr>
-          <p:cNvPr id="4" name="Content Placeholder 3"/>
-          <p:cNvSpPr>
-            <a:spLocks noGrp="1"/>
-          </p:cNvSpPr>
-          <p:nvPr>
-            <p:ph sz="quarter" idx="11"/>
-          </p:nvPr>
-        </p:nvSpPr>
-        <p:spPr>
-          <a:xfrm>
-            <a:off x="371475" y="495300"/>
-            <a:ext cx="6400800" cy="304800"/>
-          </a:xfrm>
-        </p:spPr>
-        <p:txBody>
-          <a:bodyPr wrap="square" lIns="91440" tIns="45720" rIns="91440" bIns="45720" numCol="1" anchor="t" anchorCtr="0" compatLnSpc="1">
-            <a:prstTxWarp prst="textNoShape">
-              <a:avLst/>
-            </a:prstTxWarp>
-          </a:bodyPr>
-          <a:lstStyle/>
-          <a:p>
-            <a:pPr marL="0" indent="0"/>
-            <a:r>
-              <a:rPr lang="en-US" cap="none" dirty="0" smtClean="0">
-                <a:latin typeface="PFDinTextCompPro-Bold" charset="0"/>
-                <a:ea typeface="ヒラギノ角ゴ ProN W3" charset="0"/>
-                <a:cs typeface="ヒラギノ角ゴ ProN W3" charset="0"/>
-              </a:rPr>
-              <a:t>INTRO TO DATA SCIENCE</a:t>
-            </a:r>
-            <a:endParaRPr lang="en-US" cap="none" dirty="0">
-              <a:latin typeface="PFDinTextCompPro-Bold" charset="0"/>
-              <a:ea typeface="ヒラギノ角ゴ ProN W3" charset="0"/>
-              <a:cs typeface="ヒラギノ角ゴ ProN W3" charset="0"/>
-            </a:endParaRPr>
-          </a:p>
-        </p:txBody>
-      </p:sp>
-    </p:spTree>
-    <p:extLst>
-      <p:ext uri="{BB962C8B-B14F-4D97-AF65-F5344CB8AC3E}">
-        <p14:creationId xmlns:p14="http://schemas.microsoft.com/office/powerpoint/2010/main" val="2149917253"/>
-      </p:ext>
-    </p:extLst>
-  </p:cSld>
-  <p:clrMapOvr>
-    <a:masterClrMapping/>
-  </p:clrMapOvr>
-  <p:transition xmlns:p14="http://schemas.microsoft.com/office/powerpoint/2010/main"/>
-  <p:timing>
-    <p:tnLst>
-      <p:par>
-        <p:cTn xmlns:p14="http://schemas.microsoft.com/office/powerpoint/2010/main" id="1" dur="indefinite" restart="never" nodeType="tmRoot"/>
-      </p:par>
-    </p:tnLst>
-  </p:timing>
-</p:sld>
-</file>
-
-<file path=ppt/slides/slide30.xml><?xml version="1.0" encoding="utf-8"?>
-<p:sld xmlns:a="http://schemas.openxmlformats.org/drawingml/2006/main" xmlns:r="http://schemas.openxmlformats.org/officeDocument/2006/relationships" xmlns:p="http://schemas.openxmlformats.org/presentationml/2006/main">
-  <p:cSld>
-    <p:spTree>
-      <p:nvGrpSpPr>
-        <p:cNvPr id="1" name=""/>
-        <p:cNvGrpSpPr/>
-        <p:nvPr/>
-      </p:nvGrpSpPr>
-      <p:grpSpPr>
-        <a:xfrm>
-          <a:off x="0" y="0"/>
-          <a:ext cx="0" cy="0"/>
-          <a:chOff x="0" y="0"/>
-          <a:chExt cx="0" cy="0"/>
-        </a:xfrm>
-      </p:grpSpPr>
-      <p:sp>
-        <p:nvSpPr>
           <p:cNvPr id="10" name="TextBox 9"/>
           <p:cNvSpPr txBox="1"/>
           <p:nvPr/>
@@ -18685,14 +17761,7 @@
                 <a:latin typeface="PFDinTextCompPro-Italic"/>
                 <a:cs typeface="PFDinTextCompPro-Italic"/>
               </a:rPr>
-              <a:t>, which we’ve already </a:t>
-            </a:r>
-            <a:r>
-              <a:rPr lang="en-US" sz="3000" dirty="0" smtClean="0">
-                <a:latin typeface="PFDinTextCompPro-Italic"/>
-                <a:cs typeface="PFDinTextCompPro-Italic"/>
-              </a:rPr>
-              <a:t>seen.</a:t>
+              <a:t>, which we’ve already seen.</a:t>
             </a:r>
             <a:endParaRPr lang="en-US" sz="3000" dirty="0">
               <a:latin typeface="PFDinTextCompPro-Italic"/>
@@ -18758,7 +17827,7 @@
               <a:pPr>
                 <a:defRPr/>
               </a:pPr>
-              <a:t>30</a:t>
+              <a:t>28</a:t>
             </a:fld>
             <a:endParaRPr lang="en-US"/>
           </a:p>
@@ -19008,15 +18077,6 @@
                 </a:rPr>
                 <a:t> regularization.</a:t>
               </a:r>
-              <a:endParaRPr lang="en-US" sz="900" dirty="0" smtClean="0">
-                <a:solidFill>
-                  <a:schemeClr val="tx1"/>
-                </a:solidFill>
-                <a:latin typeface="+mn-lt"/>
-                <a:ea typeface="ＭＳ Ｐゴシック" charset="0"/>
-                <a:cs typeface="PFDinTextCompPro-Italic"/>
-                <a:sym typeface="News706 BT" charset="0"/>
-              </a:endParaRPr>
             </a:p>
           </p:txBody>
         </p:sp>
@@ -19042,7 +18102,7 @@
 </p:sld>
 </file>
 
-<file path=ppt/slides/slide31.xml><?xml version="1.0" encoding="utf-8"?>
+<file path=ppt/slides/slide3.xml><?xml version="1.0" encoding="utf-8"?>
 <p:sld xmlns:a="http://schemas.openxmlformats.org/drawingml/2006/main" xmlns:r="http://schemas.openxmlformats.org/officeDocument/2006/relationships" xmlns:p="http://schemas.openxmlformats.org/presentationml/2006/main">
   <p:cSld>
     <p:spTree>
@@ -19061,20 +18121,49 @@
       </p:grpSpPr>
       <p:sp>
         <p:nvSpPr>
-          <p:cNvPr id="2" name="Title 1"/>
+          <p:cNvPr id="4" name="Content Placeholder 3"/>
           <p:cNvSpPr>
             <a:spLocks noGrp="1"/>
           </p:cNvSpPr>
           <p:nvPr>
-            <p:ph type="title"/>
+            <p:ph sz="quarter" idx="11"/>
           </p:nvPr>
         </p:nvSpPr>
         <p:spPr>
           <a:xfrm>
-            <a:off x="347663" y="3467100"/>
-            <a:ext cx="8426450" cy="1066800"/>
+            <a:off x="414337" y="495300"/>
+            <a:ext cx="6400800" cy="304800"/>
           </a:xfrm>
         </p:spPr>
+        <p:txBody>
+          <a:bodyPr/>
+          <a:lstStyle/>
+          <a:p>
+            <a:pPr eaLnBrk="1" hangingPunct="1">
+              <a:lnSpc>
+                <a:spcPts val="2448"/>
+              </a:lnSpc>
+              <a:defRPr/>
+            </a:pPr>
+            <a:r>
+              <a:rPr lang="en-US" dirty="0" err="1" smtClean="0"/>
+              <a:t>Overfitting</a:t>
+            </a:r>
+            <a:endParaRPr lang="en-US" dirty="0"/>
+          </a:p>
+        </p:txBody>
+      </p:sp>
+      <p:sp>
+        <p:nvSpPr>
+          <p:cNvPr id="8" name="Slide Number Placeholder 3"/>
+          <p:cNvSpPr>
+            <a:spLocks noGrp="1"/>
+          </p:cNvSpPr>
+          <p:nvPr>
+            <p:ph type="sldNum" sz="quarter" idx="13"/>
+          </p:nvPr>
+        </p:nvSpPr>
+        <p:spPr/>
         <p:txBody>
           <a:bodyPr/>
           <a:lstStyle/>
@@ -19082,59 +18171,85 @@
             <a:pPr>
               <a:defRPr/>
             </a:pPr>
-            <a:r>
-              <a:rPr lang="en-US" sz="7500" dirty="0" smtClean="0"/>
-              <a:t>Exercises</a:t>
-            </a:r>
-            <a:endParaRPr lang="en-US" sz="7500" dirty="0"/>
-          </a:p>
-        </p:txBody>
-      </p:sp>
-      <p:sp>
-        <p:nvSpPr>
-          <p:cNvPr id="4" name="Content Placeholder 3"/>
-          <p:cNvSpPr>
-            <a:spLocks noGrp="1"/>
-          </p:cNvSpPr>
-          <p:nvPr>
-            <p:ph sz="quarter" idx="11"/>
-          </p:nvPr>
+            <a:fld id="{BD5AD749-DAD1-6A4A-A2AA-CB20EAD0AEB7}" type="slidenum">
+              <a:rPr lang="en-US"/>
+              <a:pPr>
+                <a:defRPr/>
+              </a:pPr>
+              <a:t>3</a:t>
+            </a:fld>
+            <a:endParaRPr lang="en-US"/>
+          </a:p>
+        </p:txBody>
+      </p:sp>
+      <p:sp>
+        <p:nvSpPr>
+          <p:cNvPr id="6" name="TextBox 5"/>
+          <p:cNvSpPr txBox="1"/>
+          <p:nvPr/>
         </p:nvSpPr>
         <p:spPr>
           <a:xfrm>
-            <a:off x="371475" y="495300"/>
-            <a:ext cx="6400800" cy="304800"/>
+            <a:off x="566737" y="1133713"/>
+            <a:ext cx="8382000" cy="1938992"/>
           </a:xfrm>
+          <a:prstGeom prst="rect">
+            <a:avLst/>
+          </a:prstGeom>
+          <a:noFill/>
         </p:spPr>
         <p:txBody>
-          <a:bodyPr wrap="square" lIns="91440" tIns="45720" rIns="91440" bIns="45720" numCol="1" anchor="t" anchorCtr="0" compatLnSpc="1">
-            <a:prstTxWarp prst="textNoShape">
-              <a:avLst/>
-            </a:prstTxWarp>
+          <a:bodyPr wrap="square" rtlCol="0">
+            <a:spAutoFit/>
           </a:bodyPr>
           <a:lstStyle/>
           <a:p>
-            <a:pPr marL="0" indent="0"/>
-            <a:r>
-              <a:rPr lang="en-US" cap="none" dirty="0" smtClean="0">
-                <a:latin typeface="PFDinTextCompPro-Bold" charset="0"/>
-                <a:ea typeface="ヒラギノ角ゴ ProN W3" charset="0"/>
-                <a:cs typeface="ヒラギノ角ゴ ProN W3" charset="0"/>
-              </a:rPr>
-              <a:t>INTRO TO DATA SCIENCE</a:t>
-            </a:r>
-            <a:endParaRPr lang="en-US" cap="none" dirty="0">
-              <a:latin typeface="PFDinTextCompPro-Bold" charset="0"/>
-              <a:ea typeface="ヒラギノ角ゴ ProN W3" charset="0"/>
-              <a:cs typeface="ヒラギノ角ゴ ProN W3" charset="0"/>
+            <a:pPr algn="l"/>
+            <a:r>
+              <a:rPr lang="en-US" sz="3000" dirty="0" smtClean="0">
+                <a:latin typeface="PFDinTextCompPro-Italic"/>
+                <a:cs typeface="PFDinTextCompPro-Italic"/>
+              </a:rPr>
+              <a:t>Recall our earlier discussion of </a:t>
+            </a:r>
+            <a:r>
+              <a:rPr lang="en-US" sz="3000" dirty="0" err="1" smtClean="0">
+                <a:latin typeface="PFDinTextCompPro-Medium"/>
+                <a:cs typeface="PFDinTextCompPro-Medium"/>
+              </a:rPr>
+              <a:t>overfitting</a:t>
+            </a:r>
+            <a:r>
+              <a:rPr lang="en-US" sz="3000" dirty="0" smtClean="0">
+                <a:latin typeface="PFDinTextCompPro-Italic"/>
+                <a:cs typeface="PFDinTextCompPro-Italic"/>
+              </a:rPr>
+              <a:t>.</a:t>
+            </a:r>
+          </a:p>
+          <a:p>
+            <a:pPr algn="l"/>
+            <a:endParaRPr lang="en-US" sz="3000" dirty="0">
+              <a:latin typeface="PFDinTextCompPro-Italic"/>
+              <a:cs typeface="PFDinTextCompPro-Italic"/>
             </a:endParaRPr>
+          </a:p>
+          <a:p>
+            <a:pPr algn="l"/>
+            <a:r>
+              <a:rPr lang="en-US" sz="3000" dirty="0" smtClean="0">
+                <a:latin typeface="PFDinTextCompPro-Italic"/>
+                <a:cs typeface="PFDinTextCompPro-Italic"/>
+              </a:rPr>
+              <a:t>When we talked about this in the context of classification, we said that it was a result of matching the training set too closely.</a:t>
+            </a:r>
           </a:p>
         </p:txBody>
       </p:sp>
     </p:spTree>
     <p:extLst>
       <p:ext uri="{BB962C8B-B14F-4D97-AF65-F5344CB8AC3E}">
-        <p14:creationId xmlns:p14="http://schemas.microsoft.com/office/powerpoint/2010/main" val="1427883577"/>
+        <p14:creationId xmlns:p14="http://schemas.microsoft.com/office/powerpoint/2010/main" val="2863977408"/>
       </p:ext>
     </p:extLst>
   </p:cSld>
@@ -19241,7 +18356,7 @@
         <p:spPr>
           <a:xfrm>
             <a:off x="566737" y="1133713"/>
-            <a:ext cx="8382000" cy="553998"/>
+            <a:ext cx="8382000" cy="3323987"/>
           </a:xfrm>
           <a:prstGeom prst="rect">
             <a:avLst/>
@@ -19277,12 +18392,88 @@
               <a:t>.</a:t>
             </a:r>
           </a:p>
+          <a:p>
+            <a:pPr algn="l"/>
+            <a:endParaRPr lang="en-US" sz="3000" dirty="0">
+              <a:latin typeface="PFDinTextCompPro-Italic"/>
+              <a:cs typeface="PFDinTextCompPro-Italic"/>
+            </a:endParaRPr>
+          </a:p>
+          <a:p>
+            <a:pPr algn="l"/>
+            <a:r>
+              <a:rPr lang="en-US" sz="3000" dirty="0" smtClean="0">
+                <a:latin typeface="PFDinTextCompPro-Italic"/>
+                <a:cs typeface="PFDinTextCompPro-Italic"/>
+              </a:rPr>
+              <a:t>When we talked about this in the context of classification, we said that it was a result of matching the training set too closely.</a:t>
+            </a:r>
+          </a:p>
+          <a:p>
+            <a:pPr algn="l"/>
+            <a:endParaRPr lang="en-US" sz="3000" dirty="0">
+              <a:latin typeface="PFDinTextCompPro-Italic"/>
+              <a:cs typeface="PFDinTextCompPro-Italic"/>
+            </a:endParaRPr>
+          </a:p>
+          <a:p>
+            <a:pPr algn="l"/>
+            <a:r>
+              <a:rPr lang="en-US" sz="3000" dirty="0" smtClean="0">
+                <a:latin typeface="PFDinTextCompPro-Italic"/>
+                <a:cs typeface="PFDinTextCompPro-Italic"/>
+              </a:rPr>
+              <a:t>In other words, a model that is </a:t>
+            </a:r>
+            <a:r>
+              <a:rPr lang="en-US" sz="3000" dirty="0" err="1" smtClean="0">
+                <a:latin typeface="PFDinTextCompPro-Italic"/>
+                <a:cs typeface="PFDinTextCompPro-Italic"/>
+              </a:rPr>
+              <a:t>overfit</a:t>
+            </a:r>
+            <a:r>
+              <a:rPr lang="en-US" sz="3000" dirty="0" smtClean="0">
+                <a:latin typeface="PFDinTextCompPro-Italic"/>
+                <a:cs typeface="PFDinTextCompPro-Italic"/>
+              </a:rPr>
+              <a:t> has learned from the </a:t>
+            </a:r>
+            <a:r>
+              <a:rPr lang="en-US" sz="3000" dirty="0" smtClean="0">
+                <a:latin typeface="PFDinTextCompPro-Medium"/>
+                <a:cs typeface="PFDinTextCompPro-Medium"/>
+              </a:rPr>
+              <a:t>noise</a:t>
+            </a:r>
+            <a:r>
+              <a:rPr lang="en-US" sz="3000" dirty="0" smtClean="0">
+                <a:latin typeface="PFDinTextCompPro-Italic"/>
+                <a:cs typeface="PFDinTextCompPro-Italic"/>
+              </a:rPr>
+              <a:t> in the dataset instead of just the </a:t>
+            </a:r>
+            <a:r>
+              <a:rPr lang="en-US" sz="3000" dirty="0" smtClean="0">
+                <a:latin typeface="PFDinTextCompPro-Medium"/>
+                <a:cs typeface="PFDinTextCompPro-Medium"/>
+              </a:rPr>
+              <a:t>signal</a:t>
+            </a:r>
+            <a:r>
+              <a:rPr lang="en-US" sz="3000" dirty="0" smtClean="0">
+                <a:latin typeface="PFDinTextCompPro-Italic"/>
+                <a:cs typeface="PFDinTextCompPro-Italic"/>
+              </a:rPr>
+              <a:t>.</a:t>
+            </a:r>
+          </a:p>
         </p:txBody>
       </p:sp>
     </p:spTree>
     <p:extLst>
       <p:ext uri="{BB962C8B-B14F-4D97-AF65-F5344CB8AC3E}">
-        <p14:creationId xmlns:p14="http://schemas.microsoft.com/office/powerpoint/2010/main" val="2389589246"/>
+        <p14:creationId xmlns:p14="http://schemas.microsoft.com/office/powerpoint/2010/main" val="152691762"/>
       </p:ext>
     </p:extLst>
   </p:cSld>
@@ -19347,6 +18538,10 @@
               <a:rPr lang="en-US" dirty="0" err="1" smtClean="0"/>
               <a:t>Overfitting</a:t>
             </a:r>
+            <a:r>
+              <a:rPr lang="en-US" dirty="0" smtClean="0"/>
+              <a:t> example (classification)</a:t>
+            </a:r>
             <a:endParaRPr lang="en-US" dirty="0"/>
           </a:p>
         </p:txBody>
@@ -19375,420 +18570,6 @@
                 <a:defRPr/>
               </a:pPr>
               <a:t>5</a:t>
-            </a:fld>
-            <a:endParaRPr lang="en-US"/>
-          </a:p>
-        </p:txBody>
-      </p:sp>
-      <p:sp>
-        <p:nvSpPr>
-          <p:cNvPr id="6" name="TextBox 5"/>
-          <p:cNvSpPr txBox="1"/>
-          <p:nvPr/>
-        </p:nvSpPr>
-        <p:spPr>
-          <a:xfrm>
-            <a:off x="566737" y="1133713"/>
-            <a:ext cx="8382000" cy="1938992"/>
-          </a:xfrm>
-          <a:prstGeom prst="rect">
-            <a:avLst/>
-          </a:prstGeom>
-          <a:noFill/>
-        </p:spPr>
-        <p:txBody>
-          <a:bodyPr wrap="square" rtlCol="0">
-            <a:spAutoFit/>
-          </a:bodyPr>
-          <a:lstStyle/>
-          <a:p>
-            <a:pPr algn="l"/>
-            <a:r>
-              <a:rPr lang="en-US" sz="3000" dirty="0" smtClean="0">
-                <a:latin typeface="PFDinTextCompPro-Italic"/>
-                <a:cs typeface="PFDinTextCompPro-Italic"/>
-              </a:rPr>
-              <a:t>Recall our earlier discussion of </a:t>
-            </a:r>
-            <a:r>
-              <a:rPr lang="en-US" sz="3000" dirty="0" err="1" smtClean="0">
-                <a:latin typeface="PFDinTextCompPro-Medium"/>
-                <a:cs typeface="PFDinTextCompPro-Medium"/>
-              </a:rPr>
-              <a:t>overfitting</a:t>
-            </a:r>
-            <a:r>
-              <a:rPr lang="en-US" sz="3000" dirty="0" smtClean="0">
-                <a:latin typeface="PFDinTextCompPro-Italic"/>
-                <a:cs typeface="PFDinTextCompPro-Italic"/>
-              </a:rPr>
-              <a:t>.</a:t>
-            </a:r>
-          </a:p>
-          <a:p>
-            <a:pPr algn="l"/>
-            <a:endParaRPr lang="en-US" sz="3000" dirty="0">
-              <a:latin typeface="PFDinTextCompPro-Italic"/>
-              <a:cs typeface="PFDinTextCompPro-Italic"/>
-            </a:endParaRPr>
-          </a:p>
-          <a:p>
-            <a:pPr algn="l"/>
-            <a:r>
-              <a:rPr lang="en-US" sz="3000" dirty="0" smtClean="0">
-                <a:latin typeface="PFDinTextCompPro-Italic"/>
-                <a:cs typeface="PFDinTextCompPro-Italic"/>
-              </a:rPr>
-              <a:t>When we talked about this in the context of classification, we said that it was a result of matching the training set too closely.</a:t>
-            </a:r>
-          </a:p>
-        </p:txBody>
-      </p:sp>
-    </p:spTree>
-    <p:extLst>
-      <p:ext uri="{BB962C8B-B14F-4D97-AF65-F5344CB8AC3E}">
-        <p14:creationId xmlns:p14="http://schemas.microsoft.com/office/powerpoint/2010/main" val="2863977408"/>
-      </p:ext>
-    </p:extLst>
-  </p:cSld>
-  <p:clrMapOvr>
-    <a:masterClrMapping/>
-  </p:clrMapOvr>
-  <p:transition xmlns:p14="http://schemas.microsoft.com/office/powerpoint/2010/main"/>
-  <p:timing>
-    <p:tnLst>
-      <p:par>
-        <p:cTn xmlns:p14="http://schemas.microsoft.com/office/powerpoint/2010/main" id="1" dur="indefinite" restart="never" nodeType="tmRoot"/>
-      </p:par>
-    </p:tnLst>
-  </p:timing>
-</p:sld>
-</file>
-
-<file path=ppt/slides/slide6.xml><?xml version="1.0" encoding="utf-8"?>
-<p:sld xmlns:a="http://schemas.openxmlformats.org/drawingml/2006/main" xmlns:r="http://schemas.openxmlformats.org/officeDocument/2006/relationships" xmlns:p="http://schemas.openxmlformats.org/presentationml/2006/main">
-  <p:cSld>
-    <p:spTree>
-      <p:nvGrpSpPr>
-        <p:cNvPr id="1" name=""/>
-        <p:cNvGrpSpPr/>
-        <p:nvPr/>
-      </p:nvGrpSpPr>
-      <p:grpSpPr>
-        <a:xfrm>
-          <a:off x="0" y="0"/>
-          <a:ext cx="0" cy="0"/>
-          <a:chOff x="0" y="0"/>
-          <a:chExt cx="0" cy="0"/>
-        </a:xfrm>
-      </p:grpSpPr>
-      <p:sp>
-        <p:nvSpPr>
-          <p:cNvPr id="4" name="Content Placeholder 3"/>
-          <p:cNvSpPr>
-            <a:spLocks noGrp="1"/>
-          </p:cNvSpPr>
-          <p:nvPr>
-            <p:ph sz="quarter" idx="11"/>
-          </p:nvPr>
-        </p:nvSpPr>
-        <p:spPr>
-          <a:xfrm>
-            <a:off x="414337" y="495300"/>
-            <a:ext cx="6400800" cy="304800"/>
-          </a:xfrm>
-        </p:spPr>
-        <p:txBody>
-          <a:bodyPr/>
-          <a:lstStyle/>
-          <a:p>
-            <a:pPr eaLnBrk="1" hangingPunct="1">
-              <a:lnSpc>
-                <a:spcPts val="2448"/>
-              </a:lnSpc>
-              <a:defRPr/>
-            </a:pPr>
-            <a:r>
-              <a:rPr lang="en-US" dirty="0" err="1" smtClean="0"/>
-              <a:t>Overfitting</a:t>
-            </a:r>
-            <a:endParaRPr lang="en-US" dirty="0"/>
-          </a:p>
-        </p:txBody>
-      </p:sp>
-      <p:sp>
-        <p:nvSpPr>
-          <p:cNvPr id="8" name="Slide Number Placeholder 3"/>
-          <p:cNvSpPr>
-            <a:spLocks noGrp="1"/>
-          </p:cNvSpPr>
-          <p:nvPr>
-            <p:ph type="sldNum" sz="quarter" idx="13"/>
-          </p:nvPr>
-        </p:nvSpPr>
-        <p:spPr/>
-        <p:txBody>
-          <a:bodyPr/>
-          <a:lstStyle/>
-          <a:p>
-            <a:pPr>
-              <a:defRPr/>
-            </a:pPr>
-            <a:fld id="{BD5AD749-DAD1-6A4A-A2AA-CB20EAD0AEB7}" type="slidenum">
-              <a:rPr lang="en-US"/>
-              <a:pPr>
-                <a:defRPr/>
-              </a:pPr>
-              <a:t>6</a:t>
-            </a:fld>
-            <a:endParaRPr lang="en-US"/>
-          </a:p>
-        </p:txBody>
-      </p:sp>
-      <p:sp>
-        <p:nvSpPr>
-          <p:cNvPr id="6" name="TextBox 5"/>
-          <p:cNvSpPr txBox="1"/>
-          <p:nvPr/>
-        </p:nvSpPr>
-        <p:spPr>
-          <a:xfrm>
-            <a:off x="566737" y="1133713"/>
-            <a:ext cx="8382000" cy="3323987"/>
-          </a:xfrm>
-          <a:prstGeom prst="rect">
-            <a:avLst/>
-          </a:prstGeom>
-          <a:noFill/>
-        </p:spPr>
-        <p:txBody>
-          <a:bodyPr wrap="square" rtlCol="0">
-            <a:spAutoFit/>
-          </a:bodyPr>
-          <a:lstStyle/>
-          <a:p>
-            <a:pPr algn="l"/>
-            <a:r>
-              <a:rPr lang="en-US" sz="3000" dirty="0" smtClean="0">
-                <a:latin typeface="PFDinTextCompPro-Italic"/>
-                <a:cs typeface="PFDinTextCompPro-Italic"/>
-              </a:rPr>
-              <a:t>Recall our earlier discussion of </a:t>
-            </a:r>
-            <a:r>
-              <a:rPr lang="en-US" sz="3000" dirty="0" err="1" smtClean="0">
-                <a:latin typeface="PFDinTextCompPro-Medium"/>
-                <a:cs typeface="PFDinTextCompPro-Medium"/>
-              </a:rPr>
-              <a:t>overfitting</a:t>
-            </a:r>
-            <a:r>
-              <a:rPr lang="en-US" sz="3000" dirty="0" smtClean="0">
-                <a:latin typeface="PFDinTextCompPro-Italic"/>
-                <a:cs typeface="PFDinTextCompPro-Italic"/>
-              </a:rPr>
-              <a:t>.</a:t>
-            </a:r>
-          </a:p>
-          <a:p>
-            <a:pPr algn="l"/>
-            <a:endParaRPr lang="en-US" sz="3000" dirty="0">
-              <a:latin typeface="PFDinTextCompPro-Italic"/>
-              <a:cs typeface="PFDinTextCompPro-Italic"/>
-            </a:endParaRPr>
-          </a:p>
-          <a:p>
-            <a:pPr algn="l"/>
-            <a:r>
-              <a:rPr lang="en-US" sz="3000" dirty="0" smtClean="0">
-                <a:latin typeface="PFDinTextCompPro-Italic"/>
-                <a:cs typeface="PFDinTextCompPro-Italic"/>
-              </a:rPr>
-              <a:t>When we talked about this in the context of classification, we said that it was a result of matching the training set too closely.</a:t>
-            </a:r>
-          </a:p>
-          <a:p>
-            <a:pPr algn="l"/>
-            <a:endParaRPr lang="en-US" sz="3000" dirty="0">
-              <a:latin typeface="PFDinTextCompPro-Italic"/>
-              <a:cs typeface="PFDinTextCompPro-Italic"/>
-            </a:endParaRPr>
-          </a:p>
-          <a:p>
-            <a:pPr algn="l"/>
-            <a:r>
-              <a:rPr lang="en-US" sz="3000" dirty="0" smtClean="0">
-                <a:latin typeface="PFDinTextCompPro-Italic"/>
-                <a:cs typeface="PFDinTextCompPro-Italic"/>
-              </a:rPr>
-              <a:t>In other words, </a:t>
-            </a:r>
-            <a:r>
-              <a:rPr lang="en-US" sz="3000" dirty="0" smtClean="0">
-                <a:latin typeface="PFDinTextCompPro-Italic"/>
-                <a:cs typeface="PFDinTextCompPro-Italic"/>
-              </a:rPr>
-              <a:t>a model that is </a:t>
-            </a:r>
-            <a:r>
-              <a:rPr lang="en-US" sz="3000" dirty="0" err="1" smtClean="0">
-                <a:latin typeface="PFDinTextCompPro-Italic"/>
-                <a:cs typeface="PFDinTextCompPro-Italic"/>
-              </a:rPr>
-              <a:t>overfit</a:t>
-            </a:r>
-            <a:r>
-              <a:rPr lang="en-US" sz="3000" dirty="0" smtClean="0">
-                <a:latin typeface="PFDinTextCompPro-Italic"/>
-                <a:cs typeface="PFDinTextCompPro-Italic"/>
-              </a:rPr>
-              <a:t> has learned from the </a:t>
-            </a:r>
-            <a:r>
-              <a:rPr lang="en-US" sz="3000" dirty="0" smtClean="0">
-                <a:latin typeface="PFDinTextCompPro-Medium"/>
-                <a:cs typeface="PFDinTextCompPro-Medium"/>
-              </a:rPr>
-              <a:t>noise</a:t>
-            </a:r>
-            <a:r>
-              <a:rPr lang="en-US" sz="3000" dirty="0" smtClean="0">
-                <a:latin typeface="PFDinTextCompPro-Italic"/>
-                <a:cs typeface="PFDinTextCompPro-Italic"/>
-              </a:rPr>
-              <a:t> in the dataset instead </a:t>
-            </a:r>
-            <a:r>
-              <a:rPr lang="en-US" sz="3000" dirty="0" smtClean="0">
-                <a:latin typeface="PFDinTextCompPro-Italic"/>
-                <a:cs typeface="PFDinTextCompPro-Italic"/>
-              </a:rPr>
-              <a:t>of just </a:t>
-            </a:r>
-            <a:r>
-              <a:rPr lang="en-US" sz="3000" dirty="0" smtClean="0">
-                <a:latin typeface="PFDinTextCompPro-Italic"/>
-                <a:cs typeface="PFDinTextCompPro-Italic"/>
-              </a:rPr>
-              <a:t>the </a:t>
-            </a:r>
-            <a:r>
-              <a:rPr lang="en-US" sz="3000" dirty="0" smtClean="0">
-                <a:latin typeface="PFDinTextCompPro-Medium"/>
-                <a:cs typeface="PFDinTextCompPro-Medium"/>
-              </a:rPr>
-              <a:t>signal</a:t>
-            </a:r>
-            <a:r>
-              <a:rPr lang="en-US" sz="3000" dirty="0" smtClean="0">
-                <a:latin typeface="PFDinTextCompPro-Italic"/>
-                <a:cs typeface="PFDinTextCompPro-Italic"/>
-              </a:rPr>
-              <a:t>.</a:t>
-            </a:r>
-          </a:p>
-        </p:txBody>
-      </p:sp>
-    </p:spTree>
-    <p:extLst>
-      <p:ext uri="{BB962C8B-B14F-4D97-AF65-F5344CB8AC3E}">
-        <p14:creationId xmlns:p14="http://schemas.microsoft.com/office/powerpoint/2010/main" val="152691762"/>
-      </p:ext>
-    </p:extLst>
-  </p:cSld>
-  <p:clrMapOvr>
-    <a:masterClrMapping/>
-  </p:clrMapOvr>
-  <p:transition xmlns:p14="http://schemas.microsoft.com/office/powerpoint/2010/main"/>
-  <p:timing>
-    <p:tnLst>
-      <p:par>
-        <p:cTn xmlns:p14="http://schemas.microsoft.com/office/powerpoint/2010/main" id="1" dur="indefinite" restart="never" nodeType="tmRoot"/>
-      </p:par>
-    </p:tnLst>
-  </p:timing>
-</p:sld>
-</file>
-
-<file path=ppt/slides/slide7.xml><?xml version="1.0" encoding="utf-8"?>
-<p:sld xmlns:a="http://schemas.openxmlformats.org/drawingml/2006/main" xmlns:r="http://schemas.openxmlformats.org/officeDocument/2006/relationships" xmlns:p="http://schemas.openxmlformats.org/presentationml/2006/main">
-  <p:cSld>
-    <p:spTree>
-      <p:nvGrpSpPr>
-        <p:cNvPr id="1" name=""/>
-        <p:cNvGrpSpPr/>
-        <p:nvPr/>
-      </p:nvGrpSpPr>
-      <p:grpSpPr>
-        <a:xfrm>
-          <a:off x="0" y="0"/>
-          <a:ext cx="0" cy="0"/>
-          <a:chOff x="0" y="0"/>
-          <a:chExt cx="0" cy="0"/>
-        </a:xfrm>
-      </p:grpSpPr>
-      <p:sp>
-        <p:nvSpPr>
-          <p:cNvPr id="4" name="Content Placeholder 3"/>
-          <p:cNvSpPr>
-            <a:spLocks noGrp="1"/>
-          </p:cNvSpPr>
-          <p:nvPr>
-            <p:ph sz="quarter" idx="11"/>
-          </p:nvPr>
-        </p:nvSpPr>
-        <p:spPr>
-          <a:xfrm>
-            <a:off x="414337" y="495300"/>
-            <a:ext cx="6400800" cy="304800"/>
-          </a:xfrm>
-        </p:spPr>
-        <p:txBody>
-          <a:bodyPr/>
-          <a:lstStyle/>
-          <a:p>
-            <a:pPr eaLnBrk="1" hangingPunct="1">
-              <a:lnSpc>
-                <a:spcPts val="2448"/>
-              </a:lnSpc>
-              <a:defRPr/>
-            </a:pPr>
-            <a:r>
-              <a:rPr lang="en-US" dirty="0" err="1" smtClean="0"/>
-              <a:t>Overfitting</a:t>
-            </a:r>
-            <a:r>
-              <a:rPr lang="en-US" dirty="0" smtClean="0"/>
-              <a:t> example (classification)</a:t>
-            </a:r>
-            <a:endParaRPr lang="en-US" dirty="0"/>
-          </a:p>
-        </p:txBody>
-      </p:sp>
-      <p:sp>
-        <p:nvSpPr>
-          <p:cNvPr id="8" name="Slide Number Placeholder 3"/>
-          <p:cNvSpPr>
-            <a:spLocks noGrp="1"/>
-          </p:cNvSpPr>
-          <p:nvPr>
-            <p:ph type="sldNum" sz="quarter" idx="13"/>
-          </p:nvPr>
-        </p:nvSpPr>
-        <p:spPr/>
-        <p:txBody>
-          <a:bodyPr/>
-          <a:lstStyle/>
-          <a:p>
-            <a:pPr>
-              <a:defRPr/>
-            </a:pPr>
-            <a:fld id="{BD5AD749-DAD1-6A4A-A2AA-CB20EAD0AEB7}" type="slidenum">
-              <a:rPr lang="en-US"/>
-              <a:pPr>
-                <a:defRPr/>
-              </a:pPr>
-              <a:t>7</a:t>
             </a:fld>
             <a:endParaRPr lang="en-US"/>
           </a:p>
@@ -19910,6 +18691,367 @@
 </p:sld>
 </file>
 
+<file path=ppt/slides/slide6.xml><?xml version="1.0" encoding="utf-8"?>
+<p:sld xmlns:a="http://schemas.openxmlformats.org/drawingml/2006/main" xmlns:r="http://schemas.openxmlformats.org/officeDocument/2006/relationships" xmlns:p="http://schemas.openxmlformats.org/presentationml/2006/main">
+  <p:cSld>
+    <p:spTree>
+      <p:nvGrpSpPr>
+        <p:cNvPr id="1" name=""/>
+        <p:cNvGrpSpPr/>
+        <p:nvPr/>
+      </p:nvGrpSpPr>
+      <p:grpSpPr>
+        <a:xfrm>
+          <a:off x="0" y="0"/>
+          <a:ext cx="0" cy="0"/>
+          <a:chOff x="0" y="0"/>
+          <a:chExt cx="0" cy="0"/>
+        </a:xfrm>
+      </p:grpSpPr>
+      <p:sp>
+        <p:nvSpPr>
+          <p:cNvPr id="4" name="Content Placeholder 3"/>
+          <p:cNvSpPr>
+            <a:spLocks noGrp="1"/>
+          </p:cNvSpPr>
+          <p:nvPr>
+            <p:ph sz="quarter" idx="11"/>
+          </p:nvPr>
+        </p:nvSpPr>
+        <p:spPr>
+          <a:xfrm>
+            <a:off x="414337" y="495300"/>
+            <a:ext cx="6400800" cy="304800"/>
+          </a:xfrm>
+        </p:spPr>
+        <p:txBody>
+          <a:bodyPr/>
+          <a:lstStyle/>
+          <a:p>
+            <a:pPr eaLnBrk="1" hangingPunct="1">
+              <a:lnSpc>
+                <a:spcPts val="2448"/>
+              </a:lnSpc>
+              <a:defRPr/>
+            </a:pPr>
+            <a:r>
+              <a:rPr lang="en-US" dirty="0" err="1" smtClean="0"/>
+              <a:t>overfitting</a:t>
+            </a:r>
+            <a:endParaRPr lang="en-US" dirty="0"/>
+          </a:p>
+        </p:txBody>
+      </p:sp>
+      <p:sp>
+        <p:nvSpPr>
+          <p:cNvPr id="8" name="Slide Number Placeholder 3"/>
+          <p:cNvSpPr>
+            <a:spLocks noGrp="1"/>
+          </p:cNvSpPr>
+          <p:nvPr>
+            <p:ph type="sldNum" sz="quarter" idx="13"/>
+          </p:nvPr>
+        </p:nvSpPr>
+        <p:spPr/>
+        <p:txBody>
+          <a:bodyPr/>
+          <a:lstStyle/>
+          <a:p>
+            <a:pPr>
+              <a:defRPr/>
+            </a:pPr>
+            <a:fld id="{BD5AD749-DAD1-6A4A-A2AA-CB20EAD0AEB7}" type="slidenum">
+              <a:rPr lang="en-US"/>
+              <a:pPr>
+                <a:defRPr/>
+              </a:pPr>
+              <a:t>6</a:t>
+            </a:fld>
+            <a:endParaRPr lang="en-US"/>
+          </a:p>
+        </p:txBody>
+      </p:sp>
+      <p:sp>
+        <p:nvSpPr>
+          <p:cNvPr id="6" name="TextBox 5"/>
+          <p:cNvSpPr txBox="1"/>
+          <p:nvPr/>
+        </p:nvSpPr>
+        <p:spPr>
+          <a:xfrm>
+            <a:off x="566737" y="1104900"/>
+            <a:ext cx="8382000" cy="3323987"/>
+          </a:xfrm>
+          <a:prstGeom prst="rect">
+            <a:avLst/>
+          </a:prstGeom>
+          <a:noFill/>
+        </p:spPr>
+        <p:txBody>
+          <a:bodyPr wrap="square" rtlCol="0">
+            <a:spAutoFit/>
+          </a:bodyPr>
+          <a:lstStyle/>
+          <a:p>
+            <a:pPr algn="l"/>
+            <a:r>
+              <a:rPr lang="en-US" sz="3000" dirty="0" smtClean="0">
+                <a:latin typeface="PFDinTextCompPro-Italic"/>
+                <a:cs typeface="PFDinTextCompPro-Italic"/>
+              </a:rPr>
+              <a:t>The same thing can happen in regression.</a:t>
+            </a:r>
+          </a:p>
+          <a:p>
+            <a:pPr algn="l"/>
+            <a:endParaRPr lang="en-US" sz="3000" dirty="0">
+              <a:latin typeface="PFDinTextCompPro-Italic"/>
+              <a:cs typeface="PFDinTextCompPro-Italic"/>
+            </a:endParaRPr>
+          </a:p>
+          <a:p>
+            <a:pPr algn="l"/>
+            <a:r>
+              <a:rPr lang="en-US" sz="3000" dirty="0" smtClean="0">
+                <a:latin typeface="PFDinTextCompPro-Italic"/>
+                <a:cs typeface="PFDinTextCompPro-Italic"/>
+              </a:rPr>
+              <a:t>It’s possible to design a regression model that matches the noise in the data instead of the signal.</a:t>
+            </a:r>
+          </a:p>
+          <a:p>
+            <a:pPr algn="l"/>
+            <a:endParaRPr lang="en-US" sz="3000" dirty="0">
+              <a:latin typeface="PFDinTextCompPro-Italic"/>
+              <a:cs typeface="PFDinTextCompPro-Italic"/>
+            </a:endParaRPr>
+          </a:p>
+          <a:p>
+            <a:pPr algn="l"/>
+            <a:r>
+              <a:rPr lang="en-US" sz="3000" dirty="0" smtClean="0">
+                <a:latin typeface="PFDinTextCompPro-Italic"/>
+                <a:cs typeface="PFDinTextCompPro-Italic"/>
+              </a:rPr>
+              <a:t>This happens when our model becomes </a:t>
+            </a:r>
+            <a:r>
+              <a:rPr lang="en-US" sz="3000" i="1" dirty="0" smtClean="0">
+                <a:latin typeface="PFDinTextCompPro-Italic"/>
+                <a:cs typeface="PFDinTextCompPro-Italic"/>
+              </a:rPr>
+              <a:t>too complex</a:t>
+            </a:r>
+            <a:r>
+              <a:rPr lang="en-US" sz="3000" dirty="0" smtClean="0">
+                <a:latin typeface="PFDinTextCompPro-Italic"/>
+                <a:cs typeface="PFDinTextCompPro-Italic"/>
+              </a:rPr>
+              <a:t> for the data to support.</a:t>
+            </a:r>
+          </a:p>
+        </p:txBody>
+      </p:sp>
+    </p:spTree>
+    <p:extLst>
+      <p:ext uri="{BB962C8B-B14F-4D97-AF65-F5344CB8AC3E}">
+        <p14:creationId xmlns:p14="http://schemas.microsoft.com/office/powerpoint/2010/main" val="141424382"/>
+      </p:ext>
+    </p:extLst>
+  </p:cSld>
+  <p:clrMapOvr>
+    <a:masterClrMapping/>
+  </p:clrMapOvr>
+  <p:transition xmlns:p14="http://schemas.microsoft.com/office/powerpoint/2010/main"/>
+  <p:timing>
+    <p:tnLst>
+      <p:par>
+        <p:cTn xmlns:p14="http://schemas.microsoft.com/office/powerpoint/2010/main" id="1" dur="indefinite" restart="never" nodeType="tmRoot"/>
+      </p:par>
+    </p:tnLst>
+  </p:timing>
+</p:sld>
+</file>
+
+<file path=ppt/slides/slide7.xml><?xml version="1.0" encoding="utf-8"?>
+<p:sld xmlns:a="http://schemas.openxmlformats.org/drawingml/2006/main" xmlns:r="http://schemas.openxmlformats.org/officeDocument/2006/relationships" xmlns:p="http://schemas.openxmlformats.org/presentationml/2006/main">
+  <p:cSld>
+    <p:spTree>
+      <p:nvGrpSpPr>
+        <p:cNvPr id="1" name=""/>
+        <p:cNvGrpSpPr/>
+        <p:nvPr/>
+      </p:nvGrpSpPr>
+      <p:grpSpPr>
+        <a:xfrm>
+          <a:off x="0" y="0"/>
+          <a:ext cx="0" cy="0"/>
+          <a:chOff x="0" y="0"/>
+          <a:chExt cx="0" cy="0"/>
+        </a:xfrm>
+      </p:grpSpPr>
+      <p:sp>
+        <p:nvSpPr>
+          <p:cNvPr id="4" name="Content Placeholder 3"/>
+          <p:cNvSpPr>
+            <a:spLocks noGrp="1"/>
+          </p:cNvSpPr>
+          <p:nvPr>
+            <p:ph sz="quarter" idx="11"/>
+          </p:nvPr>
+        </p:nvSpPr>
+        <p:spPr>
+          <a:xfrm>
+            <a:off x="414337" y="495300"/>
+            <a:ext cx="6400800" cy="304800"/>
+          </a:xfrm>
+        </p:spPr>
+        <p:txBody>
+          <a:bodyPr/>
+          <a:lstStyle/>
+          <a:p>
+            <a:pPr eaLnBrk="1" hangingPunct="1">
+              <a:lnSpc>
+                <a:spcPts val="2448"/>
+              </a:lnSpc>
+              <a:defRPr/>
+            </a:pPr>
+            <a:r>
+              <a:rPr lang="en-US" dirty="0" err="1" smtClean="0"/>
+              <a:t>Overfitting</a:t>
+            </a:r>
+            <a:r>
+              <a:rPr lang="en-US" dirty="0" smtClean="0"/>
+              <a:t> example (regression)</a:t>
+            </a:r>
+            <a:endParaRPr lang="en-US" dirty="0"/>
+          </a:p>
+        </p:txBody>
+      </p:sp>
+      <p:sp>
+        <p:nvSpPr>
+          <p:cNvPr id="8" name="Slide Number Placeholder 3"/>
+          <p:cNvSpPr>
+            <a:spLocks noGrp="1"/>
+          </p:cNvSpPr>
+          <p:nvPr>
+            <p:ph type="sldNum" sz="quarter" idx="13"/>
+          </p:nvPr>
+        </p:nvSpPr>
+        <p:spPr/>
+        <p:txBody>
+          <a:bodyPr/>
+          <a:lstStyle/>
+          <a:p>
+            <a:pPr>
+              <a:defRPr/>
+            </a:pPr>
+            <a:fld id="{BD5AD749-DAD1-6A4A-A2AA-CB20EAD0AEB7}" type="slidenum">
+              <a:rPr lang="en-US"/>
+              <a:pPr>
+                <a:defRPr/>
+              </a:pPr>
+              <a:t>7</a:t>
+            </a:fld>
+            <a:endParaRPr lang="en-US"/>
+          </a:p>
+        </p:txBody>
+      </p:sp>
+      <p:pic>
+        <p:nvPicPr>
+          <p:cNvPr id="2" name="Picture 1"/>
+          <p:cNvPicPr>
+            <a:picLocks noChangeAspect="1"/>
+          </p:cNvPicPr>
+          <p:nvPr/>
+        </p:nvPicPr>
+        <p:blipFill>
+          <a:blip r:embed="rId3"/>
+          <a:stretch>
+            <a:fillRect/>
+          </a:stretch>
+        </p:blipFill>
+        <p:spPr>
+          <a:xfrm>
+            <a:off x="2274887" y="952500"/>
+            <a:ext cx="4813300" cy="3870906"/>
+          </a:xfrm>
+          <a:prstGeom prst="rect">
+            <a:avLst/>
+          </a:prstGeom>
+        </p:spPr>
+      </p:pic>
+      <p:sp>
+        <p:nvSpPr>
+          <p:cNvPr id="7" name="TextBox 6"/>
+          <p:cNvSpPr txBox="1"/>
+          <p:nvPr/>
+        </p:nvSpPr>
+        <p:spPr>
+          <a:xfrm>
+            <a:off x="261937" y="4891326"/>
+            <a:ext cx="4515741" cy="215444"/>
+          </a:xfrm>
+          <a:prstGeom prst="rect">
+            <a:avLst/>
+          </a:prstGeom>
+          <a:noFill/>
+        </p:spPr>
+        <p:txBody>
+          <a:bodyPr wrap="square" rtlCol="0">
+            <a:spAutoFit/>
+          </a:bodyPr>
+          <a:lstStyle/>
+          <a:p>
+            <a:pPr algn="l"/>
+            <a:r>
+              <a:rPr lang="en-US" sz="800" i="1" dirty="0" smtClean="0">
+                <a:latin typeface="+mn-lt"/>
+              </a:rPr>
+              <a:t>source: </a:t>
+            </a:r>
+            <a:r>
+              <a:rPr lang="en-US" sz="800" i="1" dirty="0">
+                <a:latin typeface="+mn-lt"/>
+              </a:rPr>
+              <a:t>http://</a:t>
+            </a:r>
+            <a:r>
+              <a:rPr lang="en-US" sz="800" i="1" dirty="0" err="1">
+                <a:latin typeface="+mn-lt"/>
+              </a:rPr>
+              <a:t>www.mit.edu</a:t>
+            </a:r>
+            <a:r>
+              <a:rPr lang="en-US" sz="800" i="1" dirty="0">
+                <a:latin typeface="+mn-lt"/>
+              </a:rPr>
+              <a:t>/~9.520/spring12/slides/class02/class02.pdf</a:t>
+            </a:r>
+          </a:p>
+        </p:txBody>
+      </p:sp>
+    </p:spTree>
+    <p:extLst>
+      <p:ext uri="{BB962C8B-B14F-4D97-AF65-F5344CB8AC3E}">
+        <p14:creationId xmlns:p14="http://schemas.microsoft.com/office/powerpoint/2010/main" val="1195689443"/>
+      </p:ext>
+    </p:extLst>
+  </p:cSld>
+  <p:clrMapOvr>
+    <a:masterClrMapping/>
+  </p:clrMapOvr>
+  <p:transition xmlns:p14="http://schemas.microsoft.com/office/powerpoint/2010/main"/>
+  <p:timing>
+    <p:tnLst>
+      <p:par>
+        <p:cTn xmlns:p14="http://schemas.microsoft.com/office/powerpoint/2010/main" id="1" dur="indefinite" restart="never" nodeType="tmRoot"/>
+      </p:par>
+    </p:tnLst>
+  </p:timing>
+</p:sld>
+</file>
+
 <file path=ppt/slides/slide8.xml><?xml version="1.0" encoding="utf-8"?>
 <p:sld xmlns:a="http://schemas.openxmlformats.org/drawingml/2006/main" xmlns:r="http://schemas.openxmlformats.org/officeDocument/2006/relationships" xmlns:p="http://schemas.openxmlformats.org/presentationml/2006/main">
   <p:cSld>
@@ -19954,8 +19096,8 @@
               <a:defRPr/>
             </a:pPr>
             <a:r>
-              <a:rPr lang="en-US" dirty="0" err="1" smtClean="0"/>
-              <a:t>overfitting</a:t>
+              <a:rPr lang="en-US" dirty="0" smtClean="0"/>
+              <a:t>Model complexity</a:t>
             </a:r>
             <a:endParaRPr lang="en-US" dirty="0"/>
           </a:p>
@@ -19998,8 +19140,8 @@
         </p:nvSpPr>
         <p:spPr>
           <a:xfrm>
-            <a:off x="566737" y="1104900"/>
-            <a:ext cx="8382000" cy="3323987"/>
+            <a:off x="576896" y="1104900"/>
+            <a:ext cx="8382000" cy="553998"/>
           </a:xfrm>
           <a:prstGeom prst="rect">
             <a:avLst/>
@@ -20018,55 +19160,21 @@
                 <a:latin typeface="PFDinTextCompPro-Italic"/>
                 <a:cs typeface="PFDinTextCompPro-Italic"/>
               </a:rPr>
-              <a:t>The same thing can happen in regression.</a:t>
-            </a:r>
-          </a:p>
-          <a:p>
-            <a:pPr algn="l"/>
-            <a:endParaRPr lang="en-US" sz="3000" dirty="0">
-              <a:latin typeface="PFDinTextCompPro-Italic"/>
-              <a:cs typeface="PFDinTextCompPro-Italic"/>
-            </a:endParaRPr>
-          </a:p>
-          <a:p>
-            <a:pPr algn="l"/>
+              <a:t>Q:  How do we define the </a:t>
+            </a:r>
+            <a:r>
+              <a:rPr lang="en-US" sz="3000" dirty="0" smtClean="0">
+                <a:latin typeface="PFDinTextCompPro-Medium"/>
+                <a:cs typeface="PFDinTextCompPro-Medium"/>
+              </a:rPr>
+              <a:t>complexity</a:t>
+            </a:r>
             <a:r>
               <a:rPr lang="en-US" sz="3000" dirty="0" smtClean="0">
                 <a:latin typeface="PFDinTextCompPro-Italic"/>
                 <a:cs typeface="PFDinTextCompPro-Italic"/>
               </a:rPr>
-              <a:t>It’s possible to design a regression model that matches the noise in the data instead of the signal.</a:t>
-            </a:r>
-          </a:p>
-          <a:p>
-            <a:pPr algn="l"/>
-            <a:endParaRPr lang="en-US" sz="3000" dirty="0">
-              <a:latin typeface="PFDinTextCompPro-Italic"/>
-              <a:cs typeface="PFDinTextCompPro-Italic"/>
-            </a:endParaRPr>
-          </a:p>
-          <a:p>
-            <a:pPr algn="l"/>
-            <a:r>
-              <a:rPr lang="en-US" sz="3000" dirty="0" smtClean="0">
-                <a:latin typeface="PFDinTextCompPro-Italic"/>
-                <a:cs typeface="PFDinTextCompPro-Italic"/>
-              </a:rPr>
-              <a:t>This happens when our model becomes </a:t>
-            </a:r>
-            <a:r>
-              <a:rPr lang="en-US" sz="3000" i="1" dirty="0" smtClean="0">
-                <a:latin typeface="PFDinTextCompPro-Italic"/>
-                <a:cs typeface="PFDinTextCompPro-Italic"/>
-              </a:rPr>
-              <a:t>too complex</a:t>
-            </a:r>
-            <a:r>
-              <a:rPr lang="en-US" sz="3000" dirty="0" smtClean="0">
-                <a:latin typeface="PFDinTextCompPro-Italic"/>
-                <a:cs typeface="PFDinTextCompPro-Italic"/>
-              </a:rPr>
-              <a:t> for the data to support.</a:t>
+              <a:t> of a regression model?</a:t>
             </a:r>
           </a:p>
         </p:txBody>
@@ -20074,7 +19182,7 @@
     </p:spTree>
     <p:extLst>
       <p:ext uri="{BB962C8B-B14F-4D97-AF65-F5344CB8AC3E}">
-        <p14:creationId xmlns:p14="http://schemas.microsoft.com/office/powerpoint/2010/main" val="141424382"/>
+        <p14:creationId xmlns:p14="http://schemas.microsoft.com/office/powerpoint/2010/main" val="2151758927"/>
       </p:ext>
     </p:extLst>
   </p:cSld>
@@ -20136,12 +19244,8 @@
               <a:defRPr/>
             </a:pPr>
             <a:r>
-              <a:rPr lang="en-US" dirty="0" err="1" smtClean="0"/>
-              <a:t>Overfitting</a:t>
-            </a:r>
-            <a:r>
               <a:rPr lang="en-US" dirty="0" smtClean="0"/>
-              <a:t> example (regression)</a:t>
+              <a:t>Model complexity</a:t>
             </a:r>
             <a:endParaRPr lang="en-US" dirty="0"/>
           </a:p>
@@ -20176,40 +19280,16 @@
           </a:p>
         </p:txBody>
       </p:sp>
-      <p:pic>
-        <p:nvPicPr>
-          <p:cNvPr id="2" name="Picture 1"/>
-          <p:cNvPicPr>
-            <a:picLocks noChangeAspect="1"/>
-          </p:cNvPicPr>
+      <p:sp>
+        <p:nvSpPr>
+          <p:cNvPr id="6" name="TextBox 5"/>
+          <p:cNvSpPr txBox="1"/>
           <p:nvPr/>
-        </p:nvPicPr>
-        <p:blipFill>
-          <a:blip r:embed="rId3"/>
-          <a:stretch>
-            <a:fillRect/>
-          </a:stretch>
-        </p:blipFill>
+        </p:nvSpPr>
         <p:spPr>
           <a:xfrm>
-            <a:off x="2274887" y="952500"/>
-            <a:ext cx="4813300" cy="3870906"/>
-          </a:xfrm>
-          <a:prstGeom prst="rect">
-            <a:avLst/>
-          </a:prstGeom>
-        </p:spPr>
-      </p:pic>
-      <p:sp>
-        <p:nvSpPr>
-          <p:cNvPr id="7" name="TextBox 6"/>
-          <p:cNvSpPr txBox="1"/>
-          <p:nvPr/>
-        </p:nvSpPr>
-        <p:spPr>
-          <a:xfrm>
-            <a:off x="261937" y="4891326"/>
-            <a:ext cx="4515741" cy="215444"/>
+            <a:off x="576896" y="1104900"/>
+            <a:ext cx="8382000" cy="1938992"/>
           </a:xfrm>
           <a:prstGeom prst="rect">
             <a:avLst/>
@@ -20224,28 +19304,52 @@
           <a:p>
             <a:pPr algn="l"/>
             <a:r>
-              <a:rPr lang="en-US" sz="800" i="1" dirty="0" smtClean="0">
-                <a:latin typeface="+mn-lt"/>
-              </a:rPr>
-              <a:t>source: </a:t>
-            </a:r>
-            <a:r>
-              <a:rPr lang="en-US" sz="800" i="1" dirty="0">
-                <a:latin typeface="+mn-lt"/>
-              </a:rPr>
-              <a:t>http://</a:t>
-            </a:r>
-            <a:r>
-              <a:rPr lang="en-US" sz="800" i="1" dirty="0" err="1">
-                <a:latin typeface="+mn-lt"/>
-              </a:rPr>
-              <a:t>www.mit.edu</a:t>
-            </a:r>
-            <a:r>
-              <a:rPr lang="en-US" sz="800" i="1" dirty="0">
-                <a:latin typeface="+mn-lt"/>
-              </a:rPr>
-              <a:t>/~9.520/spring12/slides/class02/class02.pdf</a:t>
+              <a:rPr lang="en-US" sz="3000" dirty="0" smtClean="0">
+                <a:latin typeface="PFDinTextCompPro-Italic"/>
+                <a:cs typeface="PFDinTextCompPro-Italic"/>
+              </a:rPr>
+              <a:t>Q:  How do we define the </a:t>
+            </a:r>
+            <a:r>
+              <a:rPr lang="en-US" sz="3000" dirty="0" smtClean="0">
+                <a:latin typeface="PFDinTextCompPro-Medium"/>
+                <a:cs typeface="PFDinTextCompPro-Medium"/>
+              </a:rPr>
+              <a:t>complexity</a:t>
+            </a:r>
+            <a:r>
+              <a:rPr lang="en-US" sz="3000" dirty="0" smtClean="0">
+                <a:latin typeface="PFDinTextCompPro-Italic"/>
+                <a:cs typeface="PFDinTextCompPro-Italic"/>
+              </a:rPr>
+              <a:t> of a regression model?</a:t>
+            </a:r>
+          </a:p>
+          <a:p>
+            <a:pPr algn="l"/>
+            <a:endParaRPr lang="en-US" sz="3000" dirty="0" smtClean="0">
+              <a:latin typeface="PFDinTextCompPro-Italic"/>
+              <a:cs typeface="PFDinTextCompPro-Italic"/>
+            </a:endParaRPr>
+          </a:p>
+          <a:p>
+            <a:pPr algn="l"/>
+            <a:r>
+              <a:rPr lang="en-US" sz="3000" dirty="0">
+                <a:latin typeface="PFDinTextCompPro-Italic"/>
+                <a:cs typeface="PFDinTextCompPro-Italic"/>
+              </a:rPr>
+              <a:t>A:  One method is to define complexity as a function of the size of the</a:t>
+            </a:r>
+          </a:p>
+          <a:p>
+            <a:pPr algn="l"/>
+            <a:r>
+              <a:rPr lang="en-US" sz="3000" dirty="0">
+                <a:latin typeface="PFDinTextCompPro-Italic"/>
+                <a:cs typeface="PFDinTextCompPro-Italic"/>
+              </a:rPr>
+              <a:t>     coefficients.</a:t>
             </a:r>
           </a:p>
         </p:txBody>
@@ -20253,7 +19357,7 @@
     </p:spTree>
     <p:extLst>
       <p:ext uri="{BB962C8B-B14F-4D97-AF65-F5344CB8AC3E}">
-        <p14:creationId xmlns:p14="http://schemas.microsoft.com/office/powerpoint/2010/main" val="1195689443"/>
+        <p14:creationId xmlns:p14="http://schemas.microsoft.com/office/powerpoint/2010/main" val="535765825"/>
       </p:ext>
     </p:extLst>
   </p:cSld>

--- a/10-linear_py/slides.pptx
+++ b/10-linear_py/slides.pptx
@@ -13504,7 +13504,7 @@
               <a:t>|</a:t>
             </a:r>
             <a:r>
-              <a:rPr lang="en-US" sz="2500" spc="300" dirty="0">
+              <a:rPr lang="en-US" sz="2500" spc="300" dirty="0" smtClean="0">
                 <a:latin typeface="PFDinTextCompPro-Light"/>
                 <a:cs typeface="PFDinTextCompPro-Light"/>
               </a:rPr>
@@ -13512,13 +13512,13 @@
             </a:r>
             <a:r>
               <a:rPr lang="en-US" sz="2500" i="1" spc="300" dirty="0">
-                <a:latin typeface="+mn-lt"/>
-                <a:cs typeface="PFDinTextCompPro-Italic"/>
-              </a:rPr>
-              <a:t>x</a:t>
-            </a:r>
-            <a:r>
-              <a:rPr lang="en-US" sz="2500" dirty="0">
+                <a:latin typeface="Symbol" charset="2"/>
+                <a:cs typeface="Symbol" charset="2"/>
+              </a:rPr>
+              <a:t>b</a:t>
+            </a:r>
+            <a:r>
+              <a:rPr lang="en-US" sz="2500" dirty="0" smtClean="0">
                 <a:latin typeface="PFDinTextCompPro-Light"/>
                 <a:cs typeface="PFDinTextCompPro-Light"/>
               </a:rPr>
@@ -13651,7 +13651,7 @@
               <a:t>|</a:t>
             </a:r>
             <a:r>
-              <a:rPr lang="en-US" sz="2500" spc="300" dirty="0">
+              <a:rPr lang="en-US" sz="2500" spc="300" dirty="0" smtClean="0">
                 <a:latin typeface="PFDinTextCompPro-Light"/>
                 <a:cs typeface="PFDinTextCompPro-Light"/>
               </a:rPr>
@@ -13659,13 +13659,13 @@
             </a:r>
             <a:r>
               <a:rPr lang="en-US" sz="2500" i="1" spc="300" dirty="0">
-                <a:latin typeface="+mn-lt"/>
-                <a:cs typeface="PFDinTextCompPro-Italic"/>
-              </a:rPr>
-              <a:t>x</a:t>
-            </a:r>
-            <a:r>
-              <a:rPr lang="en-US" sz="2500" dirty="0">
+                <a:latin typeface="Symbol" charset="2"/>
+                <a:cs typeface="Symbol" charset="2"/>
+              </a:rPr>
+              <a:t>b</a:t>
+            </a:r>
+            <a:r>
+              <a:rPr lang="en-US" sz="2500" dirty="0" smtClean="0">
                 <a:latin typeface="PFDinTextCompPro-Light"/>
                 <a:cs typeface="PFDinTextCompPro-Light"/>
               </a:rPr>
@@ -13942,7 +13942,7 @@
               <a:t>|</a:t>
             </a:r>
             <a:r>
-              <a:rPr lang="en-US" sz="2500" spc="300" dirty="0">
+              <a:rPr lang="en-US" sz="2500" spc="300" dirty="0" smtClean="0">
                 <a:latin typeface="PFDinTextCompPro-Light"/>
                 <a:cs typeface="PFDinTextCompPro-Light"/>
               </a:rPr>
@@ -13950,13 +13950,13 @@
             </a:r>
             <a:r>
               <a:rPr lang="en-US" sz="2500" i="1" spc="300" dirty="0">
-                <a:latin typeface="+mn-lt"/>
-                <a:cs typeface="PFDinTextCompPro-Italic"/>
-              </a:rPr>
-              <a:t>x</a:t>
-            </a:r>
-            <a:r>
-              <a:rPr lang="en-US" sz="2500" dirty="0">
+                <a:latin typeface="Symbol" charset="2"/>
+                <a:cs typeface="Symbol" charset="2"/>
+              </a:rPr>
+              <a:t>b</a:t>
+            </a:r>
+            <a:r>
+              <a:rPr lang="en-US" sz="2500" dirty="0" smtClean="0">
                 <a:latin typeface="PFDinTextCompPro-Light"/>
                 <a:cs typeface="PFDinTextCompPro-Light"/>
               </a:rPr>
@@ -14089,7 +14089,7 @@
               <a:t>|</a:t>
             </a:r>
             <a:r>
-              <a:rPr lang="en-US" sz="2500" spc="300" dirty="0">
+              <a:rPr lang="en-US" sz="2500" spc="300" dirty="0" smtClean="0">
                 <a:latin typeface="PFDinTextCompPro-Light"/>
                 <a:cs typeface="PFDinTextCompPro-Light"/>
               </a:rPr>
@@ -14097,13 +14097,13 @@
             </a:r>
             <a:r>
               <a:rPr lang="en-US" sz="2500" i="1" spc="300" dirty="0">
-                <a:latin typeface="+mn-lt"/>
-                <a:cs typeface="PFDinTextCompPro-Italic"/>
-              </a:rPr>
-              <a:t>x</a:t>
-            </a:r>
-            <a:r>
-              <a:rPr lang="en-US" sz="2500" dirty="0">
+                <a:latin typeface="Symbol" charset="2"/>
+                <a:cs typeface="Symbol" charset="2"/>
+              </a:rPr>
+              <a:t>b</a:t>
+            </a:r>
+            <a:r>
+              <a:rPr lang="en-US" sz="2500" dirty="0" smtClean="0">
                 <a:latin typeface="PFDinTextCompPro-Light"/>
                 <a:cs typeface="PFDinTextCompPro-Light"/>
               </a:rPr>
@@ -14422,7 +14422,7 @@
               <a:t>|</a:t>
             </a:r>
             <a:r>
-              <a:rPr lang="en-US" sz="2500" spc="300" dirty="0">
+              <a:rPr lang="en-US" sz="2500" spc="300" dirty="0" smtClean="0">
                 <a:latin typeface="PFDinTextCompPro-Light"/>
                 <a:cs typeface="PFDinTextCompPro-Light"/>
               </a:rPr>
@@ -14430,13 +14430,13 @@
             </a:r>
             <a:r>
               <a:rPr lang="en-US" sz="2500" i="1" spc="300" dirty="0">
-                <a:latin typeface="+mn-lt"/>
-                <a:cs typeface="PFDinTextCompPro-Italic"/>
-              </a:rPr>
-              <a:t>x</a:t>
-            </a:r>
-            <a:r>
-              <a:rPr lang="en-US" sz="2500" dirty="0">
+                <a:latin typeface="Symbol" charset="2"/>
+                <a:cs typeface="Symbol" charset="2"/>
+              </a:rPr>
+              <a:t>b</a:t>
+            </a:r>
+            <a:r>
+              <a:rPr lang="en-US" sz="2500" dirty="0" smtClean="0">
                 <a:latin typeface="PFDinTextCompPro-Light"/>
                 <a:cs typeface="PFDinTextCompPro-Light"/>
               </a:rPr>
@@ -14569,7 +14569,7 @@
               <a:t>|</a:t>
             </a:r>
             <a:r>
-              <a:rPr lang="en-US" sz="2500" spc="300" dirty="0">
+              <a:rPr lang="en-US" sz="2500" spc="300" dirty="0" smtClean="0">
                 <a:latin typeface="PFDinTextCompPro-Light"/>
                 <a:cs typeface="PFDinTextCompPro-Light"/>
               </a:rPr>
@@ -14577,13 +14577,13 @@
             </a:r>
             <a:r>
               <a:rPr lang="en-US" sz="2500" i="1" spc="300" dirty="0">
-                <a:latin typeface="+mn-lt"/>
-                <a:cs typeface="PFDinTextCompPro-Italic"/>
-              </a:rPr>
-              <a:t>x</a:t>
-            </a:r>
-            <a:r>
-              <a:rPr lang="en-US" sz="2500" dirty="0">
+                <a:latin typeface="Symbol" charset="2"/>
+                <a:cs typeface="Symbol" charset="2"/>
+              </a:rPr>
+              <a:t>b</a:t>
+            </a:r>
+            <a:r>
+              <a:rPr lang="en-US" sz="2500" dirty="0" smtClean="0">
                 <a:latin typeface="PFDinTextCompPro-Light"/>
                 <a:cs typeface="PFDinTextCompPro-Light"/>
               </a:rPr>
@@ -16979,7 +16979,7 @@
               <a:t>|</a:t>
             </a:r>
             <a:r>
-              <a:rPr lang="en-US" sz="2500" spc="300" dirty="0">
+              <a:rPr lang="en-US" sz="2500" spc="300" dirty="0" smtClean="0">
                 <a:latin typeface="PFDinTextCompPro-Light"/>
                 <a:cs typeface="PFDinTextCompPro-Light"/>
               </a:rPr>
@@ -16987,12 +16987,13 @@
             </a:r>
             <a:r>
               <a:rPr lang="en-US" sz="2500" i="1" spc="300" dirty="0">
-                <a:cs typeface="PFDinTextCompPro-Italic"/>
-              </a:rPr>
-              <a:t>x</a:t>
-            </a:r>
-            <a:r>
-              <a:rPr lang="en-US" sz="2500" dirty="0">
+                <a:latin typeface="Symbol" charset="2"/>
+                <a:cs typeface="Symbol" charset="2"/>
+              </a:rPr>
+              <a:t>b</a:t>
+            </a:r>
+            <a:r>
+              <a:rPr lang="en-US" sz="2500" dirty="0" smtClean="0">
                 <a:latin typeface="PFDinTextCompPro-Light"/>
                 <a:cs typeface="PFDinTextCompPro-Light"/>
               </a:rPr>
@@ -17118,7 +17119,7 @@
               <a:t>|</a:t>
             </a:r>
             <a:r>
-              <a:rPr lang="en-US" sz="2500" spc="300" dirty="0">
+              <a:rPr lang="en-US" sz="2500" spc="300" dirty="0" smtClean="0">
                 <a:latin typeface="PFDinTextCompPro-Light"/>
                 <a:cs typeface="PFDinTextCompPro-Light"/>
               </a:rPr>
@@ -17126,19 +17127,20 @@
             </a:r>
             <a:r>
               <a:rPr lang="en-US" sz="2500" i="1" spc="300" dirty="0">
-                <a:cs typeface="PFDinTextCompPro-Italic"/>
-              </a:rPr>
-              <a:t>x</a:t>
-            </a:r>
-            <a:r>
-              <a:rPr lang="en-US" sz="2500" dirty="0">
+                <a:latin typeface="Symbol" charset="2"/>
+                <a:cs typeface="Symbol" charset="2"/>
+              </a:rPr>
+              <a:t>b</a:t>
+            </a:r>
+            <a:r>
+              <a:rPr lang="en-US" sz="2500" dirty="0" smtClean="0">
                 <a:latin typeface="PFDinTextCompPro-Light"/>
                 <a:cs typeface="PFDinTextCompPro-Light"/>
               </a:rPr>
               <a:t>|</a:t>
             </a:r>
             <a:r>
-              <a:rPr lang="en-US" sz="2500" spc="300" dirty="0">
+              <a:rPr lang="en-US" sz="2500" spc="300" dirty="0" smtClean="0">
                 <a:latin typeface="PFDinTextCompPro-Light"/>
                 <a:cs typeface="PFDinTextCompPro-Light"/>
               </a:rPr>
@@ -17497,7 +17499,7 @@
               <a:t>|</a:t>
             </a:r>
             <a:r>
-              <a:rPr lang="en-US" sz="2500" spc="300" dirty="0">
+              <a:rPr lang="en-US" sz="2500" spc="300" dirty="0" smtClean="0">
                 <a:latin typeface="PFDinTextCompPro-Light"/>
                 <a:cs typeface="PFDinTextCompPro-Light"/>
               </a:rPr>
@@ -17505,12 +17507,13 @@
             </a:r>
             <a:r>
               <a:rPr lang="en-US" sz="2500" i="1" spc="300" dirty="0">
-                <a:cs typeface="PFDinTextCompPro-Italic"/>
-              </a:rPr>
-              <a:t>x</a:t>
-            </a:r>
-            <a:r>
-              <a:rPr lang="en-US" sz="2500" dirty="0">
+                <a:latin typeface="Symbol" charset="2"/>
+                <a:cs typeface="Symbol" charset="2"/>
+              </a:rPr>
+              <a:t>b</a:t>
+            </a:r>
+            <a:r>
+              <a:rPr lang="en-US" sz="2500" dirty="0" smtClean="0">
                 <a:latin typeface="PFDinTextCompPro-Light"/>
                 <a:cs typeface="PFDinTextCompPro-Light"/>
               </a:rPr>
@@ -17636,7 +17639,7 @@
               <a:t>|</a:t>
             </a:r>
             <a:r>
-              <a:rPr lang="en-US" sz="2500" spc="300" dirty="0">
+              <a:rPr lang="en-US" sz="2500" spc="300" dirty="0" smtClean="0">
                 <a:latin typeface="PFDinTextCompPro-Light"/>
                 <a:cs typeface="PFDinTextCompPro-Light"/>
               </a:rPr>
@@ -17644,12 +17647,13 @@
             </a:r>
             <a:r>
               <a:rPr lang="en-US" sz="2500" i="1" spc="300" dirty="0">
-                <a:cs typeface="PFDinTextCompPro-Italic"/>
-              </a:rPr>
-              <a:t>x</a:t>
-            </a:r>
-            <a:r>
-              <a:rPr lang="en-US" sz="2500" dirty="0">
+                <a:latin typeface="Symbol" charset="2"/>
+                <a:cs typeface="Symbol" charset="2"/>
+              </a:rPr>
+              <a:t>b</a:t>
+            </a:r>
+            <a:r>
+              <a:rPr lang="en-US" sz="2500" dirty="0" smtClean="0">
                 <a:latin typeface="PFDinTextCompPro-Light"/>
                 <a:cs typeface="PFDinTextCompPro-Light"/>
               </a:rPr>
